--- a/2023-fall/lectures/lec12/figures/deep-latent.pptx
+++ b/2023-fall/lectures/lec12/figures/deep-latent.pptx
@@ -107,6 +107,11 @@
       </a:defRPr>
     </a:lvl9pPr>
   </p:defaultTextStyle>
+  <p:extLst>
+    <p:ext uri="{EFAFB233-063F-42B5-8137-9DF3F51BA10A}">
+      <p15:sldGuideLst xmlns:p15="http://schemas.microsoft.com/office/powerpoint/2012/main"/>
+    </p:ext>
+  </p:extLst>
 </p:presentation>
 </file>
 
@@ -257,7 +262,7 @@
           <a:p>
             <a:fld id="{83CDA0F9-2BB4-9547-8BA8-D1A9FA6F8FB3}" type="datetimeFigureOut">
               <a:rPr lang="en-US" smtClean="0"/>
-              <a:t>12/3/23</a:t>
+              <a:t>3/5/24</a:t>
             </a:fld>
             <a:endParaRPr lang="en-US"/>
           </a:p>
@@ -455,7 +460,7 @@
           <a:p>
             <a:fld id="{83CDA0F9-2BB4-9547-8BA8-D1A9FA6F8FB3}" type="datetimeFigureOut">
               <a:rPr lang="en-US" smtClean="0"/>
-              <a:t>12/3/23</a:t>
+              <a:t>3/5/24</a:t>
             </a:fld>
             <a:endParaRPr lang="en-US"/>
           </a:p>
@@ -663,7 +668,7 @@
           <a:p>
             <a:fld id="{83CDA0F9-2BB4-9547-8BA8-D1A9FA6F8FB3}" type="datetimeFigureOut">
               <a:rPr lang="en-US" smtClean="0"/>
-              <a:t>12/3/23</a:t>
+              <a:t>3/5/24</a:t>
             </a:fld>
             <a:endParaRPr lang="en-US"/>
           </a:p>
@@ -861,7 +866,7 @@
           <a:p>
             <a:fld id="{83CDA0F9-2BB4-9547-8BA8-D1A9FA6F8FB3}" type="datetimeFigureOut">
               <a:rPr lang="en-US" smtClean="0"/>
-              <a:t>12/3/23</a:t>
+              <a:t>3/5/24</a:t>
             </a:fld>
             <a:endParaRPr lang="en-US"/>
           </a:p>
@@ -1136,7 +1141,7 @@
           <a:p>
             <a:fld id="{83CDA0F9-2BB4-9547-8BA8-D1A9FA6F8FB3}" type="datetimeFigureOut">
               <a:rPr lang="en-US" smtClean="0"/>
-              <a:t>12/3/23</a:t>
+              <a:t>3/5/24</a:t>
             </a:fld>
             <a:endParaRPr lang="en-US"/>
           </a:p>
@@ -1401,7 +1406,7 @@
           <a:p>
             <a:fld id="{83CDA0F9-2BB4-9547-8BA8-D1A9FA6F8FB3}" type="datetimeFigureOut">
               <a:rPr lang="en-US" smtClean="0"/>
-              <a:t>12/3/23</a:t>
+              <a:t>3/5/24</a:t>
             </a:fld>
             <a:endParaRPr lang="en-US"/>
           </a:p>
@@ -1813,7 +1818,7 @@
           <a:p>
             <a:fld id="{83CDA0F9-2BB4-9547-8BA8-D1A9FA6F8FB3}" type="datetimeFigureOut">
               <a:rPr lang="en-US" smtClean="0"/>
-              <a:t>12/3/23</a:t>
+              <a:t>3/5/24</a:t>
             </a:fld>
             <a:endParaRPr lang="en-US"/>
           </a:p>
@@ -1954,7 +1959,7 @@
           <a:p>
             <a:fld id="{83CDA0F9-2BB4-9547-8BA8-D1A9FA6F8FB3}" type="datetimeFigureOut">
               <a:rPr lang="en-US" smtClean="0"/>
-              <a:t>12/3/23</a:t>
+              <a:t>3/5/24</a:t>
             </a:fld>
             <a:endParaRPr lang="en-US"/>
           </a:p>
@@ -2067,7 +2072,7 @@
           <a:p>
             <a:fld id="{83CDA0F9-2BB4-9547-8BA8-D1A9FA6F8FB3}" type="datetimeFigureOut">
               <a:rPr lang="en-US" smtClean="0"/>
-              <a:t>12/3/23</a:t>
+              <a:t>3/5/24</a:t>
             </a:fld>
             <a:endParaRPr lang="en-US"/>
           </a:p>
@@ -2378,7 +2383,7 @@
           <a:p>
             <a:fld id="{83CDA0F9-2BB4-9547-8BA8-D1A9FA6F8FB3}" type="datetimeFigureOut">
               <a:rPr lang="en-US" smtClean="0"/>
-              <a:t>12/3/23</a:t>
+              <a:t>3/5/24</a:t>
             </a:fld>
             <a:endParaRPr lang="en-US"/>
           </a:p>
@@ -2666,7 +2671,7 @@
           <a:p>
             <a:fld id="{83CDA0F9-2BB4-9547-8BA8-D1A9FA6F8FB3}" type="datetimeFigureOut">
               <a:rPr lang="en-US" smtClean="0"/>
-              <a:t>12/3/23</a:t>
+              <a:t>3/5/24</a:t>
             </a:fld>
             <a:endParaRPr lang="en-US"/>
           </a:p>
@@ -2907,7 +2912,7 @@
           <a:p>
             <a:fld id="{83CDA0F9-2BB4-9547-8BA8-D1A9FA6F8FB3}" type="datetimeFigureOut">
               <a:rPr lang="en-US" smtClean="0"/>
-              <a:t>12/3/23</a:t>
+              <a:t>3/5/24</a:t>
             </a:fld>
             <a:endParaRPr lang="en-US"/>
           </a:p>
@@ -3374,8 +3379,8 @@
           </a:p>
         </p:txBody>
       </p:sp>
-      <mc:AlternateContent xmlns:mc="http://schemas.openxmlformats.org/markup-compatibility/2006">
-        <mc:Choice xmlns:a14="http://schemas.microsoft.com/office/drawing/2010/main" Requires="a14">
+      <mc:AlternateContent xmlns:mc="http://schemas.openxmlformats.org/markup-compatibility/2006" xmlns:a14="http://schemas.microsoft.com/office/drawing/2010/main">
+        <mc:Choice Requires="a14">
           <p:sp>
             <p:nvSpPr>
               <p:cNvPr id="5" name="TextBox 4">
@@ -3404,6 +3409,7 @@
               </a:bodyPr>
               <a:lstStyle/>
               <a:p>
+                <a:pPr/>
                 <a14:m>
                   <m:oMathPara xmlns:m="http://schemas.openxmlformats.org/officeDocument/2006/math">
                     <m:oMathParaPr>
@@ -3426,7 +3432,7 @@
             </p:txBody>
           </p:sp>
         </mc:Choice>
-        <mc:Fallback>
+        <mc:Fallback xmlns="">
           <p:sp>
             <p:nvSpPr>
               <p:cNvPr id="5" name="TextBox 4">
@@ -4386,8 +4392,8 @@
           </a:p>
         </p:txBody>
       </p:sp>
-      <mc:AlternateContent xmlns:mc="http://schemas.openxmlformats.org/markup-compatibility/2006">
-        <mc:Choice xmlns:a14="http://schemas.microsoft.com/office/drawing/2010/main" Requires="a14">
+      <mc:AlternateContent xmlns:mc="http://schemas.openxmlformats.org/markup-compatibility/2006" xmlns:a14="http://schemas.microsoft.com/office/drawing/2010/main">
+        <mc:Choice Requires="a14">
           <p:sp>
             <p:nvSpPr>
               <p:cNvPr id="30" name="TextBox 29">
@@ -4416,6 +4422,7 @@
               </a:bodyPr>
               <a:lstStyle/>
               <a:p>
+                <a:pPr/>
                 <a14:m>
                   <m:oMathPara xmlns:m="http://schemas.openxmlformats.org/officeDocument/2006/math">
                     <m:oMathParaPr>
@@ -4438,7 +4445,7 @@
             </p:txBody>
           </p:sp>
         </mc:Choice>
-        <mc:Fallback>
+        <mc:Fallback xmlns="">
           <p:sp>
             <p:nvSpPr>
               <p:cNvPr id="30" name="TextBox 29">
@@ -4603,8 +4610,8 @@
           </a:p>
         </p:txBody>
       </p:sp>
-      <mc:AlternateContent xmlns:mc="http://schemas.openxmlformats.org/markup-compatibility/2006">
-        <mc:Choice xmlns:a14="http://schemas.microsoft.com/office/drawing/2010/main" Requires="a14">
+      <mc:AlternateContent xmlns:mc="http://schemas.openxmlformats.org/markup-compatibility/2006" xmlns:a14="http://schemas.microsoft.com/office/drawing/2010/main">
+        <mc:Choice Requires="a14">
           <p:sp>
             <p:nvSpPr>
               <p:cNvPr id="41" name="TextBox 40">
@@ -4633,6 +4640,7 @@
               </a:bodyPr>
               <a:lstStyle/>
               <a:p>
+                <a:pPr/>
                 <a14:m>
                   <m:oMathPara xmlns:m="http://schemas.openxmlformats.org/officeDocument/2006/math">
                     <m:oMathParaPr>
@@ -4674,7 +4682,7 @@
             </p:txBody>
           </p:sp>
         </mc:Choice>
-        <mc:Fallback>
+        <mc:Fallback xmlns="">
           <p:sp>
             <p:nvSpPr>
               <p:cNvPr id="41" name="TextBox 40">
@@ -4719,8 +4727,8 @@
           </p:sp>
         </mc:Fallback>
       </mc:AlternateContent>
-      <mc:AlternateContent xmlns:mc="http://schemas.openxmlformats.org/markup-compatibility/2006">
-        <mc:Choice xmlns:a14="http://schemas.microsoft.com/office/drawing/2010/main" Requires="a14">
+      <mc:AlternateContent xmlns:mc="http://schemas.openxmlformats.org/markup-compatibility/2006" xmlns:a14="http://schemas.microsoft.com/office/drawing/2010/main">
+        <mc:Choice Requires="a14">
           <p:sp>
             <p:nvSpPr>
               <p:cNvPr id="42" name="TextBox 41">
@@ -4749,6 +4757,7 @@
               </a:bodyPr>
               <a:lstStyle/>
               <a:p>
+                <a:pPr/>
                 <a14:m>
                   <m:oMathPara xmlns:m="http://schemas.openxmlformats.org/officeDocument/2006/math">
                     <m:oMathParaPr>
@@ -4790,7 +4799,7 @@
             </p:txBody>
           </p:sp>
         </mc:Choice>
-        <mc:Fallback>
+        <mc:Fallback xmlns="">
           <p:sp>
             <p:nvSpPr>
               <p:cNvPr id="42" name="TextBox 41">
@@ -4865,6 +4874,3360 @@
           <a:chExt cx="0" cy="0"/>
         </a:xfrm>
       </p:grpSpPr>
+      <p:grpSp>
+        <p:nvGrpSpPr>
+          <p:cNvPr id="53" name="Group 52">
+            <a:extLst>
+              <a:ext uri="{FF2B5EF4-FFF2-40B4-BE49-F238E27FC236}">
+                <a16:creationId xmlns:a16="http://schemas.microsoft.com/office/drawing/2014/main" id="{8BCFFF7A-D20A-F2F9-290F-D4B40481E190}"/>
+              </a:ext>
+            </a:extLst>
+          </p:cNvPr>
+          <p:cNvGrpSpPr/>
+          <p:nvPr/>
+        </p:nvGrpSpPr>
+        <p:grpSpPr>
+          <a:xfrm>
+            <a:off x="251599" y="528025"/>
+            <a:ext cx="8159192" cy="4224120"/>
+            <a:chOff x="251599" y="528025"/>
+            <a:chExt cx="8159192" cy="4224120"/>
+          </a:xfrm>
+        </p:grpSpPr>
+        <p:sp>
+          <p:nvSpPr>
+            <p:cNvPr id="4" name="Rectangle 3">
+              <a:extLst>
+                <a:ext uri="{FF2B5EF4-FFF2-40B4-BE49-F238E27FC236}">
+                  <a16:creationId xmlns:a16="http://schemas.microsoft.com/office/drawing/2014/main" id="{A0350F3A-90F8-F1C7-03BE-9E3259078567}"/>
+                </a:ext>
+              </a:extLst>
+            </p:cNvPr>
+            <p:cNvSpPr/>
+            <p:nvPr/>
+          </p:nvSpPr>
+          <p:spPr>
+            <a:xfrm>
+              <a:off x="1346886" y="1103586"/>
+              <a:ext cx="460893" cy="3072998"/>
+            </a:xfrm>
+            <a:prstGeom prst="rect">
+              <a:avLst/>
+            </a:prstGeom>
+            <a:noFill/>
+            <a:ln>
+              <a:solidFill>
+                <a:schemeClr val="tx1"/>
+              </a:solidFill>
+            </a:ln>
+          </p:spPr>
+          <p:style>
+            <a:lnRef idx="2">
+              <a:schemeClr val="dk1"/>
+            </a:lnRef>
+            <a:fillRef idx="1">
+              <a:schemeClr val="lt1"/>
+            </a:fillRef>
+            <a:effectRef idx="0">
+              <a:schemeClr val="dk1"/>
+            </a:effectRef>
+            <a:fontRef idx="minor">
+              <a:schemeClr val="dk1"/>
+            </a:fontRef>
+          </p:style>
+          <p:txBody>
+            <a:bodyPr rtlCol="0" anchor="ctr"/>
+            <a:lstStyle/>
+            <a:p>
+              <a:pPr algn="ctr"/>
+              <a:endParaRPr lang="en-US"/>
+            </a:p>
+          </p:txBody>
+        </p:sp>
+        <mc:AlternateContent xmlns:mc="http://schemas.openxmlformats.org/markup-compatibility/2006">
+          <mc:Choice xmlns:a14="http://schemas.microsoft.com/office/drawing/2010/main" Requires="a14">
+            <p:sp>
+              <p:nvSpPr>
+                <p:cNvPr id="5" name="TextBox 4">
+                  <a:extLst>
+                    <a:ext uri="{FF2B5EF4-FFF2-40B4-BE49-F238E27FC236}">
+                      <a16:creationId xmlns:a16="http://schemas.microsoft.com/office/drawing/2014/main" id="{65E6E687-1341-76FB-C53B-8757B9EA08DC}"/>
+                    </a:ext>
+                  </a:extLst>
+                </p:cNvPr>
+                <p:cNvSpPr txBox="1"/>
+                <p:nvPr/>
+              </p:nvSpPr>
+              <p:spPr>
+                <a:xfrm>
+                  <a:off x="1393339" y="4382813"/>
+                  <a:ext cx="366382" cy="369332"/>
+                </a:xfrm>
+                <a:prstGeom prst="rect">
+                  <a:avLst/>
+                </a:prstGeom>
+                <a:noFill/>
+              </p:spPr>
+              <p:txBody>
+                <a:bodyPr wrap="none" rtlCol="0">
+                  <a:spAutoFit/>
+                </a:bodyPr>
+                <a:lstStyle/>
+                <a:p>
+                  <a:pPr/>
+                  <a14:m>
+                    <m:oMathPara xmlns:m="http://schemas.openxmlformats.org/officeDocument/2006/math">
+                      <m:oMathParaPr>
+                        <m:jc m:val="centerGroup"/>
+                      </m:oMathParaPr>
+                      <m:oMath xmlns:m="http://schemas.openxmlformats.org/officeDocument/2006/math">
+                        <m:r>
+                          <a:rPr lang="en-US" b="1" i="1" dirty="0" smtClean="0">
+                            <a:latin typeface="Cambria Math" panose="02040503050406030204" pitchFamily="18" charset="0"/>
+                          </a:rPr>
+                          <m:t>𝒙</m:t>
+                        </m:r>
+                      </m:oMath>
+                    </m:oMathPara>
+                  </a14:m>
+                  <a:endParaRPr lang="en-US" b="1" i="1" dirty="0">
+                    <a:latin typeface="Cambria Math" panose="02040503050406030204" pitchFamily="18" charset="0"/>
+                  </a:endParaRPr>
+                </a:p>
+              </p:txBody>
+            </p:sp>
+          </mc:Choice>
+          <mc:Fallback>
+            <p:sp>
+              <p:nvSpPr>
+                <p:cNvPr id="5" name="TextBox 4">
+                  <a:extLst>
+                    <a:ext uri="{FF2B5EF4-FFF2-40B4-BE49-F238E27FC236}">
+                      <a16:creationId xmlns:a16="http://schemas.microsoft.com/office/drawing/2014/main" id="{65E6E687-1341-76FB-C53B-8757B9EA08DC}"/>
+                    </a:ext>
+                  </a:extLst>
+                </p:cNvPr>
+                <p:cNvSpPr txBox="1">
+                  <a:spLocks noRot="1" noChangeAspect="1" noMove="1" noResize="1" noEditPoints="1" noAdjustHandles="1" noChangeArrowheads="1" noChangeShapeType="1" noTextEdit="1"/>
+                </p:cNvSpPr>
+                <p:nvPr/>
+              </p:nvSpPr>
+              <p:spPr>
+                <a:xfrm>
+                  <a:off x="1393339" y="4382813"/>
+                  <a:ext cx="366382" cy="369332"/>
+                </a:xfrm>
+                <a:prstGeom prst="rect">
+                  <a:avLst/>
+                </a:prstGeom>
+                <a:blipFill>
+                  <a:blip r:embed="rId2"/>
+                  <a:stretch>
+                    <a:fillRect/>
+                  </a:stretch>
+                </a:blipFill>
+              </p:spPr>
+              <p:txBody>
+                <a:bodyPr/>
+                <a:lstStyle/>
+                <a:p>
+                  <a:r>
+                    <a:rPr lang="en-US">
+                      <a:noFill/>
+                    </a:rPr>
+                    <a:t> </a:t>
+                  </a:r>
+                </a:p>
+              </p:txBody>
+            </p:sp>
+          </mc:Fallback>
+        </mc:AlternateContent>
+        <p:sp>
+          <p:nvSpPr>
+            <p:cNvPr id="6" name="Oval 5">
+              <a:extLst>
+                <a:ext uri="{FF2B5EF4-FFF2-40B4-BE49-F238E27FC236}">
+                  <a16:creationId xmlns:a16="http://schemas.microsoft.com/office/drawing/2014/main" id="{D1946D81-98DE-7C21-8F5B-6C352B1D11F3}"/>
+                </a:ext>
+              </a:extLst>
+            </p:cNvPr>
+            <p:cNvSpPr/>
+            <p:nvPr/>
+          </p:nvSpPr>
+          <p:spPr>
+            <a:xfrm>
+              <a:off x="1393339" y="1187669"/>
+              <a:ext cx="366382" cy="366382"/>
+            </a:xfrm>
+            <a:prstGeom prst="ellipse">
+              <a:avLst/>
+            </a:prstGeom>
+            <a:noFill/>
+            <a:ln>
+              <a:solidFill>
+                <a:schemeClr val="tx1"/>
+              </a:solidFill>
+            </a:ln>
+          </p:spPr>
+          <p:style>
+            <a:lnRef idx="2">
+              <a:schemeClr val="accent1">
+                <a:shade val="15000"/>
+              </a:schemeClr>
+            </a:lnRef>
+            <a:fillRef idx="1">
+              <a:schemeClr val="accent1"/>
+            </a:fillRef>
+            <a:effectRef idx="0">
+              <a:schemeClr val="accent1"/>
+            </a:effectRef>
+            <a:fontRef idx="minor">
+              <a:schemeClr val="lt1"/>
+            </a:fontRef>
+          </p:style>
+          <p:txBody>
+            <a:bodyPr rtlCol="0" anchor="ctr"/>
+            <a:lstStyle/>
+            <a:p>
+              <a:pPr algn="ctr"/>
+              <a:endParaRPr lang="en-US"/>
+            </a:p>
+          </p:txBody>
+        </p:sp>
+        <p:sp>
+          <p:nvSpPr>
+            <p:cNvPr id="7" name="TextBox 6">
+              <a:extLst>
+                <a:ext uri="{FF2B5EF4-FFF2-40B4-BE49-F238E27FC236}">
+                  <a16:creationId xmlns:a16="http://schemas.microsoft.com/office/drawing/2014/main" id="{85B69CE1-263C-877A-C3E0-E7CF766B8208}"/>
+                </a:ext>
+              </a:extLst>
+            </p:cNvPr>
+            <p:cNvSpPr txBox="1"/>
+            <p:nvPr/>
+          </p:nvSpPr>
+          <p:spPr>
+            <a:xfrm>
+              <a:off x="1234128" y="528025"/>
+              <a:ext cx="684803" cy="369332"/>
+            </a:xfrm>
+            <a:prstGeom prst="rect">
+              <a:avLst/>
+            </a:prstGeom>
+            <a:noFill/>
+          </p:spPr>
+          <p:txBody>
+            <a:bodyPr wrap="none" rtlCol="0">
+              <a:spAutoFit/>
+            </a:bodyPr>
+            <a:lstStyle/>
+            <a:p>
+              <a:r>
+                <a:rPr lang="en-US" dirty="0"/>
+                <a:t>Input</a:t>
+              </a:r>
+            </a:p>
+          </p:txBody>
+        </p:sp>
+        <p:sp>
+          <p:nvSpPr>
+            <p:cNvPr id="8" name="Oval 7">
+              <a:extLst>
+                <a:ext uri="{FF2B5EF4-FFF2-40B4-BE49-F238E27FC236}">
+                  <a16:creationId xmlns:a16="http://schemas.microsoft.com/office/drawing/2014/main" id="{FEDB6466-B34B-3CC7-37A9-6F565F0A1758}"/>
+                </a:ext>
+              </a:extLst>
+            </p:cNvPr>
+            <p:cNvSpPr/>
+            <p:nvPr/>
+          </p:nvSpPr>
+          <p:spPr>
+            <a:xfrm>
+              <a:off x="1393338" y="1610200"/>
+              <a:ext cx="366382" cy="366382"/>
+            </a:xfrm>
+            <a:prstGeom prst="ellipse">
+              <a:avLst/>
+            </a:prstGeom>
+            <a:noFill/>
+            <a:ln>
+              <a:solidFill>
+                <a:schemeClr val="tx1"/>
+              </a:solidFill>
+            </a:ln>
+          </p:spPr>
+          <p:style>
+            <a:lnRef idx="2">
+              <a:schemeClr val="accent1">
+                <a:shade val="15000"/>
+              </a:schemeClr>
+            </a:lnRef>
+            <a:fillRef idx="1">
+              <a:schemeClr val="accent1"/>
+            </a:fillRef>
+            <a:effectRef idx="0">
+              <a:schemeClr val="accent1"/>
+            </a:effectRef>
+            <a:fontRef idx="minor">
+              <a:schemeClr val="lt1"/>
+            </a:fontRef>
+          </p:style>
+          <p:txBody>
+            <a:bodyPr rtlCol="0" anchor="ctr"/>
+            <a:lstStyle/>
+            <a:p>
+              <a:pPr algn="ctr"/>
+              <a:endParaRPr lang="en-US"/>
+            </a:p>
+          </p:txBody>
+        </p:sp>
+        <p:sp>
+          <p:nvSpPr>
+            <p:cNvPr id="9" name="Oval 8">
+              <a:extLst>
+                <a:ext uri="{FF2B5EF4-FFF2-40B4-BE49-F238E27FC236}">
+                  <a16:creationId xmlns:a16="http://schemas.microsoft.com/office/drawing/2014/main" id="{ED6190EF-5457-BDF7-4D80-29F055F07AFE}"/>
+                </a:ext>
+              </a:extLst>
+            </p:cNvPr>
+            <p:cNvSpPr/>
+            <p:nvPr/>
+          </p:nvSpPr>
+          <p:spPr>
+            <a:xfrm>
+              <a:off x="1393338" y="2032731"/>
+              <a:ext cx="366382" cy="366382"/>
+            </a:xfrm>
+            <a:prstGeom prst="ellipse">
+              <a:avLst/>
+            </a:prstGeom>
+            <a:noFill/>
+            <a:ln>
+              <a:solidFill>
+                <a:schemeClr val="tx1"/>
+              </a:solidFill>
+            </a:ln>
+          </p:spPr>
+          <p:style>
+            <a:lnRef idx="2">
+              <a:schemeClr val="accent1">
+                <a:shade val="15000"/>
+              </a:schemeClr>
+            </a:lnRef>
+            <a:fillRef idx="1">
+              <a:schemeClr val="accent1"/>
+            </a:fillRef>
+            <a:effectRef idx="0">
+              <a:schemeClr val="accent1"/>
+            </a:effectRef>
+            <a:fontRef idx="minor">
+              <a:schemeClr val="lt1"/>
+            </a:fontRef>
+          </p:style>
+          <p:txBody>
+            <a:bodyPr rtlCol="0" anchor="ctr"/>
+            <a:lstStyle/>
+            <a:p>
+              <a:pPr algn="ctr"/>
+              <a:endParaRPr lang="en-US"/>
+            </a:p>
+          </p:txBody>
+        </p:sp>
+        <p:sp>
+          <p:nvSpPr>
+            <p:cNvPr id="10" name="Oval 9">
+              <a:extLst>
+                <a:ext uri="{FF2B5EF4-FFF2-40B4-BE49-F238E27FC236}">
+                  <a16:creationId xmlns:a16="http://schemas.microsoft.com/office/drawing/2014/main" id="{E076A4CB-722E-10C8-FE7C-0262AF207DC6}"/>
+                </a:ext>
+              </a:extLst>
+            </p:cNvPr>
+            <p:cNvSpPr/>
+            <p:nvPr/>
+          </p:nvSpPr>
+          <p:spPr>
+            <a:xfrm>
+              <a:off x="1393338" y="2455262"/>
+              <a:ext cx="366382" cy="366382"/>
+            </a:xfrm>
+            <a:prstGeom prst="ellipse">
+              <a:avLst/>
+            </a:prstGeom>
+            <a:noFill/>
+            <a:ln>
+              <a:solidFill>
+                <a:schemeClr val="tx1"/>
+              </a:solidFill>
+            </a:ln>
+          </p:spPr>
+          <p:style>
+            <a:lnRef idx="2">
+              <a:schemeClr val="accent1">
+                <a:shade val="15000"/>
+              </a:schemeClr>
+            </a:lnRef>
+            <a:fillRef idx="1">
+              <a:schemeClr val="accent1"/>
+            </a:fillRef>
+            <a:effectRef idx="0">
+              <a:schemeClr val="accent1"/>
+            </a:effectRef>
+            <a:fontRef idx="minor">
+              <a:schemeClr val="lt1"/>
+            </a:fontRef>
+          </p:style>
+          <p:txBody>
+            <a:bodyPr rtlCol="0" anchor="ctr"/>
+            <a:lstStyle/>
+            <a:p>
+              <a:pPr algn="ctr"/>
+              <a:endParaRPr lang="en-US"/>
+            </a:p>
+          </p:txBody>
+        </p:sp>
+        <p:sp>
+          <p:nvSpPr>
+            <p:cNvPr id="11" name="Oval 10">
+              <a:extLst>
+                <a:ext uri="{FF2B5EF4-FFF2-40B4-BE49-F238E27FC236}">
+                  <a16:creationId xmlns:a16="http://schemas.microsoft.com/office/drawing/2014/main" id="{09CD8CF7-4F7F-5E5C-52C2-0A5D406808C1}"/>
+                </a:ext>
+              </a:extLst>
+            </p:cNvPr>
+            <p:cNvSpPr/>
+            <p:nvPr/>
+          </p:nvSpPr>
+          <p:spPr>
+            <a:xfrm>
+              <a:off x="1393338" y="2877793"/>
+              <a:ext cx="366382" cy="366382"/>
+            </a:xfrm>
+            <a:prstGeom prst="ellipse">
+              <a:avLst/>
+            </a:prstGeom>
+            <a:noFill/>
+            <a:ln>
+              <a:solidFill>
+                <a:schemeClr val="tx1"/>
+              </a:solidFill>
+            </a:ln>
+          </p:spPr>
+          <p:style>
+            <a:lnRef idx="2">
+              <a:schemeClr val="accent1">
+                <a:shade val="15000"/>
+              </a:schemeClr>
+            </a:lnRef>
+            <a:fillRef idx="1">
+              <a:schemeClr val="accent1"/>
+            </a:fillRef>
+            <a:effectRef idx="0">
+              <a:schemeClr val="accent1"/>
+            </a:effectRef>
+            <a:fontRef idx="minor">
+              <a:schemeClr val="lt1"/>
+            </a:fontRef>
+          </p:style>
+          <p:txBody>
+            <a:bodyPr rtlCol="0" anchor="ctr"/>
+            <a:lstStyle/>
+            <a:p>
+              <a:pPr algn="ctr"/>
+              <a:endParaRPr lang="en-US"/>
+            </a:p>
+          </p:txBody>
+        </p:sp>
+        <p:sp>
+          <p:nvSpPr>
+            <p:cNvPr id="12" name="Oval 11">
+              <a:extLst>
+                <a:ext uri="{FF2B5EF4-FFF2-40B4-BE49-F238E27FC236}">
+                  <a16:creationId xmlns:a16="http://schemas.microsoft.com/office/drawing/2014/main" id="{1DA4F4D5-D238-CA9E-D2D2-F9CB7C2028CE}"/>
+                </a:ext>
+              </a:extLst>
+            </p:cNvPr>
+            <p:cNvSpPr/>
+            <p:nvPr/>
+          </p:nvSpPr>
+          <p:spPr>
+            <a:xfrm>
+              <a:off x="1393338" y="3296373"/>
+              <a:ext cx="366382" cy="366382"/>
+            </a:xfrm>
+            <a:prstGeom prst="ellipse">
+              <a:avLst/>
+            </a:prstGeom>
+            <a:noFill/>
+            <a:ln>
+              <a:solidFill>
+                <a:schemeClr val="tx1"/>
+              </a:solidFill>
+            </a:ln>
+          </p:spPr>
+          <p:style>
+            <a:lnRef idx="2">
+              <a:schemeClr val="accent1">
+                <a:shade val="15000"/>
+              </a:schemeClr>
+            </a:lnRef>
+            <a:fillRef idx="1">
+              <a:schemeClr val="accent1"/>
+            </a:fillRef>
+            <a:effectRef idx="0">
+              <a:schemeClr val="accent1"/>
+            </a:effectRef>
+            <a:fontRef idx="minor">
+              <a:schemeClr val="lt1"/>
+            </a:fontRef>
+          </p:style>
+          <p:txBody>
+            <a:bodyPr rtlCol="0" anchor="ctr"/>
+            <a:lstStyle/>
+            <a:p>
+              <a:pPr algn="ctr"/>
+              <a:endParaRPr lang="en-US"/>
+            </a:p>
+          </p:txBody>
+        </p:sp>
+        <p:sp>
+          <p:nvSpPr>
+            <p:cNvPr id="13" name="Oval 12">
+              <a:extLst>
+                <a:ext uri="{FF2B5EF4-FFF2-40B4-BE49-F238E27FC236}">
+                  <a16:creationId xmlns:a16="http://schemas.microsoft.com/office/drawing/2014/main" id="{998E3856-DD80-FC78-5039-744358554C28}"/>
+                </a:ext>
+              </a:extLst>
+            </p:cNvPr>
+            <p:cNvSpPr/>
+            <p:nvPr/>
+          </p:nvSpPr>
+          <p:spPr>
+            <a:xfrm>
+              <a:off x="1393338" y="3714953"/>
+              <a:ext cx="366382" cy="366382"/>
+            </a:xfrm>
+            <a:prstGeom prst="ellipse">
+              <a:avLst/>
+            </a:prstGeom>
+            <a:noFill/>
+            <a:ln>
+              <a:solidFill>
+                <a:schemeClr val="tx1"/>
+              </a:solidFill>
+            </a:ln>
+          </p:spPr>
+          <p:style>
+            <a:lnRef idx="2">
+              <a:schemeClr val="accent1">
+                <a:shade val="15000"/>
+              </a:schemeClr>
+            </a:lnRef>
+            <a:fillRef idx="1">
+              <a:schemeClr val="accent1"/>
+            </a:fillRef>
+            <a:effectRef idx="0">
+              <a:schemeClr val="accent1"/>
+            </a:effectRef>
+            <a:fontRef idx="minor">
+              <a:schemeClr val="lt1"/>
+            </a:fontRef>
+          </p:style>
+          <p:txBody>
+            <a:bodyPr rtlCol="0" anchor="ctr"/>
+            <a:lstStyle/>
+            <a:p>
+              <a:pPr algn="ctr"/>
+              <a:endParaRPr lang="en-US"/>
+            </a:p>
+          </p:txBody>
+        </p:sp>
+        <p:sp>
+          <p:nvSpPr>
+            <p:cNvPr id="14" name="Rectangle 13">
+              <a:extLst>
+                <a:ext uri="{FF2B5EF4-FFF2-40B4-BE49-F238E27FC236}">
+                  <a16:creationId xmlns:a16="http://schemas.microsoft.com/office/drawing/2014/main" id="{2C725B42-15F0-401E-A5B1-37AE85275674}"/>
+                </a:ext>
+              </a:extLst>
+            </p:cNvPr>
+            <p:cNvSpPr/>
+            <p:nvPr/>
+          </p:nvSpPr>
+          <p:spPr>
+            <a:xfrm>
+              <a:off x="2734614" y="1509602"/>
+              <a:ext cx="460893" cy="2254906"/>
+            </a:xfrm>
+            <a:prstGeom prst="rect">
+              <a:avLst/>
+            </a:prstGeom>
+            <a:noFill/>
+            <a:ln>
+              <a:solidFill>
+                <a:schemeClr val="tx1"/>
+              </a:solidFill>
+            </a:ln>
+          </p:spPr>
+          <p:style>
+            <a:lnRef idx="2">
+              <a:schemeClr val="dk1"/>
+            </a:lnRef>
+            <a:fillRef idx="1">
+              <a:schemeClr val="lt1"/>
+            </a:fillRef>
+            <a:effectRef idx="0">
+              <a:schemeClr val="dk1"/>
+            </a:effectRef>
+            <a:fontRef idx="minor">
+              <a:schemeClr val="dk1"/>
+            </a:fontRef>
+          </p:style>
+          <p:txBody>
+            <a:bodyPr rtlCol="0" anchor="ctr"/>
+            <a:lstStyle/>
+            <a:p>
+              <a:pPr algn="ctr"/>
+              <a:endParaRPr lang="en-US"/>
+            </a:p>
+          </p:txBody>
+        </p:sp>
+        <p:sp>
+          <p:nvSpPr>
+            <p:cNvPr id="15" name="Oval 14">
+              <a:extLst>
+                <a:ext uri="{FF2B5EF4-FFF2-40B4-BE49-F238E27FC236}">
+                  <a16:creationId xmlns:a16="http://schemas.microsoft.com/office/drawing/2014/main" id="{71913042-2BA6-7915-CC55-3267929CD7A7}"/>
+                </a:ext>
+              </a:extLst>
+            </p:cNvPr>
+            <p:cNvSpPr/>
+            <p:nvPr/>
+          </p:nvSpPr>
+          <p:spPr>
+            <a:xfrm>
+              <a:off x="2781067" y="1593685"/>
+              <a:ext cx="366382" cy="366382"/>
+            </a:xfrm>
+            <a:prstGeom prst="ellipse">
+              <a:avLst/>
+            </a:prstGeom>
+            <a:noFill/>
+            <a:ln>
+              <a:solidFill>
+                <a:schemeClr val="tx1"/>
+              </a:solidFill>
+            </a:ln>
+          </p:spPr>
+          <p:style>
+            <a:lnRef idx="2">
+              <a:schemeClr val="accent1">
+                <a:shade val="15000"/>
+              </a:schemeClr>
+            </a:lnRef>
+            <a:fillRef idx="1">
+              <a:schemeClr val="accent1"/>
+            </a:fillRef>
+            <a:effectRef idx="0">
+              <a:schemeClr val="accent1"/>
+            </a:effectRef>
+            <a:fontRef idx="minor">
+              <a:schemeClr val="lt1"/>
+            </a:fontRef>
+          </p:style>
+          <p:txBody>
+            <a:bodyPr rtlCol="0" anchor="ctr"/>
+            <a:lstStyle/>
+            <a:p>
+              <a:pPr algn="ctr"/>
+              <a:endParaRPr lang="en-US"/>
+            </a:p>
+          </p:txBody>
+        </p:sp>
+        <p:sp>
+          <p:nvSpPr>
+            <p:cNvPr id="16" name="Oval 15">
+              <a:extLst>
+                <a:ext uri="{FF2B5EF4-FFF2-40B4-BE49-F238E27FC236}">
+                  <a16:creationId xmlns:a16="http://schemas.microsoft.com/office/drawing/2014/main" id="{DEE02F2C-2EE8-278C-32C5-67B72D764186}"/>
+                </a:ext>
+              </a:extLst>
+            </p:cNvPr>
+            <p:cNvSpPr/>
+            <p:nvPr/>
+          </p:nvSpPr>
+          <p:spPr>
+            <a:xfrm>
+              <a:off x="2781066" y="2016216"/>
+              <a:ext cx="366382" cy="366382"/>
+            </a:xfrm>
+            <a:prstGeom prst="ellipse">
+              <a:avLst/>
+            </a:prstGeom>
+            <a:noFill/>
+            <a:ln>
+              <a:solidFill>
+                <a:schemeClr val="tx1"/>
+              </a:solidFill>
+            </a:ln>
+          </p:spPr>
+          <p:style>
+            <a:lnRef idx="2">
+              <a:schemeClr val="accent1">
+                <a:shade val="15000"/>
+              </a:schemeClr>
+            </a:lnRef>
+            <a:fillRef idx="1">
+              <a:schemeClr val="accent1"/>
+            </a:fillRef>
+            <a:effectRef idx="0">
+              <a:schemeClr val="accent1"/>
+            </a:effectRef>
+            <a:fontRef idx="minor">
+              <a:schemeClr val="lt1"/>
+            </a:fontRef>
+          </p:style>
+          <p:txBody>
+            <a:bodyPr rtlCol="0" anchor="ctr"/>
+            <a:lstStyle/>
+            <a:p>
+              <a:pPr algn="ctr"/>
+              <a:endParaRPr lang="en-US"/>
+            </a:p>
+          </p:txBody>
+        </p:sp>
+        <p:sp>
+          <p:nvSpPr>
+            <p:cNvPr id="17" name="Oval 16">
+              <a:extLst>
+                <a:ext uri="{FF2B5EF4-FFF2-40B4-BE49-F238E27FC236}">
+                  <a16:creationId xmlns:a16="http://schemas.microsoft.com/office/drawing/2014/main" id="{E863BBCC-0251-7927-A5F1-68119CAC3A14}"/>
+                </a:ext>
+              </a:extLst>
+            </p:cNvPr>
+            <p:cNvSpPr/>
+            <p:nvPr/>
+          </p:nvSpPr>
+          <p:spPr>
+            <a:xfrm>
+              <a:off x="2781066" y="2438747"/>
+              <a:ext cx="366382" cy="366382"/>
+            </a:xfrm>
+            <a:prstGeom prst="ellipse">
+              <a:avLst/>
+            </a:prstGeom>
+            <a:noFill/>
+            <a:ln>
+              <a:solidFill>
+                <a:schemeClr val="tx1"/>
+              </a:solidFill>
+            </a:ln>
+          </p:spPr>
+          <p:style>
+            <a:lnRef idx="2">
+              <a:schemeClr val="accent1">
+                <a:shade val="15000"/>
+              </a:schemeClr>
+            </a:lnRef>
+            <a:fillRef idx="1">
+              <a:schemeClr val="accent1"/>
+            </a:fillRef>
+            <a:effectRef idx="0">
+              <a:schemeClr val="accent1"/>
+            </a:effectRef>
+            <a:fontRef idx="minor">
+              <a:schemeClr val="lt1"/>
+            </a:fontRef>
+          </p:style>
+          <p:txBody>
+            <a:bodyPr rtlCol="0" anchor="ctr"/>
+            <a:lstStyle/>
+            <a:p>
+              <a:pPr algn="ctr"/>
+              <a:endParaRPr lang="en-US"/>
+            </a:p>
+          </p:txBody>
+        </p:sp>
+        <p:sp>
+          <p:nvSpPr>
+            <p:cNvPr id="18" name="Oval 17">
+              <a:extLst>
+                <a:ext uri="{FF2B5EF4-FFF2-40B4-BE49-F238E27FC236}">
+                  <a16:creationId xmlns:a16="http://schemas.microsoft.com/office/drawing/2014/main" id="{93303AF3-CB12-03F0-E1CF-8B303B9DE92D}"/>
+                </a:ext>
+              </a:extLst>
+            </p:cNvPr>
+            <p:cNvSpPr/>
+            <p:nvPr/>
+          </p:nvSpPr>
+          <p:spPr>
+            <a:xfrm>
+              <a:off x="2781066" y="2861278"/>
+              <a:ext cx="366382" cy="366382"/>
+            </a:xfrm>
+            <a:prstGeom prst="ellipse">
+              <a:avLst/>
+            </a:prstGeom>
+            <a:noFill/>
+            <a:ln>
+              <a:solidFill>
+                <a:schemeClr val="tx1"/>
+              </a:solidFill>
+            </a:ln>
+          </p:spPr>
+          <p:style>
+            <a:lnRef idx="2">
+              <a:schemeClr val="accent1">
+                <a:shade val="15000"/>
+              </a:schemeClr>
+            </a:lnRef>
+            <a:fillRef idx="1">
+              <a:schemeClr val="accent1"/>
+            </a:fillRef>
+            <a:effectRef idx="0">
+              <a:schemeClr val="accent1"/>
+            </a:effectRef>
+            <a:fontRef idx="minor">
+              <a:schemeClr val="lt1"/>
+            </a:fontRef>
+          </p:style>
+          <p:txBody>
+            <a:bodyPr rtlCol="0" anchor="ctr"/>
+            <a:lstStyle/>
+            <a:p>
+              <a:pPr algn="ctr"/>
+              <a:endParaRPr lang="en-US"/>
+            </a:p>
+          </p:txBody>
+        </p:sp>
+        <p:sp>
+          <p:nvSpPr>
+            <p:cNvPr id="19" name="Oval 18">
+              <a:extLst>
+                <a:ext uri="{FF2B5EF4-FFF2-40B4-BE49-F238E27FC236}">
+                  <a16:creationId xmlns:a16="http://schemas.microsoft.com/office/drawing/2014/main" id="{C61C518D-72D9-72BC-A69F-A8F58B4483C1}"/>
+                </a:ext>
+              </a:extLst>
+            </p:cNvPr>
+            <p:cNvSpPr/>
+            <p:nvPr/>
+          </p:nvSpPr>
+          <p:spPr>
+            <a:xfrm>
+              <a:off x="2781066" y="3283809"/>
+              <a:ext cx="366382" cy="366382"/>
+            </a:xfrm>
+            <a:prstGeom prst="ellipse">
+              <a:avLst/>
+            </a:prstGeom>
+            <a:noFill/>
+            <a:ln>
+              <a:solidFill>
+                <a:schemeClr val="tx1"/>
+              </a:solidFill>
+            </a:ln>
+          </p:spPr>
+          <p:style>
+            <a:lnRef idx="2">
+              <a:schemeClr val="accent1">
+                <a:shade val="15000"/>
+              </a:schemeClr>
+            </a:lnRef>
+            <a:fillRef idx="1">
+              <a:schemeClr val="accent1"/>
+            </a:fillRef>
+            <a:effectRef idx="0">
+              <a:schemeClr val="accent1"/>
+            </a:effectRef>
+            <a:fontRef idx="minor">
+              <a:schemeClr val="lt1"/>
+            </a:fontRef>
+          </p:style>
+          <p:txBody>
+            <a:bodyPr rtlCol="0" anchor="ctr"/>
+            <a:lstStyle/>
+            <a:p>
+              <a:pPr algn="ctr"/>
+              <a:endParaRPr lang="en-US"/>
+            </a:p>
+          </p:txBody>
+        </p:sp>
+        <p:sp>
+          <p:nvSpPr>
+            <p:cNvPr id="22" name="Rectangle 21">
+              <a:extLst>
+                <a:ext uri="{FF2B5EF4-FFF2-40B4-BE49-F238E27FC236}">
+                  <a16:creationId xmlns:a16="http://schemas.microsoft.com/office/drawing/2014/main" id="{E49954DA-CE65-458F-F239-4A60BF158BB7}"/>
+                </a:ext>
+              </a:extLst>
+            </p:cNvPr>
+            <p:cNvSpPr/>
+            <p:nvPr/>
+          </p:nvSpPr>
+          <p:spPr>
+            <a:xfrm>
+              <a:off x="4119051" y="1948981"/>
+              <a:ext cx="460893" cy="1376147"/>
+            </a:xfrm>
+            <a:prstGeom prst="rect">
+              <a:avLst/>
+            </a:prstGeom>
+            <a:noFill/>
+            <a:ln>
+              <a:solidFill>
+                <a:schemeClr val="tx1"/>
+              </a:solidFill>
+            </a:ln>
+          </p:spPr>
+          <p:style>
+            <a:lnRef idx="2">
+              <a:schemeClr val="dk1"/>
+            </a:lnRef>
+            <a:fillRef idx="1">
+              <a:schemeClr val="lt1"/>
+            </a:fillRef>
+            <a:effectRef idx="0">
+              <a:schemeClr val="dk1"/>
+            </a:effectRef>
+            <a:fontRef idx="minor">
+              <a:schemeClr val="dk1"/>
+            </a:fontRef>
+          </p:style>
+          <p:txBody>
+            <a:bodyPr rtlCol="0" anchor="ctr"/>
+            <a:lstStyle/>
+            <a:p>
+              <a:pPr algn="ctr"/>
+              <a:endParaRPr lang="en-US"/>
+            </a:p>
+          </p:txBody>
+        </p:sp>
+        <p:sp>
+          <p:nvSpPr>
+            <p:cNvPr id="23" name="Oval 22">
+              <a:extLst>
+                <a:ext uri="{FF2B5EF4-FFF2-40B4-BE49-F238E27FC236}">
+                  <a16:creationId xmlns:a16="http://schemas.microsoft.com/office/drawing/2014/main" id="{EB4A4A7A-96BF-6A40-046A-9FA4E7D425A7}"/>
+                </a:ext>
+              </a:extLst>
+            </p:cNvPr>
+            <p:cNvSpPr/>
+            <p:nvPr/>
+          </p:nvSpPr>
+          <p:spPr>
+            <a:xfrm>
+              <a:off x="4165504" y="2033065"/>
+              <a:ext cx="366382" cy="366382"/>
+            </a:xfrm>
+            <a:prstGeom prst="ellipse">
+              <a:avLst/>
+            </a:prstGeom>
+            <a:noFill/>
+            <a:ln>
+              <a:solidFill>
+                <a:schemeClr val="tx1"/>
+              </a:solidFill>
+            </a:ln>
+          </p:spPr>
+          <p:style>
+            <a:lnRef idx="2">
+              <a:schemeClr val="accent1">
+                <a:shade val="15000"/>
+              </a:schemeClr>
+            </a:lnRef>
+            <a:fillRef idx="1">
+              <a:schemeClr val="accent1"/>
+            </a:fillRef>
+            <a:effectRef idx="0">
+              <a:schemeClr val="accent1"/>
+            </a:effectRef>
+            <a:fontRef idx="minor">
+              <a:schemeClr val="lt1"/>
+            </a:fontRef>
+          </p:style>
+          <p:txBody>
+            <a:bodyPr rtlCol="0" anchor="ctr"/>
+            <a:lstStyle/>
+            <a:p>
+              <a:pPr algn="ctr"/>
+              <a:endParaRPr lang="en-US"/>
+            </a:p>
+          </p:txBody>
+        </p:sp>
+        <p:sp>
+          <p:nvSpPr>
+            <p:cNvPr id="24" name="Oval 23">
+              <a:extLst>
+                <a:ext uri="{FF2B5EF4-FFF2-40B4-BE49-F238E27FC236}">
+                  <a16:creationId xmlns:a16="http://schemas.microsoft.com/office/drawing/2014/main" id="{E845005D-3B8D-E7AE-634F-991332D9FF25}"/>
+                </a:ext>
+              </a:extLst>
+            </p:cNvPr>
+            <p:cNvSpPr/>
+            <p:nvPr/>
+          </p:nvSpPr>
+          <p:spPr>
+            <a:xfrm>
+              <a:off x="4165503" y="2455596"/>
+              <a:ext cx="366382" cy="366382"/>
+            </a:xfrm>
+            <a:prstGeom prst="ellipse">
+              <a:avLst/>
+            </a:prstGeom>
+            <a:noFill/>
+            <a:ln>
+              <a:solidFill>
+                <a:schemeClr val="tx1"/>
+              </a:solidFill>
+            </a:ln>
+          </p:spPr>
+          <p:style>
+            <a:lnRef idx="2">
+              <a:schemeClr val="accent1">
+                <a:shade val="15000"/>
+              </a:schemeClr>
+            </a:lnRef>
+            <a:fillRef idx="1">
+              <a:schemeClr val="accent1"/>
+            </a:fillRef>
+            <a:effectRef idx="0">
+              <a:schemeClr val="accent1"/>
+            </a:effectRef>
+            <a:fontRef idx="minor">
+              <a:schemeClr val="lt1"/>
+            </a:fontRef>
+          </p:style>
+          <p:txBody>
+            <a:bodyPr rtlCol="0" anchor="ctr"/>
+            <a:lstStyle/>
+            <a:p>
+              <a:pPr algn="ctr"/>
+              <a:endParaRPr lang="en-US"/>
+            </a:p>
+          </p:txBody>
+        </p:sp>
+        <p:sp>
+          <p:nvSpPr>
+            <p:cNvPr id="25" name="Oval 24">
+              <a:extLst>
+                <a:ext uri="{FF2B5EF4-FFF2-40B4-BE49-F238E27FC236}">
+                  <a16:creationId xmlns:a16="http://schemas.microsoft.com/office/drawing/2014/main" id="{DD38C49D-434D-3E69-C9A5-0FF616CE8FF0}"/>
+                </a:ext>
+              </a:extLst>
+            </p:cNvPr>
+            <p:cNvSpPr/>
+            <p:nvPr/>
+          </p:nvSpPr>
+          <p:spPr>
+            <a:xfrm>
+              <a:off x="4165503" y="2878127"/>
+              <a:ext cx="366382" cy="366382"/>
+            </a:xfrm>
+            <a:prstGeom prst="ellipse">
+              <a:avLst/>
+            </a:prstGeom>
+            <a:noFill/>
+            <a:ln>
+              <a:solidFill>
+                <a:schemeClr val="tx1"/>
+              </a:solidFill>
+            </a:ln>
+          </p:spPr>
+          <p:style>
+            <a:lnRef idx="2">
+              <a:schemeClr val="accent1">
+                <a:shade val="15000"/>
+              </a:schemeClr>
+            </a:lnRef>
+            <a:fillRef idx="1">
+              <a:schemeClr val="accent1"/>
+            </a:fillRef>
+            <a:effectRef idx="0">
+              <a:schemeClr val="accent1"/>
+            </a:effectRef>
+            <a:fontRef idx="minor">
+              <a:schemeClr val="lt1"/>
+            </a:fontRef>
+          </p:style>
+          <p:txBody>
+            <a:bodyPr rtlCol="0" anchor="ctr"/>
+            <a:lstStyle/>
+            <a:p>
+              <a:pPr algn="ctr"/>
+              <a:endParaRPr lang="en-US"/>
+            </a:p>
+          </p:txBody>
+        </p:sp>
+        <mc:AlternateContent xmlns:mc="http://schemas.openxmlformats.org/markup-compatibility/2006">
+          <mc:Choice xmlns:a14="http://schemas.microsoft.com/office/drawing/2010/main" Requires="a14">
+            <p:sp>
+              <p:nvSpPr>
+                <p:cNvPr id="30" name="TextBox 29">
+                  <a:extLst>
+                    <a:ext uri="{FF2B5EF4-FFF2-40B4-BE49-F238E27FC236}">
+                      <a16:creationId xmlns:a16="http://schemas.microsoft.com/office/drawing/2014/main" id="{3209DFC4-D453-ADBB-23B4-36F5CE47C08A}"/>
+                    </a:ext>
+                  </a:extLst>
+                </p:cNvPr>
+                <p:cNvSpPr txBox="1"/>
+                <p:nvPr/>
+              </p:nvSpPr>
+              <p:spPr>
+                <a:xfrm>
+                  <a:off x="4147042" y="3530287"/>
+                  <a:ext cx="366382" cy="369332"/>
+                </a:xfrm>
+                <a:prstGeom prst="rect">
+                  <a:avLst/>
+                </a:prstGeom>
+                <a:noFill/>
+              </p:spPr>
+              <p:txBody>
+                <a:bodyPr wrap="none" rtlCol="0">
+                  <a:spAutoFit/>
+                </a:bodyPr>
+                <a:lstStyle/>
+                <a:p>
+                  <a:pPr/>
+                  <a14:m>
+                    <m:oMathPara xmlns:m="http://schemas.openxmlformats.org/officeDocument/2006/math">
+                      <m:oMathParaPr>
+                        <m:jc m:val="centerGroup"/>
+                      </m:oMathParaPr>
+                      <m:oMath xmlns:m="http://schemas.openxmlformats.org/officeDocument/2006/math">
+                        <m:r>
+                          <a:rPr lang="en-US" b="1" i="1" dirty="0" smtClean="0">
+                            <a:latin typeface="Cambria Math" panose="02040503050406030204" pitchFamily="18" charset="0"/>
+                          </a:rPr>
+                          <m:t>𝒛</m:t>
+                        </m:r>
+                      </m:oMath>
+                    </m:oMathPara>
+                  </a14:m>
+                  <a:endParaRPr lang="en-US" b="1" i="1" dirty="0">
+                    <a:latin typeface="Cambria Math" panose="02040503050406030204" pitchFamily="18" charset="0"/>
+                  </a:endParaRPr>
+                </a:p>
+              </p:txBody>
+            </p:sp>
+          </mc:Choice>
+          <mc:Fallback>
+            <p:sp>
+              <p:nvSpPr>
+                <p:cNvPr id="30" name="TextBox 29">
+                  <a:extLst>
+                    <a:ext uri="{FF2B5EF4-FFF2-40B4-BE49-F238E27FC236}">
+                      <a16:creationId xmlns:a16="http://schemas.microsoft.com/office/drawing/2014/main" id="{3209DFC4-D453-ADBB-23B4-36F5CE47C08A}"/>
+                    </a:ext>
+                  </a:extLst>
+                </p:cNvPr>
+                <p:cNvSpPr txBox="1">
+                  <a:spLocks noRot="1" noChangeAspect="1" noMove="1" noResize="1" noEditPoints="1" noAdjustHandles="1" noChangeArrowheads="1" noChangeShapeType="1" noTextEdit="1"/>
+                </p:cNvSpPr>
+                <p:nvPr/>
+              </p:nvSpPr>
+              <p:spPr>
+                <a:xfrm>
+                  <a:off x="4147042" y="3530287"/>
+                  <a:ext cx="366382" cy="369332"/>
+                </a:xfrm>
+                <a:prstGeom prst="rect">
+                  <a:avLst/>
+                </a:prstGeom>
+                <a:blipFill>
+                  <a:blip r:embed="rId3"/>
+                  <a:stretch>
+                    <a:fillRect/>
+                  </a:stretch>
+                </a:blipFill>
+              </p:spPr>
+              <p:txBody>
+                <a:bodyPr/>
+                <a:lstStyle/>
+                <a:p>
+                  <a:r>
+                    <a:rPr lang="en-US">
+                      <a:noFill/>
+                    </a:rPr>
+                    <a:t> </a:t>
+                  </a:r>
+                </a:p>
+              </p:txBody>
+            </p:sp>
+          </mc:Fallback>
+        </mc:AlternateContent>
+        <p:cxnSp>
+          <p:nvCxnSpPr>
+            <p:cNvPr id="32" name="Straight Arrow Connector 31">
+              <a:extLst>
+                <a:ext uri="{FF2B5EF4-FFF2-40B4-BE49-F238E27FC236}">
+                  <a16:creationId xmlns:a16="http://schemas.microsoft.com/office/drawing/2014/main" id="{7C1AE0D2-599F-7216-0FFF-BBDC889279FD}"/>
+                </a:ext>
+              </a:extLst>
+            </p:cNvPr>
+            <p:cNvCxnSpPr>
+              <a:stCxn id="4" idx="3"/>
+              <a:endCxn id="14" idx="1"/>
+            </p:cNvCxnSpPr>
+            <p:nvPr/>
+          </p:nvCxnSpPr>
+          <p:spPr>
+            <a:xfrm flipV="1">
+              <a:off x="1807779" y="2637055"/>
+              <a:ext cx="926835" cy="3030"/>
+            </a:xfrm>
+            <a:prstGeom prst="straightConnector1">
+              <a:avLst/>
+            </a:prstGeom>
+            <a:ln w="12700">
+              <a:tailEnd type="arrow" w="lg" len="lg"/>
+            </a:ln>
+          </p:spPr>
+          <p:style>
+            <a:lnRef idx="1">
+              <a:schemeClr val="dk1"/>
+            </a:lnRef>
+            <a:fillRef idx="0">
+              <a:schemeClr val="dk1"/>
+            </a:fillRef>
+            <a:effectRef idx="0">
+              <a:schemeClr val="dk1"/>
+            </a:effectRef>
+            <a:fontRef idx="minor">
+              <a:schemeClr val="tx1"/>
+            </a:fontRef>
+          </p:style>
+        </p:cxnSp>
+        <p:cxnSp>
+          <p:nvCxnSpPr>
+            <p:cNvPr id="33" name="Straight Arrow Connector 32">
+              <a:extLst>
+                <a:ext uri="{FF2B5EF4-FFF2-40B4-BE49-F238E27FC236}">
+                  <a16:creationId xmlns:a16="http://schemas.microsoft.com/office/drawing/2014/main" id="{2D40F701-253E-78CF-D6D2-746589FEF3F4}"/>
+                </a:ext>
+              </a:extLst>
+            </p:cNvPr>
+            <p:cNvCxnSpPr>
+              <a:cxnSpLocks/>
+              <a:stCxn id="14" idx="3"/>
+              <a:endCxn id="22" idx="1"/>
+            </p:cNvCxnSpPr>
+            <p:nvPr/>
+          </p:nvCxnSpPr>
+          <p:spPr>
+            <a:xfrm>
+              <a:off x="3195507" y="2637055"/>
+              <a:ext cx="923544" cy="0"/>
+            </a:xfrm>
+            <a:prstGeom prst="straightConnector1">
+              <a:avLst/>
+            </a:prstGeom>
+            <a:ln w="12700">
+              <a:tailEnd type="arrow" w="lg" len="lg"/>
+            </a:ln>
+          </p:spPr>
+          <p:style>
+            <a:lnRef idx="1">
+              <a:schemeClr val="dk1"/>
+            </a:lnRef>
+            <a:fillRef idx="0">
+              <a:schemeClr val="dk1"/>
+            </a:fillRef>
+            <a:effectRef idx="0">
+              <a:schemeClr val="dk1"/>
+            </a:effectRef>
+            <a:fontRef idx="minor">
+              <a:schemeClr val="tx1"/>
+            </a:fontRef>
+          </p:style>
+        </p:cxnSp>
+        <p:sp>
+          <p:nvSpPr>
+            <p:cNvPr id="40" name="TextBox 39">
+              <a:extLst>
+                <a:ext uri="{FF2B5EF4-FFF2-40B4-BE49-F238E27FC236}">
+                  <a16:creationId xmlns:a16="http://schemas.microsoft.com/office/drawing/2014/main" id="{B857F91D-F9B4-F938-8461-CBCE571A7837}"/>
+                </a:ext>
+              </a:extLst>
+            </p:cNvPr>
+            <p:cNvSpPr txBox="1"/>
+            <p:nvPr/>
+          </p:nvSpPr>
+          <p:spPr>
+            <a:xfrm>
+              <a:off x="3987831" y="1369385"/>
+              <a:ext cx="777457" cy="369332"/>
+            </a:xfrm>
+            <a:prstGeom prst="rect">
+              <a:avLst/>
+            </a:prstGeom>
+            <a:noFill/>
+          </p:spPr>
+          <p:txBody>
+            <a:bodyPr wrap="none" rtlCol="0">
+              <a:spAutoFit/>
+            </a:bodyPr>
+            <a:lstStyle/>
+            <a:p>
+              <a:r>
+                <a:rPr lang="en-US" dirty="0"/>
+                <a:t>Latent</a:t>
+              </a:r>
+            </a:p>
+          </p:txBody>
+        </p:sp>
+        <mc:AlternateContent xmlns:mc="http://schemas.openxmlformats.org/markup-compatibility/2006">
+          <mc:Choice xmlns:a14="http://schemas.microsoft.com/office/drawing/2010/main" Requires="a14">
+            <p:sp>
+              <p:nvSpPr>
+                <p:cNvPr id="41" name="TextBox 40">
+                  <a:extLst>
+                    <a:ext uri="{FF2B5EF4-FFF2-40B4-BE49-F238E27FC236}">
+                      <a16:creationId xmlns:a16="http://schemas.microsoft.com/office/drawing/2014/main" id="{FCA76A0B-D290-0CC1-5121-B8CB5D0CBC2C}"/>
+                    </a:ext>
+                  </a:extLst>
+                </p:cNvPr>
+                <p:cNvSpPr txBox="1"/>
+                <p:nvPr/>
+              </p:nvSpPr>
+              <p:spPr>
+                <a:xfrm>
+                  <a:off x="2005802" y="2215922"/>
+                  <a:ext cx="574132" cy="369332"/>
+                </a:xfrm>
+                <a:prstGeom prst="rect">
+                  <a:avLst/>
+                </a:prstGeom>
+                <a:noFill/>
+              </p:spPr>
+              <p:txBody>
+                <a:bodyPr wrap="none" rtlCol="0">
+                  <a:spAutoFit/>
+                </a:bodyPr>
+                <a:lstStyle/>
+                <a:p>
+                  <a:pPr/>
+                  <a14:m>
+                    <m:oMathPara xmlns:m="http://schemas.openxmlformats.org/officeDocument/2006/math">
+                      <m:oMathParaPr>
+                        <m:jc m:val="centerGroup"/>
+                      </m:oMathParaPr>
+                      <m:oMath xmlns:m="http://schemas.openxmlformats.org/officeDocument/2006/math">
+                        <m:sSub>
+                          <m:sSubPr>
+                            <m:ctrlPr>
+                              <a:rPr lang="en-US" b="1" i="1" dirty="0" smtClean="0">
+                                <a:latin typeface="Cambria Math" panose="02040503050406030204" pitchFamily="18" charset="0"/>
+                              </a:rPr>
+                            </m:ctrlPr>
+                          </m:sSubPr>
+                          <m:e>
+                            <m:r>
+                              <a:rPr lang="en-US" b="1" i="1" dirty="0" smtClean="0">
+                                <a:latin typeface="Cambria Math" panose="02040503050406030204" pitchFamily="18" charset="0"/>
+                              </a:rPr>
+                              <m:t>𝑾</m:t>
+                            </m:r>
+                          </m:e>
+                          <m:sub>
+                            <m:r>
+                              <a:rPr lang="en-US" b="1" i="1" dirty="0" smtClean="0">
+                                <a:latin typeface="Cambria Math" panose="02040503050406030204" pitchFamily="18" charset="0"/>
+                              </a:rPr>
+                              <m:t>𝟏</m:t>
+                            </m:r>
+                          </m:sub>
+                        </m:sSub>
+                      </m:oMath>
+                    </m:oMathPara>
+                  </a14:m>
+                  <a:endParaRPr lang="en-US" b="1" i="1" dirty="0">
+                    <a:latin typeface="Cambria Math" panose="02040503050406030204" pitchFamily="18" charset="0"/>
+                  </a:endParaRPr>
+                </a:p>
+              </p:txBody>
+            </p:sp>
+          </mc:Choice>
+          <mc:Fallback>
+            <p:sp>
+              <p:nvSpPr>
+                <p:cNvPr id="41" name="TextBox 40">
+                  <a:extLst>
+                    <a:ext uri="{FF2B5EF4-FFF2-40B4-BE49-F238E27FC236}">
+                      <a16:creationId xmlns:a16="http://schemas.microsoft.com/office/drawing/2014/main" id="{FCA76A0B-D290-0CC1-5121-B8CB5D0CBC2C}"/>
+                    </a:ext>
+                  </a:extLst>
+                </p:cNvPr>
+                <p:cNvSpPr txBox="1">
+                  <a:spLocks noRot="1" noChangeAspect="1" noMove="1" noResize="1" noEditPoints="1" noAdjustHandles="1" noChangeArrowheads="1" noChangeShapeType="1" noTextEdit="1"/>
+                </p:cNvSpPr>
+                <p:nvPr/>
+              </p:nvSpPr>
+              <p:spPr>
+                <a:xfrm>
+                  <a:off x="2005802" y="2215922"/>
+                  <a:ext cx="574132" cy="369332"/>
+                </a:xfrm>
+                <a:prstGeom prst="rect">
+                  <a:avLst/>
+                </a:prstGeom>
+                <a:blipFill>
+                  <a:blip r:embed="rId4"/>
+                  <a:stretch>
+                    <a:fillRect/>
+                  </a:stretch>
+                </a:blipFill>
+              </p:spPr>
+              <p:txBody>
+                <a:bodyPr/>
+                <a:lstStyle/>
+                <a:p>
+                  <a:r>
+                    <a:rPr lang="en-US">
+                      <a:noFill/>
+                    </a:rPr>
+                    <a:t> </a:t>
+                  </a:r>
+                </a:p>
+              </p:txBody>
+            </p:sp>
+          </mc:Fallback>
+        </mc:AlternateContent>
+        <mc:AlternateContent xmlns:mc="http://schemas.openxmlformats.org/markup-compatibility/2006">
+          <mc:Choice xmlns:a14="http://schemas.microsoft.com/office/drawing/2010/main" Requires="a14">
+            <p:sp>
+              <p:nvSpPr>
+                <p:cNvPr id="42" name="TextBox 41">
+                  <a:extLst>
+                    <a:ext uri="{FF2B5EF4-FFF2-40B4-BE49-F238E27FC236}">
+                      <a16:creationId xmlns:a16="http://schemas.microsoft.com/office/drawing/2014/main" id="{327FDC35-765D-F476-7508-229A91329928}"/>
+                    </a:ext>
+                  </a:extLst>
+                </p:cNvPr>
+                <p:cNvSpPr txBox="1"/>
+                <p:nvPr/>
+              </p:nvSpPr>
+              <p:spPr>
+                <a:xfrm>
+                  <a:off x="3382168" y="2215922"/>
+                  <a:ext cx="574132" cy="369332"/>
+                </a:xfrm>
+                <a:prstGeom prst="rect">
+                  <a:avLst/>
+                </a:prstGeom>
+                <a:noFill/>
+              </p:spPr>
+              <p:txBody>
+                <a:bodyPr wrap="none" rtlCol="0">
+                  <a:spAutoFit/>
+                </a:bodyPr>
+                <a:lstStyle/>
+                <a:p>
+                  <a:pPr/>
+                  <a14:m>
+                    <m:oMathPara xmlns:m="http://schemas.openxmlformats.org/officeDocument/2006/math">
+                      <m:oMathParaPr>
+                        <m:jc m:val="centerGroup"/>
+                      </m:oMathParaPr>
+                      <m:oMath xmlns:m="http://schemas.openxmlformats.org/officeDocument/2006/math">
+                        <m:sSub>
+                          <m:sSubPr>
+                            <m:ctrlPr>
+                              <a:rPr lang="en-US" b="1" i="1" dirty="0" smtClean="0">
+                                <a:latin typeface="Cambria Math" panose="02040503050406030204" pitchFamily="18" charset="0"/>
+                              </a:rPr>
+                            </m:ctrlPr>
+                          </m:sSubPr>
+                          <m:e>
+                            <m:r>
+                              <a:rPr lang="en-US" b="1" i="1" dirty="0" smtClean="0">
+                                <a:latin typeface="Cambria Math" panose="02040503050406030204" pitchFamily="18" charset="0"/>
+                              </a:rPr>
+                              <m:t>𝑾</m:t>
+                            </m:r>
+                          </m:e>
+                          <m:sub>
+                            <m:r>
+                              <a:rPr lang="en-US" b="1" i="1" dirty="0" smtClean="0">
+                                <a:latin typeface="Cambria Math" panose="02040503050406030204" pitchFamily="18" charset="0"/>
+                              </a:rPr>
+                              <m:t>𝟐</m:t>
+                            </m:r>
+                          </m:sub>
+                        </m:sSub>
+                      </m:oMath>
+                    </m:oMathPara>
+                  </a14:m>
+                  <a:endParaRPr lang="en-US" b="1" i="1" dirty="0">
+                    <a:latin typeface="Cambria Math" panose="02040503050406030204" pitchFamily="18" charset="0"/>
+                  </a:endParaRPr>
+                </a:p>
+              </p:txBody>
+            </p:sp>
+          </mc:Choice>
+          <mc:Fallback>
+            <p:sp>
+              <p:nvSpPr>
+                <p:cNvPr id="42" name="TextBox 41">
+                  <a:extLst>
+                    <a:ext uri="{FF2B5EF4-FFF2-40B4-BE49-F238E27FC236}">
+                      <a16:creationId xmlns:a16="http://schemas.microsoft.com/office/drawing/2014/main" id="{327FDC35-765D-F476-7508-229A91329928}"/>
+                    </a:ext>
+                  </a:extLst>
+                </p:cNvPr>
+                <p:cNvSpPr txBox="1">
+                  <a:spLocks noRot="1" noChangeAspect="1" noMove="1" noResize="1" noEditPoints="1" noAdjustHandles="1" noChangeArrowheads="1" noChangeShapeType="1" noTextEdit="1"/>
+                </p:cNvSpPr>
+                <p:nvPr/>
+              </p:nvSpPr>
+              <p:spPr>
+                <a:xfrm>
+                  <a:off x="3382168" y="2215922"/>
+                  <a:ext cx="574132" cy="369332"/>
+                </a:xfrm>
+                <a:prstGeom prst="rect">
+                  <a:avLst/>
+                </a:prstGeom>
+                <a:blipFill>
+                  <a:blip r:embed="rId5"/>
+                  <a:stretch>
+                    <a:fillRect/>
+                  </a:stretch>
+                </a:blipFill>
+              </p:spPr>
+              <p:txBody>
+                <a:bodyPr/>
+                <a:lstStyle/>
+                <a:p>
+                  <a:r>
+                    <a:rPr lang="en-US">
+                      <a:noFill/>
+                    </a:rPr>
+                    <a:t> </a:t>
+                  </a:r>
+                </a:p>
+              </p:txBody>
+            </p:sp>
+          </mc:Fallback>
+        </mc:AlternateContent>
+        <p:sp>
+          <p:nvSpPr>
+            <p:cNvPr id="2" name="Rectangle 1">
+              <a:extLst>
+                <a:ext uri="{FF2B5EF4-FFF2-40B4-BE49-F238E27FC236}">
+                  <a16:creationId xmlns:a16="http://schemas.microsoft.com/office/drawing/2014/main" id="{7850545D-6877-C15D-CD87-C1F0BFBDDA25}"/>
+                </a:ext>
+              </a:extLst>
+            </p:cNvPr>
+            <p:cNvSpPr/>
+            <p:nvPr/>
+          </p:nvSpPr>
+          <p:spPr>
+            <a:xfrm>
+              <a:off x="5491062" y="1509602"/>
+              <a:ext cx="460893" cy="2254906"/>
+            </a:xfrm>
+            <a:prstGeom prst="rect">
+              <a:avLst/>
+            </a:prstGeom>
+            <a:noFill/>
+            <a:ln>
+              <a:solidFill>
+                <a:schemeClr val="tx1"/>
+              </a:solidFill>
+            </a:ln>
+          </p:spPr>
+          <p:style>
+            <a:lnRef idx="2">
+              <a:schemeClr val="dk1"/>
+            </a:lnRef>
+            <a:fillRef idx="1">
+              <a:schemeClr val="lt1"/>
+            </a:fillRef>
+            <a:effectRef idx="0">
+              <a:schemeClr val="dk1"/>
+            </a:effectRef>
+            <a:fontRef idx="minor">
+              <a:schemeClr val="dk1"/>
+            </a:fontRef>
+          </p:style>
+          <p:txBody>
+            <a:bodyPr rtlCol="0" anchor="ctr"/>
+            <a:lstStyle/>
+            <a:p>
+              <a:pPr algn="ctr"/>
+              <a:endParaRPr lang="en-US"/>
+            </a:p>
+          </p:txBody>
+        </p:sp>
+        <p:sp>
+          <p:nvSpPr>
+            <p:cNvPr id="3" name="Oval 2">
+              <a:extLst>
+                <a:ext uri="{FF2B5EF4-FFF2-40B4-BE49-F238E27FC236}">
+                  <a16:creationId xmlns:a16="http://schemas.microsoft.com/office/drawing/2014/main" id="{33FBEDD3-C0AB-5FD7-7928-F1E4D8A5813C}"/>
+                </a:ext>
+              </a:extLst>
+            </p:cNvPr>
+            <p:cNvSpPr/>
+            <p:nvPr/>
+          </p:nvSpPr>
+          <p:spPr>
+            <a:xfrm>
+              <a:off x="5537515" y="1593685"/>
+              <a:ext cx="366382" cy="366382"/>
+            </a:xfrm>
+            <a:prstGeom prst="ellipse">
+              <a:avLst/>
+            </a:prstGeom>
+            <a:noFill/>
+            <a:ln>
+              <a:solidFill>
+                <a:schemeClr val="tx1"/>
+              </a:solidFill>
+            </a:ln>
+          </p:spPr>
+          <p:style>
+            <a:lnRef idx="2">
+              <a:schemeClr val="accent1">
+                <a:shade val="15000"/>
+              </a:schemeClr>
+            </a:lnRef>
+            <a:fillRef idx="1">
+              <a:schemeClr val="accent1"/>
+            </a:fillRef>
+            <a:effectRef idx="0">
+              <a:schemeClr val="accent1"/>
+            </a:effectRef>
+            <a:fontRef idx="minor">
+              <a:schemeClr val="lt1"/>
+            </a:fontRef>
+          </p:style>
+          <p:txBody>
+            <a:bodyPr rtlCol="0" anchor="ctr"/>
+            <a:lstStyle/>
+            <a:p>
+              <a:pPr algn="ctr"/>
+              <a:endParaRPr lang="en-US"/>
+            </a:p>
+          </p:txBody>
+        </p:sp>
+        <p:sp>
+          <p:nvSpPr>
+            <p:cNvPr id="20" name="Oval 19">
+              <a:extLst>
+                <a:ext uri="{FF2B5EF4-FFF2-40B4-BE49-F238E27FC236}">
+                  <a16:creationId xmlns:a16="http://schemas.microsoft.com/office/drawing/2014/main" id="{065A501F-96BC-D156-FD8D-8ED706017314}"/>
+                </a:ext>
+              </a:extLst>
+            </p:cNvPr>
+            <p:cNvSpPr/>
+            <p:nvPr/>
+          </p:nvSpPr>
+          <p:spPr>
+            <a:xfrm>
+              <a:off x="5537514" y="2016216"/>
+              <a:ext cx="366382" cy="366382"/>
+            </a:xfrm>
+            <a:prstGeom prst="ellipse">
+              <a:avLst/>
+            </a:prstGeom>
+            <a:noFill/>
+            <a:ln>
+              <a:solidFill>
+                <a:schemeClr val="tx1"/>
+              </a:solidFill>
+            </a:ln>
+          </p:spPr>
+          <p:style>
+            <a:lnRef idx="2">
+              <a:schemeClr val="accent1">
+                <a:shade val="15000"/>
+              </a:schemeClr>
+            </a:lnRef>
+            <a:fillRef idx="1">
+              <a:schemeClr val="accent1"/>
+            </a:fillRef>
+            <a:effectRef idx="0">
+              <a:schemeClr val="accent1"/>
+            </a:effectRef>
+            <a:fontRef idx="minor">
+              <a:schemeClr val="lt1"/>
+            </a:fontRef>
+          </p:style>
+          <p:txBody>
+            <a:bodyPr rtlCol="0" anchor="ctr"/>
+            <a:lstStyle/>
+            <a:p>
+              <a:pPr algn="ctr"/>
+              <a:endParaRPr lang="en-US"/>
+            </a:p>
+          </p:txBody>
+        </p:sp>
+        <p:sp>
+          <p:nvSpPr>
+            <p:cNvPr id="21" name="Oval 20">
+              <a:extLst>
+                <a:ext uri="{FF2B5EF4-FFF2-40B4-BE49-F238E27FC236}">
+                  <a16:creationId xmlns:a16="http://schemas.microsoft.com/office/drawing/2014/main" id="{BE044C20-9F67-B964-1E14-77C0DE55FD59}"/>
+                </a:ext>
+              </a:extLst>
+            </p:cNvPr>
+            <p:cNvSpPr/>
+            <p:nvPr/>
+          </p:nvSpPr>
+          <p:spPr>
+            <a:xfrm>
+              <a:off x="5537514" y="2438747"/>
+              <a:ext cx="366382" cy="366382"/>
+            </a:xfrm>
+            <a:prstGeom prst="ellipse">
+              <a:avLst/>
+            </a:prstGeom>
+            <a:noFill/>
+            <a:ln>
+              <a:solidFill>
+                <a:schemeClr val="tx1"/>
+              </a:solidFill>
+            </a:ln>
+          </p:spPr>
+          <p:style>
+            <a:lnRef idx="2">
+              <a:schemeClr val="accent1">
+                <a:shade val="15000"/>
+              </a:schemeClr>
+            </a:lnRef>
+            <a:fillRef idx="1">
+              <a:schemeClr val="accent1"/>
+            </a:fillRef>
+            <a:effectRef idx="0">
+              <a:schemeClr val="accent1"/>
+            </a:effectRef>
+            <a:fontRef idx="minor">
+              <a:schemeClr val="lt1"/>
+            </a:fontRef>
+          </p:style>
+          <p:txBody>
+            <a:bodyPr rtlCol="0" anchor="ctr"/>
+            <a:lstStyle/>
+            <a:p>
+              <a:pPr algn="ctr"/>
+              <a:endParaRPr lang="en-US"/>
+            </a:p>
+          </p:txBody>
+        </p:sp>
+        <p:sp>
+          <p:nvSpPr>
+            <p:cNvPr id="26" name="Oval 25">
+              <a:extLst>
+                <a:ext uri="{FF2B5EF4-FFF2-40B4-BE49-F238E27FC236}">
+                  <a16:creationId xmlns:a16="http://schemas.microsoft.com/office/drawing/2014/main" id="{DC2CE1F2-114F-764D-A18B-4C3AEFE52114}"/>
+                </a:ext>
+              </a:extLst>
+            </p:cNvPr>
+            <p:cNvSpPr/>
+            <p:nvPr/>
+          </p:nvSpPr>
+          <p:spPr>
+            <a:xfrm>
+              <a:off x="5537514" y="2861278"/>
+              <a:ext cx="366382" cy="366382"/>
+            </a:xfrm>
+            <a:prstGeom prst="ellipse">
+              <a:avLst/>
+            </a:prstGeom>
+            <a:noFill/>
+            <a:ln>
+              <a:solidFill>
+                <a:schemeClr val="tx1"/>
+              </a:solidFill>
+            </a:ln>
+          </p:spPr>
+          <p:style>
+            <a:lnRef idx="2">
+              <a:schemeClr val="accent1">
+                <a:shade val="15000"/>
+              </a:schemeClr>
+            </a:lnRef>
+            <a:fillRef idx="1">
+              <a:schemeClr val="accent1"/>
+            </a:fillRef>
+            <a:effectRef idx="0">
+              <a:schemeClr val="accent1"/>
+            </a:effectRef>
+            <a:fontRef idx="minor">
+              <a:schemeClr val="lt1"/>
+            </a:fontRef>
+          </p:style>
+          <p:txBody>
+            <a:bodyPr rtlCol="0" anchor="ctr"/>
+            <a:lstStyle/>
+            <a:p>
+              <a:pPr algn="ctr"/>
+              <a:endParaRPr lang="en-US"/>
+            </a:p>
+          </p:txBody>
+        </p:sp>
+        <p:sp>
+          <p:nvSpPr>
+            <p:cNvPr id="27" name="Oval 26">
+              <a:extLst>
+                <a:ext uri="{FF2B5EF4-FFF2-40B4-BE49-F238E27FC236}">
+                  <a16:creationId xmlns:a16="http://schemas.microsoft.com/office/drawing/2014/main" id="{CE901994-AB10-BA3A-3404-FC00861CEF1E}"/>
+                </a:ext>
+              </a:extLst>
+            </p:cNvPr>
+            <p:cNvSpPr/>
+            <p:nvPr/>
+          </p:nvSpPr>
+          <p:spPr>
+            <a:xfrm>
+              <a:off x="5537514" y="3283809"/>
+              <a:ext cx="366382" cy="366382"/>
+            </a:xfrm>
+            <a:prstGeom prst="ellipse">
+              <a:avLst/>
+            </a:prstGeom>
+            <a:noFill/>
+            <a:ln>
+              <a:solidFill>
+                <a:schemeClr val="tx1"/>
+              </a:solidFill>
+            </a:ln>
+          </p:spPr>
+          <p:style>
+            <a:lnRef idx="2">
+              <a:schemeClr val="accent1">
+                <a:shade val="15000"/>
+              </a:schemeClr>
+            </a:lnRef>
+            <a:fillRef idx="1">
+              <a:schemeClr val="accent1"/>
+            </a:fillRef>
+            <a:effectRef idx="0">
+              <a:schemeClr val="accent1"/>
+            </a:effectRef>
+            <a:fontRef idx="minor">
+              <a:schemeClr val="lt1"/>
+            </a:fontRef>
+          </p:style>
+          <p:txBody>
+            <a:bodyPr rtlCol="0" anchor="ctr"/>
+            <a:lstStyle/>
+            <a:p>
+              <a:pPr algn="ctr"/>
+              <a:endParaRPr lang="en-US"/>
+            </a:p>
+          </p:txBody>
+        </p:sp>
+        <p:sp>
+          <p:nvSpPr>
+            <p:cNvPr id="29" name="Rectangle 28">
+              <a:extLst>
+                <a:ext uri="{FF2B5EF4-FFF2-40B4-BE49-F238E27FC236}">
+                  <a16:creationId xmlns:a16="http://schemas.microsoft.com/office/drawing/2014/main" id="{32248D71-3787-342F-BCBE-E7B14BA21F8E}"/>
+                </a:ext>
+              </a:extLst>
+            </p:cNvPr>
+            <p:cNvSpPr/>
+            <p:nvPr/>
+          </p:nvSpPr>
+          <p:spPr>
+            <a:xfrm>
+              <a:off x="6883099" y="1103586"/>
+              <a:ext cx="460893" cy="3072998"/>
+            </a:xfrm>
+            <a:prstGeom prst="rect">
+              <a:avLst/>
+            </a:prstGeom>
+            <a:noFill/>
+            <a:ln>
+              <a:solidFill>
+                <a:schemeClr val="tx1"/>
+              </a:solidFill>
+            </a:ln>
+          </p:spPr>
+          <p:style>
+            <a:lnRef idx="2">
+              <a:schemeClr val="dk1"/>
+            </a:lnRef>
+            <a:fillRef idx="1">
+              <a:schemeClr val="lt1"/>
+            </a:fillRef>
+            <a:effectRef idx="0">
+              <a:schemeClr val="dk1"/>
+            </a:effectRef>
+            <a:fontRef idx="minor">
+              <a:schemeClr val="dk1"/>
+            </a:fontRef>
+          </p:style>
+          <p:txBody>
+            <a:bodyPr rtlCol="0" anchor="ctr"/>
+            <a:lstStyle/>
+            <a:p>
+              <a:pPr algn="ctr"/>
+              <a:endParaRPr lang="en-US"/>
+            </a:p>
+          </p:txBody>
+        </p:sp>
+        <p:sp>
+          <p:nvSpPr>
+            <p:cNvPr id="31" name="Oval 30">
+              <a:extLst>
+                <a:ext uri="{FF2B5EF4-FFF2-40B4-BE49-F238E27FC236}">
+                  <a16:creationId xmlns:a16="http://schemas.microsoft.com/office/drawing/2014/main" id="{C75D3F0D-1C28-3701-4238-BB2F3C247BED}"/>
+                </a:ext>
+              </a:extLst>
+            </p:cNvPr>
+            <p:cNvSpPr/>
+            <p:nvPr/>
+          </p:nvSpPr>
+          <p:spPr>
+            <a:xfrm>
+              <a:off x="6929552" y="1187669"/>
+              <a:ext cx="366382" cy="366382"/>
+            </a:xfrm>
+            <a:prstGeom prst="ellipse">
+              <a:avLst/>
+            </a:prstGeom>
+            <a:noFill/>
+            <a:ln>
+              <a:solidFill>
+                <a:schemeClr val="tx1"/>
+              </a:solidFill>
+            </a:ln>
+          </p:spPr>
+          <p:style>
+            <a:lnRef idx="2">
+              <a:schemeClr val="accent1">
+                <a:shade val="15000"/>
+              </a:schemeClr>
+            </a:lnRef>
+            <a:fillRef idx="1">
+              <a:schemeClr val="accent1"/>
+            </a:fillRef>
+            <a:effectRef idx="0">
+              <a:schemeClr val="accent1"/>
+            </a:effectRef>
+            <a:fontRef idx="minor">
+              <a:schemeClr val="lt1"/>
+            </a:fontRef>
+          </p:style>
+          <p:txBody>
+            <a:bodyPr rtlCol="0" anchor="ctr"/>
+            <a:lstStyle/>
+            <a:p>
+              <a:pPr algn="ctr"/>
+              <a:endParaRPr lang="en-US"/>
+            </a:p>
+          </p:txBody>
+        </p:sp>
+        <p:sp>
+          <p:nvSpPr>
+            <p:cNvPr id="34" name="Oval 33">
+              <a:extLst>
+                <a:ext uri="{FF2B5EF4-FFF2-40B4-BE49-F238E27FC236}">
+                  <a16:creationId xmlns:a16="http://schemas.microsoft.com/office/drawing/2014/main" id="{67752C28-B5FC-EECE-F705-8B5FA7CC8A42}"/>
+                </a:ext>
+              </a:extLst>
+            </p:cNvPr>
+            <p:cNvSpPr/>
+            <p:nvPr/>
+          </p:nvSpPr>
+          <p:spPr>
+            <a:xfrm>
+              <a:off x="6929551" y="1610200"/>
+              <a:ext cx="366382" cy="366382"/>
+            </a:xfrm>
+            <a:prstGeom prst="ellipse">
+              <a:avLst/>
+            </a:prstGeom>
+            <a:noFill/>
+            <a:ln>
+              <a:solidFill>
+                <a:schemeClr val="tx1"/>
+              </a:solidFill>
+            </a:ln>
+          </p:spPr>
+          <p:style>
+            <a:lnRef idx="2">
+              <a:schemeClr val="accent1">
+                <a:shade val="15000"/>
+              </a:schemeClr>
+            </a:lnRef>
+            <a:fillRef idx="1">
+              <a:schemeClr val="accent1"/>
+            </a:fillRef>
+            <a:effectRef idx="0">
+              <a:schemeClr val="accent1"/>
+            </a:effectRef>
+            <a:fontRef idx="minor">
+              <a:schemeClr val="lt1"/>
+            </a:fontRef>
+          </p:style>
+          <p:txBody>
+            <a:bodyPr rtlCol="0" anchor="ctr"/>
+            <a:lstStyle/>
+            <a:p>
+              <a:pPr algn="ctr"/>
+              <a:endParaRPr lang="en-US"/>
+            </a:p>
+          </p:txBody>
+        </p:sp>
+        <p:sp>
+          <p:nvSpPr>
+            <p:cNvPr id="35" name="Oval 34">
+              <a:extLst>
+                <a:ext uri="{FF2B5EF4-FFF2-40B4-BE49-F238E27FC236}">
+                  <a16:creationId xmlns:a16="http://schemas.microsoft.com/office/drawing/2014/main" id="{A84DF8B6-22B7-98EA-948B-234119BF2BC9}"/>
+                </a:ext>
+              </a:extLst>
+            </p:cNvPr>
+            <p:cNvSpPr/>
+            <p:nvPr/>
+          </p:nvSpPr>
+          <p:spPr>
+            <a:xfrm>
+              <a:off x="6929551" y="2032731"/>
+              <a:ext cx="366382" cy="366382"/>
+            </a:xfrm>
+            <a:prstGeom prst="ellipse">
+              <a:avLst/>
+            </a:prstGeom>
+            <a:noFill/>
+            <a:ln>
+              <a:solidFill>
+                <a:schemeClr val="tx1"/>
+              </a:solidFill>
+            </a:ln>
+          </p:spPr>
+          <p:style>
+            <a:lnRef idx="2">
+              <a:schemeClr val="accent1">
+                <a:shade val="15000"/>
+              </a:schemeClr>
+            </a:lnRef>
+            <a:fillRef idx="1">
+              <a:schemeClr val="accent1"/>
+            </a:fillRef>
+            <a:effectRef idx="0">
+              <a:schemeClr val="accent1"/>
+            </a:effectRef>
+            <a:fontRef idx="minor">
+              <a:schemeClr val="lt1"/>
+            </a:fontRef>
+          </p:style>
+          <p:txBody>
+            <a:bodyPr rtlCol="0" anchor="ctr"/>
+            <a:lstStyle/>
+            <a:p>
+              <a:pPr algn="ctr"/>
+              <a:endParaRPr lang="en-US"/>
+            </a:p>
+          </p:txBody>
+        </p:sp>
+        <p:sp>
+          <p:nvSpPr>
+            <p:cNvPr id="36" name="Oval 35">
+              <a:extLst>
+                <a:ext uri="{FF2B5EF4-FFF2-40B4-BE49-F238E27FC236}">
+                  <a16:creationId xmlns:a16="http://schemas.microsoft.com/office/drawing/2014/main" id="{EBEFE44F-45C1-B35C-EE28-45DE8E984A41}"/>
+                </a:ext>
+              </a:extLst>
+            </p:cNvPr>
+            <p:cNvSpPr/>
+            <p:nvPr/>
+          </p:nvSpPr>
+          <p:spPr>
+            <a:xfrm>
+              <a:off x="6929551" y="2455262"/>
+              <a:ext cx="366382" cy="366382"/>
+            </a:xfrm>
+            <a:prstGeom prst="ellipse">
+              <a:avLst/>
+            </a:prstGeom>
+            <a:noFill/>
+            <a:ln>
+              <a:solidFill>
+                <a:schemeClr val="tx1"/>
+              </a:solidFill>
+            </a:ln>
+          </p:spPr>
+          <p:style>
+            <a:lnRef idx="2">
+              <a:schemeClr val="accent1">
+                <a:shade val="15000"/>
+              </a:schemeClr>
+            </a:lnRef>
+            <a:fillRef idx="1">
+              <a:schemeClr val="accent1"/>
+            </a:fillRef>
+            <a:effectRef idx="0">
+              <a:schemeClr val="accent1"/>
+            </a:effectRef>
+            <a:fontRef idx="minor">
+              <a:schemeClr val="lt1"/>
+            </a:fontRef>
+          </p:style>
+          <p:txBody>
+            <a:bodyPr rtlCol="0" anchor="ctr"/>
+            <a:lstStyle/>
+            <a:p>
+              <a:pPr algn="ctr"/>
+              <a:endParaRPr lang="en-US"/>
+            </a:p>
+          </p:txBody>
+        </p:sp>
+        <p:sp>
+          <p:nvSpPr>
+            <p:cNvPr id="37" name="Oval 36">
+              <a:extLst>
+                <a:ext uri="{FF2B5EF4-FFF2-40B4-BE49-F238E27FC236}">
+                  <a16:creationId xmlns:a16="http://schemas.microsoft.com/office/drawing/2014/main" id="{3406ADF1-7852-BBF8-4614-D59039873519}"/>
+                </a:ext>
+              </a:extLst>
+            </p:cNvPr>
+            <p:cNvSpPr/>
+            <p:nvPr/>
+          </p:nvSpPr>
+          <p:spPr>
+            <a:xfrm>
+              <a:off x="6929551" y="2877793"/>
+              <a:ext cx="366382" cy="366382"/>
+            </a:xfrm>
+            <a:prstGeom prst="ellipse">
+              <a:avLst/>
+            </a:prstGeom>
+            <a:noFill/>
+            <a:ln>
+              <a:solidFill>
+                <a:schemeClr val="tx1"/>
+              </a:solidFill>
+            </a:ln>
+          </p:spPr>
+          <p:style>
+            <a:lnRef idx="2">
+              <a:schemeClr val="accent1">
+                <a:shade val="15000"/>
+              </a:schemeClr>
+            </a:lnRef>
+            <a:fillRef idx="1">
+              <a:schemeClr val="accent1"/>
+            </a:fillRef>
+            <a:effectRef idx="0">
+              <a:schemeClr val="accent1"/>
+            </a:effectRef>
+            <a:fontRef idx="minor">
+              <a:schemeClr val="lt1"/>
+            </a:fontRef>
+          </p:style>
+          <p:txBody>
+            <a:bodyPr rtlCol="0" anchor="ctr"/>
+            <a:lstStyle/>
+            <a:p>
+              <a:pPr algn="ctr"/>
+              <a:endParaRPr lang="en-US"/>
+            </a:p>
+          </p:txBody>
+        </p:sp>
+        <p:sp>
+          <p:nvSpPr>
+            <p:cNvPr id="38" name="Oval 37">
+              <a:extLst>
+                <a:ext uri="{FF2B5EF4-FFF2-40B4-BE49-F238E27FC236}">
+                  <a16:creationId xmlns:a16="http://schemas.microsoft.com/office/drawing/2014/main" id="{3F55D9FA-F76D-7C0D-D79D-8F46211C5ED2}"/>
+                </a:ext>
+              </a:extLst>
+            </p:cNvPr>
+            <p:cNvSpPr/>
+            <p:nvPr/>
+          </p:nvSpPr>
+          <p:spPr>
+            <a:xfrm>
+              <a:off x="6929551" y="3296373"/>
+              <a:ext cx="366382" cy="366382"/>
+            </a:xfrm>
+            <a:prstGeom prst="ellipse">
+              <a:avLst/>
+            </a:prstGeom>
+            <a:noFill/>
+            <a:ln>
+              <a:solidFill>
+                <a:schemeClr val="tx1"/>
+              </a:solidFill>
+            </a:ln>
+          </p:spPr>
+          <p:style>
+            <a:lnRef idx="2">
+              <a:schemeClr val="accent1">
+                <a:shade val="15000"/>
+              </a:schemeClr>
+            </a:lnRef>
+            <a:fillRef idx="1">
+              <a:schemeClr val="accent1"/>
+            </a:fillRef>
+            <a:effectRef idx="0">
+              <a:schemeClr val="accent1"/>
+            </a:effectRef>
+            <a:fontRef idx="minor">
+              <a:schemeClr val="lt1"/>
+            </a:fontRef>
+          </p:style>
+          <p:txBody>
+            <a:bodyPr rtlCol="0" anchor="ctr"/>
+            <a:lstStyle/>
+            <a:p>
+              <a:pPr algn="ctr"/>
+              <a:endParaRPr lang="en-US"/>
+            </a:p>
+          </p:txBody>
+        </p:sp>
+        <p:sp>
+          <p:nvSpPr>
+            <p:cNvPr id="39" name="Oval 38">
+              <a:extLst>
+                <a:ext uri="{FF2B5EF4-FFF2-40B4-BE49-F238E27FC236}">
+                  <a16:creationId xmlns:a16="http://schemas.microsoft.com/office/drawing/2014/main" id="{7B67F338-FB29-2B18-66AA-69D90B50E1B7}"/>
+                </a:ext>
+              </a:extLst>
+            </p:cNvPr>
+            <p:cNvSpPr/>
+            <p:nvPr/>
+          </p:nvSpPr>
+          <p:spPr>
+            <a:xfrm>
+              <a:off x="6929551" y="3714953"/>
+              <a:ext cx="366382" cy="366382"/>
+            </a:xfrm>
+            <a:prstGeom prst="ellipse">
+              <a:avLst/>
+            </a:prstGeom>
+            <a:noFill/>
+            <a:ln>
+              <a:solidFill>
+                <a:schemeClr val="tx1"/>
+              </a:solidFill>
+            </a:ln>
+          </p:spPr>
+          <p:style>
+            <a:lnRef idx="2">
+              <a:schemeClr val="accent1">
+                <a:shade val="15000"/>
+              </a:schemeClr>
+            </a:lnRef>
+            <a:fillRef idx="1">
+              <a:schemeClr val="accent1"/>
+            </a:fillRef>
+            <a:effectRef idx="0">
+              <a:schemeClr val="accent1"/>
+            </a:effectRef>
+            <a:fontRef idx="minor">
+              <a:schemeClr val="lt1"/>
+            </a:fontRef>
+          </p:style>
+          <p:txBody>
+            <a:bodyPr rtlCol="0" anchor="ctr"/>
+            <a:lstStyle/>
+            <a:p>
+              <a:pPr algn="ctr"/>
+              <a:endParaRPr lang="en-US"/>
+            </a:p>
+          </p:txBody>
+        </p:sp>
+        <mc:AlternateContent xmlns:mc="http://schemas.openxmlformats.org/markup-compatibility/2006">
+          <mc:Choice xmlns:a14="http://schemas.microsoft.com/office/drawing/2010/main" Requires="a14">
+            <p:sp>
+              <p:nvSpPr>
+                <p:cNvPr id="43" name="TextBox 42">
+                  <a:extLst>
+                    <a:ext uri="{FF2B5EF4-FFF2-40B4-BE49-F238E27FC236}">
+                      <a16:creationId xmlns:a16="http://schemas.microsoft.com/office/drawing/2014/main" id="{D425388D-702F-E6F7-E71B-E29F79687729}"/>
+                    </a:ext>
+                  </a:extLst>
+                </p:cNvPr>
+                <p:cNvSpPr txBox="1"/>
+                <p:nvPr/>
+              </p:nvSpPr>
+              <p:spPr>
+                <a:xfrm>
+                  <a:off x="6929551" y="4382813"/>
+                  <a:ext cx="369011" cy="369332"/>
+                </a:xfrm>
+                <a:prstGeom prst="rect">
+                  <a:avLst/>
+                </a:prstGeom>
+                <a:noFill/>
+              </p:spPr>
+              <p:txBody>
+                <a:bodyPr wrap="none" rtlCol="0">
+                  <a:spAutoFit/>
+                </a:bodyPr>
+                <a:lstStyle/>
+                <a:p>
+                  <a:pPr/>
+                  <a14:m>
+                    <m:oMathPara xmlns:m="http://schemas.openxmlformats.org/officeDocument/2006/math">
+                      <m:oMathParaPr>
+                        <m:jc m:val="centerGroup"/>
+                      </m:oMathParaPr>
+                      <m:oMath xmlns:m="http://schemas.openxmlformats.org/officeDocument/2006/math">
+                        <m:acc>
+                          <m:accPr>
+                            <m:chr m:val="̂"/>
+                            <m:ctrlPr>
+                              <a:rPr lang="en-US" b="1" i="1" dirty="0" smtClean="0">
+                                <a:latin typeface="Cambria Math" panose="02040503050406030204" pitchFamily="18" charset="0"/>
+                              </a:rPr>
+                            </m:ctrlPr>
+                          </m:accPr>
+                          <m:e>
+                            <m:r>
+                              <a:rPr lang="en-US" b="1" i="1" dirty="0" smtClean="0">
+                                <a:latin typeface="Cambria Math" panose="02040503050406030204" pitchFamily="18" charset="0"/>
+                              </a:rPr>
+                              <m:t>𝒙</m:t>
+                            </m:r>
+                          </m:e>
+                        </m:acc>
+                      </m:oMath>
+                    </m:oMathPara>
+                  </a14:m>
+                  <a:endParaRPr lang="en-US" b="1" i="1" dirty="0">
+                    <a:latin typeface="Cambria Math" panose="02040503050406030204" pitchFamily="18" charset="0"/>
+                  </a:endParaRPr>
+                </a:p>
+              </p:txBody>
+            </p:sp>
+          </mc:Choice>
+          <mc:Fallback>
+            <p:sp>
+              <p:nvSpPr>
+                <p:cNvPr id="43" name="TextBox 42">
+                  <a:extLst>
+                    <a:ext uri="{FF2B5EF4-FFF2-40B4-BE49-F238E27FC236}">
+                      <a16:creationId xmlns:a16="http://schemas.microsoft.com/office/drawing/2014/main" id="{D425388D-702F-E6F7-E71B-E29F79687729}"/>
+                    </a:ext>
+                  </a:extLst>
+                </p:cNvPr>
+                <p:cNvSpPr txBox="1">
+                  <a:spLocks noRot="1" noChangeAspect="1" noMove="1" noResize="1" noEditPoints="1" noAdjustHandles="1" noChangeArrowheads="1" noChangeShapeType="1" noTextEdit="1"/>
+                </p:cNvSpPr>
+                <p:nvPr/>
+              </p:nvSpPr>
+              <p:spPr>
+                <a:xfrm>
+                  <a:off x="6929551" y="4382813"/>
+                  <a:ext cx="369011" cy="369332"/>
+                </a:xfrm>
+                <a:prstGeom prst="rect">
+                  <a:avLst/>
+                </a:prstGeom>
+                <a:blipFill>
+                  <a:blip r:embed="rId6"/>
+                  <a:stretch>
+                    <a:fillRect/>
+                  </a:stretch>
+                </a:blipFill>
+              </p:spPr>
+              <p:txBody>
+                <a:bodyPr/>
+                <a:lstStyle/>
+                <a:p>
+                  <a:r>
+                    <a:rPr lang="en-US">
+                      <a:noFill/>
+                    </a:rPr>
+                    <a:t> </a:t>
+                  </a:r>
+                </a:p>
+              </p:txBody>
+            </p:sp>
+          </mc:Fallback>
+        </mc:AlternateContent>
+        <p:sp>
+          <p:nvSpPr>
+            <p:cNvPr id="44" name="TextBox 43">
+              <a:extLst>
+                <a:ext uri="{FF2B5EF4-FFF2-40B4-BE49-F238E27FC236}">
+                  <a16:creationId xmlns:a16="http://schemas.microsoft.com/office/drawing/2014/main" id="{3D4C1A7E-5A95-0578-FEE1-32D73F076A5F}"/>
+                </a:ext>
+              </a:extLst>
+            </p:cNvPr>
+            <p:cNvSpPr txBox="1"/>
+            <p:nvPr/>
+          </p:nvSpPr>
+          <p:spPr>
+            <a:xfrm>
+              <a:off x="6313741" y="528025"/>
+              <a:ext cx="1598002" cy="369332"/>
+            </a:xfrm>
+            <a:prstGeom prst="rect">
+              <a:avLst/>
+            </a:prstGeom>
+            <a:noFill/>
+          </p:spPr>
+          <p:txBody>
+            <a:bodyPr wrap="none" rtlCol="0">
+              <a:spAutoFit/>
+            </a:bodyPr>
+            <a:lstStyle/>
+            <a:p>
+              <a:r>
+                <a:rPr lang="en-US" dirty="0"/>
+                <a:t>Reconstruction</a:t>
+              </a:r>
+            </a:p>
+          </p:txBody>
+        </p:sp>
+        <p:cxnSp>
+          <p:nvCxnSpPr>
+            <p:cNvPr id="45" name="Straight Arrow Connector 44">
+              <a:extLst>
+                <a:ext uri="{FF2B5EF4-FFF2-40B4-BE49-F238E27FC236}">
+                  <a16:creationId xmlns:a16="http://schemas.microsoft.com/office/drawing/2014/main" id="{39AEB907-A65F-26F3-EA78-BBDEC3133A5C}"/>
+                </a:ext>
+              </a:extLst>
+            </p:cNvPr>
+            <p:cNvCxnSpPr>
+              <a:cxnSpLocks/>
+            </p:cNvCxnSpPr>
+            <p:nvPr/>
+          </p:nvCxnSpPr>
+          <p:spPr>
+            <a:xfrm>
+              <a:off x="4579944" y="2637054"/>
+              <a:ext cx="923544" cy="0"/>
+            </a:xfrm>
+            <a:prstGeom prst="straightConnector1">
+              <a:avLst/>
+            </a:prstGeom>
+            <a:ln w="12700">
+              <a:tailEnd type="arrow" w="lg" len="lg"/>
+            </a:ln>
+          </p:spPr>
+          <p:style>
+            <a:lnRef idx="1">
+              <a:schemeClr val="dk1"/>
+            </a:lnRef>
+            <a:fillRef idx="0">
+              <a:schemeClr val="dk1"/>
+            </a:fillRef>
+            <a:effectRef idx="0">
+              <a:schemeClr val="dk1"/>
+            </a:effectRef>
+            <a:fontRef idx="minor">
+              <a:schemeClr val="tx1"/>
+            </a:fontRef>
+          </p:style>
+        </p:cxnSp>
+        <p:cxnSp>
+          <p:nvCxnSpPr>
+            <p:cNvPr id="46" name="Straight Arrow Connector 45">
+              <a:extLst>
+                <a:ext uri="{FF2B5EF4-FFF2-40B4-BE49-F238E27FC236}">
+                  <a16:creationId xmlns:a16="http://schemas.microsoft.com/office/drawing/2014/main" id="{E1FAECC7-8056-8070-8DE3-D1F448131DA2}"/>
+                </a:ext>
+              </a:extLst>
+            </p:cNvPr>
+            <p:cNvCxnSpPr>
+              <a:cxnSpLocks/>
+            </p:cNvCxnSpPr>
+            <p:nvPr/>
+          </p:nvCxnSpPr>
+          <p:spPr>
+            <a:xfrm>
+              <a:off x="5957554" y="2629447"/>
+              <a:ext cx="923544" cy="0"/>
+            </a:xfrm>
+            <a:prstGeom prst="straightConnector1">
+              <a:avLst/>
+            </a:prstGeom>
+            <a:ln w="12700">
+              <a:tailEnd type="arrow" w="lg" len="lg"/>
+            </a:ln>
+          </p:spPr>
+          <p:style>
+            <a:lnRef idx="1">
+              <a:schemeClr val="dk1"/>
+            </a:lnRef>
+            <a:fillRef idx="0">
+              <a:schemeClr val="dk1"/>
+            </a:fillRef>
+            <a:effectRef idx="0">
+              <a:schemeClr val="dk1"/>
+            </a:effectRef>
+            <a:fontRef idx="minor">
+              <a:schemeClr val="tx1"/>
+            </a:fontRef>
+          </p:style>
+        </p:cxnSp>
+        <mc:AlternateContent xmlns:mc="http://schemas.openxmlformats.org/markup-compatibility/2006">
+          <mc:Choice xmlns:a14="http://schemas.microsoft.com/office/drawing/2010/main" Requires="a14">
+            <p:sp>
+              <p:nvSpPr>
+                <p:cNvPr id="47" name="TextBox 46">
+                  <a:extLst>
+                    <a:ext uri="{FF2B5EF4-FFF2-40B4-BE49-F238E27FC236}">
+                      <a16:creationId xmlns:a16="http://schemas.microsoft.com/office/drawing/2014/main" id="{64E68194-17DC-9657-9F66-CDC48B23AF1D}"/>
+                    </a:ext>
+                  </a:extLst>
+                </p:cNvPr>
+                <p:cNvSpPr txBox="1"/>
+                <p:nvPr/>
+              </p:nvSpPr>
+              <p:spPr>
+                <a:xfrm>
+                  <a:off x="4758450" y="2197932"/>
+                  <a:ext cx="574132" cy="369332"/>
+                </a:xfrm>
+                <a:prstGeom prst="rect">
+                  <a:avLst/>
+                </a:prstGeom>
+                <a:noFill/>
+              </p:spPr>
+              <p:txBody>
+                <a:bodyPr wrap="none" rtlCol="0">
+                  <a:spAutoFit/>
+                </a:bodyPr>
+                <a:lstStyle/>
+                <a:p>
+                  <a:pPr/>
+                  <a14:m>
+                    <m:oMathPara xmlns:m="http://schemas.openxmlformats.org/officeDocument/2006/math">
+                      <m:oMathParaPr>
+                        <m:jc m:val="centerGroup"/>
+                      </m:oMathParaPr>
+                      <m:oMath xmlns:m="http://schemas.openxmlformats.org/officeDocument/2006/math">
+                        <m:sSub>
+                          <m:sSubPr>
+                            <m:ctrlPr>
+                              <a:rPr lang="en-US" b="1" i="1" dirty="0" smtClean="0">
+                                <a:latin typeface="Cambria Math" panose="02040503050406030204" pitchFamily="18" charset="0"/>
+                              </a:rPr>
+                            </m:ctrlPr>
+                          </m:sSubPr>
+                          <m:e>
+                            <m:r>
+                              <a:rPr lang="en-US" b="1" i="1" dirty="0" smtClean="0">
+                                <a:latin typeface="Cambria Math" panose="02040503050406030204" pitchFamily="18" charset="0"/>
+                              </a:rPr>
+                              <m:t>𝑾</m:t>
+                            </m:r>
+                          </m:e>
+                          <m:sub>
+                            <m:r>
+                              <a:rPr lang="en-US" b="1" i="1" dirty="0" smtClean="0">
+                                <a:latin typeface="Cambria Math" panose="02040503050406030204" pitchFamily="18" charset="0"/>
+                              </a:rPr>
+                              <m:t>𝟑</m:t>
+                            </m:r>
+                          </m:sub>
+                        </m:sSub>
+                      </m:oMath>
+                    </m:oMathPara>
+                  </a14:m>
+                  <a:endParaRPr lang="en-US" b="1" i="1" dirty="0">
+                    <a:latin typeface="Cambria Math" panose="02040503050406030204" pitchFamily="18" charset="0"/>
+                  </a:endParaRPr>
+                </a:p>
+              </p:txBody>
+            </p:sp>
+          </mc:Choice>
+          <mc:Fallback>
+            <p:sp>
+              <p:nvSpPr>
+                <p:cNvPr id="47" name="TextBox 46">
+                  <a:extLst>
+                    <a:ext uri="{FF2B5EF4-FFF2-40B4-BE49-F238E27FC236}">
+                      <a16:creationId xmlns:a16="http://schemas.microsoft.com/office/drawing/2014/main" id="{64E68194-17DC-9657-9F66-CDC48B23AF1D}"/>
+                    </a:ext>
+                  </a:extLst>
+                </p:cNvPr>
+                <p:cNvSpPr txBox="1">
+                  <a:spLocks noRot="1" noChangeAspect="1" noMove="1" noResize="1" noEditPoints="1" noAdjustHandles="1" noChangeArrowheads="1" noChangeShapeType="1" noTextEdit="1"/>
+                </p:cNvSpPr>
+                <p:nvPr/>
+              </p:nvSpPr>
+              <p:spPr>
+                <a:xfrm>
+                  <a:off x="4758450" y="2197932"/>
+                  <a:ext cx="574132" cy="369332"/>
+                </a:xfrm>
+                <a:prstGeom prst="rect">
+                  <a:avLst/>
+                </a:prstGeom>
+                <a:blipFill>
+                  <a:blip r:embed="rId7"/>
+                  <a:stretch>
+                    <a:fillRect/>
+                  </a:stretch>
+                </a:blipFill>
+              </p:spPr>
+              <p:txBody>
+                <a:bodyPr/>
+                <a:lstStyle/>
+                <a:p>
+                  <a:r>
+                    <a:rPr lang="en-US">
+                      <a:noFill/>
+                    </a:rPr>
+                    <a:t> </a:t>
+                  </a:r>
+                </a:p>
+              </p:txBody>
+            </p:sp>
+          </mc:Fallback>
+        </mc:AlternateContent>
+        <mc:AlternateContent xmlns:mc="http://schemas.openxmlformats.org/markup-compatibility/2006">
+          <mc:Choice xmlns:a14="http://schemas.microsoft.com/office/drawing/2010/main" Requires="a14">
+            <p:sp>
+              <p:nvSpPr>
+                <p:cNvPr id="48" name="TextBox 47">
+                  <a:extLst>
+                    <a:ext uri="{FF2B5EF4-FFF2-40B4-BE49-F238E27FC236}">
+                      <a16:creationId xmlns:a16="http://schemas.microsoft.com/office/drawing/2014/main" id="{0853CA48-8B89-BE00-0623-4FAAE45013DA}"/>
+                    </a:ext>
+                  </a:extLst>
+                </p:cNvPr>
+                <p:cNvSpPr txBox="1"/>
+                <p:nvPr/>
+              </p:nvSpPr>
+              <p:spPr>
+                <a:xfrm>
+                  <a:off x="6157095" y="2197932"/>
+                  <a:ext cx="574132" cy="369332"/>
+                </a:xfrm>
+                <a:prstGeom prst="rect">
+                  <a:avLst/>
+                </a:prstGeom>
+                <a:noFill/>
+              </p:spPr>
+              <p:txBody>
+                <a:bodyPr wrap="none" rtlCol="0">
+                  <a:spAutoFit/>
+                </a:bodyPr>
+                <a:lstStyle/>
+                <a:p>
+                  <a:pPr/>
+                  <a14:m>
+                    <m:oMathPara xmlns:m="http://schemas.openxmlformats.org/officeDocument/2006/math">
+                      <m:oMathParaPr>
+                        <m:jc m:val="centerGroup"/>
+                      </m:oMathParaPr>
+                      <m:oMath xmlns:m="http://schemas.openxmlformats.org/officeDocument/2006/math">
+                        <m:sSub>
+                          <m:sSubPr>
+                            <m:ctrlPr>
+                              <a:rPr lang="en-US" b="1" i="1" dirty="0" smtClean="0">
+                                <a:latin typeface="Cambria Math" panose="02040503050406030204" pitchFamily="18" charset="0"/>
+                              </a:rPr>
+                            </m:ctrlPr>
+                          </m:sSubPr>
+                          <m:e>
+                            <m:r>
+                              <a:rPr lang="en-US" b="1" i="1" dirty="0" smtClean="0">
+                                <a:latin typeface="Cambria Math" panose="02040503050406030204" pitchFamily="18" charset="0"/>
+                              </a:rPr>
+                              <m:t>𝑾</m:t>
+                            </m:r>
+                          </m:e>
+                          <m:sub>
+                            <m:r>
+                              <a:rPr lang="en-US" b="1" i="1" dirty="0" smtClean="0">
+                                <a:latin typeface="Cambria Math" panose="02040503050406030204" pitchFamily="18" charset="0"/>
+                              </a:rPr>
+                              <m:t>𝟒</m:t>
+                            </m:r>
+                          </m:sub>
+                        </m:sSub>
+                      </m:oMath>
+                    </m:oMathPara>
+                  </a14:m>
+                  <a:endParaRPr lang="en-US" b="1" i="1" dirty="0">
+                    <a:latin typeface="Cambria Math" panose="02040503050406030204" pitchFamily="18" charset="0"/>
+                  </a:endParaRPr>
+                </a:p>
+              </p:txBody>
+            </p:sp>
+          </mc:Choice>
+          <mc:Fallback>
+            <p:sp>
+              <p:nvSpPr>
+                <p:cNvPr id="48" name="TextBox 47">
+                  <a:extLst>
+                    <a:ext uri="{FF2B5EF4-FFF2-40B4-BE49-F238E27FC236}">
+                      <a16:creationId xmlns:a16="http://schemas.microsoft.com/office/drawing/2014/main" id="{0853CA48-8B89-BE00-0623-4FAAE45013DA}"/>
+                    </a:ext>
+                  </a:extLst>
+                </p:cNvPr>
+                <p:cNvSpPr txBox="1">
+                  <a:spLocks noRot="1" noChangeAspect="1" noMove="1" noResize="1" noEditPoints="1" noAdjustHandles="1" noChangeArrowheads="1" noChangeShapeType="1" noTextEdit="1"/>
+                </p:cNvSpPr>
+                <p:nvPr/>
+              </p:nvSpPr>
+              <p:spPr>
+                <a:xfrm>
+                  <a:off x="6157095" y="2197932"/>
+                  <a:ext cx="574132" cy="369332"/>
+                </a:xfrm>
+                <a:prstGeom prst="rect">
+                  <a:avLst/>
+                </a:prstGeom>
+                <a:blipFill>
+                  <a:blip r:embed="rId8"/>
+                  <a:stretch>
+                    <a:fillRect/>
+                  </a:stretch>
+                </a:blipFill>
+              </p:spPr>
+              <p:txBody>
+                <a:bodyPr/>
+                <a:lstStyle/>
+                <a:p>
+                  <a:r>
+                    <a:rPr lang="en-US">
+                      <a:noFill/>
+                    </a:rPr>
+                    <a:t> </a:t>
+                  </a:r>
+                </a:p>
+              </p:txBody>
+            </p:sp>
+          </mc:Fallback>
+        </mc:AlternateContent>
+        <mc:AlternateContent xmlns:mc="http://schemas.openxmlformats.org/markup-compatibility/2006">
+          <mc:Choice xmlns:a14="http://schemas.microsoft.com/office/drawing/2010/main" Requires="a14">
+            <p:sp>
+              <p:nvSpPr>
+                <p:cNvPr id="49" name="TextBox 48">
+                  <a:extLst>
+                    <a:ext uri="{FF2B5EF4-FFF2-40B4-BE49-F238E27FC236}">
+                      <a16:creationId xmlns:a16="http://schemas.microsoft.com/office/drawing/2014/main" id="{54CBC590-01F4-D952-980A-0F762A77636B}"/>
+                    </a:ext>
+                  </a:extLst>
+                </p:cNvPr>
+                <p:cNvSpPr txBox="1"/>
+                <p:nvPr/>
+              </p:nvSpPr>
+              <p:spPr>
+                <a:xfrm rot="20580000">
+                  <a:off x="2579934" y="4241713"/>
+                  <a:ext cx="893193" cy="369332"/>
+                </a:xfrm>
+                <a:prstGeom prst="rect">
+                  <a:avLst/>
+                </a:prstGeom>
+                <a:noFill/>
+              </p:spPr>
+              <p:txBody>
+                <a:bodyPr wrap="none" rtlCol="0">
+                  <a:spAutoFit/>
+                </a:bodyPr>
+                <a:lstStyle/>
+                <a:p>
+                  <a:pPr/>
+                  <a14:m>
+                    <m:oMathPara xmlns:m="http://schemas.openxmlformats.org/officeDocument/2006/math">
+                      <m:oMathParaPr>
+                        <m:jc m:val="centerGroup"/>
+                      </m:oMathParaPr>
+                      <m:oMath xmlns:m="http://schemas.openxmlformats.org/officeDocument/2006/math">
+                        <m:r>
+                          <a:rPr lang="en-US" b="1" i="1" dirty="0" smtClean="0">
+                            <a:latin typeface="Cambria Math" panose="02040503050406030204" pitchFamily="18" charset="0"/>
+                          </a:rPr>
+                          <m:t>𝒒</m:t>
+                        </m:r>
+                        <m:r>
+                          <a:rPr lang="en-US" b="1" i="1" dirty="0" smtClean="0">
+                            <a:latin typeface="Cambria Math" panose="02040503050406030204" pitchFamily="18" charset="0"/>
+                          </a:rPr>
+                          <m:t>(</m:t>
+                        </m:r>
+                        <m:r>
+                          <a:rPr lang="en-US" b="1" i="1" dirty="0" smtClean="0">
+                            <a:latin typeface="Cambria Math" panose="02040503050406030204" pitchFamily="18" charset="0"/>
+                          </a:rPr>
+                          <m:t>𝒛</m:t>
+                        </m:r>
+                        <m:r>
+                          <a:rPr lang="en-US" b="1" i="1" dirty="0" smtClean="0">
+                            <a:latin typeface="Cambria Math" panose="02040503050406030204" pitchFamily="18" charset="0"/>
+                          </a:rPr>
+                          <m:t>|</m:t>
+                        </m:r>
+                        <m:r>
+                          <a:rPr lang="en-US" b="1" i="1" dirty="0" smtClean="0">
+                            <a:latin typeface="Cambria Math" panose="02040503050406030204" pitchFamily="18" charset="0"/>
+                          </a:rPr>
+                          <m:t>𝒙</m:t>
+                        </m:r>
+                        <m:r>
+                          <a:rPr lang="en-US" b="1" i="1" dirty="0" smtClean="0">
+                            <a:latin typeface="Cambria Math" panose="02040503050406030204" pitchFamily="18" charset="0"/>
+                          </a:rPr>
+                          <m:t>)</m:t>
+                        </m:r>
+                      </m:oMath>
+                    </m:oMathPara>
+                  </a14:m>
+                  <a:endParaRPr lang="en-US" b="1" i="1" dirty="0">
+                    <a:latin typeface="Cambria Math" panose="02040503050406030204" pitchFamily="18" charset="0"/>
+                  </a:endParaRPr>
+                </a:p>
+              </p:txBody>
+            </p:sp>
+          </mc:Choice>
+          <mc:Fallback>
+            <p:sp>
+              <p:nvSpPr>
+                <p:cNvPr id="49" name="TextBox 48">
+                  <a:extLst>
+                    <a:ext uri="{FF2B5EF4-FFF2-40B4-BE49-F238E27FC236}">
+                      <a16:creationId xmlns:a16="http://schemas.microsoft.com/office/drawing/2014/main" id="{54CBC590-01F4-D952-980A-0F762A77636B}"/>
+                    </a:ext>
+                  </a:extLst>
+                </p:cNvPr>
+                <p:cNvSpPr txBox="1">
+                  <a:spLocks noRot="1" noChangeAspect="1" noMove="1" noResize="1" noEditPoints="1" noAdjustHandles="1" noChangeArrowheads="1" noChangeShapeType="1" noTextEdit="1"/>
+                </p:cNvSpPr>
+                <p:nvPr/>
+              </p:nvSpPr>
+              <p:spPr>
+                <a:xfrm rot="20580000">
+                  <a:off x="2579934" y="4241713"/>
+                  <a:ext cx="893193" cy="369332"/>
+                </a:xfrm>
+                <a:prstGeom prst="rect">
+                  <a:avLst/>
+                </a:prstGeom>
+                <a:blipFill>
+                  <a:blip r:embed="rId9"/>
+                  <a:stretch>
+                    <a:fillRect b="-2041"/>
+                  </a:stretch>
+                </a:blipFill>
+              </p:spPr>
+              <p:txBody>
+                <a:bodyPr/>
+                <a:lstStyle/>
+                <a:p>
+                  <a:r>
+                    <a:rPr lang="en-US">
+                      <a:noFill/>
+                    </a:rPr>
+                    <a:t> </a:t>
+                  </a:r>
+                </a:p>
+              </p:txBody>
+            </p:sp>
+          </mc:Fallback>
+        </mc:AlternateContent>
+        <p:cxnSp>
+          <p:nvCxnSpPr>
+            <p:cNvPr id="50" name="Straight Arrow Connector 49">
+              <a:extLst>
+                <a:ext uri="{FF2B5EF4-FFF2-40B4-BE49-F238E27FC236}">
+                  <a16:creationId xmlns:a16="http://schemas.microsoft.com/office/drawing/2014/main" id="{A1AC0C65-5827-765D-1430-910532A4AD40}"/>
+                </a:ext>
+              </a:extLst>
+            </p:cNvPr>
+            <p:cNvCxnSpPr>
+              <a:cxnSpLocks/>
+            </p:cNvCxnSpPr>
+            <p:nvPr/>
+          </p:nvCxnSpPr>
+          <p:spPr>
+            <a:xfrm flipV="1">
+              <a:off x="1759720" y="3835831"/>
+              <a:ext cx="2387322" cy="731648"/>
+            </a:xfrm>
+            <a:prstGeom prst="straightConnector1">
+              <a:avLst/>
+            </a:prstGeom>
+            <a:ln w="12700">
+              <a:tailEnd type="arrow" w="lg" len="lg"/>
+            </a:ln>
+          </p:spPr>
+          <p:style>
+            <a:lnRef idx="1">
+              <a:schemeClr val="dk1"/>
+            </a:lnRef>
+            <a:fillRef idx="0">
+              <a:schemeClr val="dk1"/>
+            </a:fillRef>
+            <a:effectRef idx="0">
+              <a:schemeClr val="dk1"/>
+            </a:effectRef>
+            <a:fontRef idx="minor">
+              <a:schemeClr val="tx1"/>
+            </a:fontRef>
+          </p:style>
+        </p:cxnSp>
+        <p:cxnSp>
+          <p:nvCxnSpPr>
+            <p:cNvPr id="52" name="Straight Arrow Connector 51">
+              <a:extLst>
+                <a:ext uri="{FF2B5EF4-FFF2-40B4-BE49-F238E27FC236}">
+                  <a16:creationId xmlns:a16="http://schemas.microsoft.com/office/drawing/2014/main" id="{C217E2CB-CB1D-7192-35C4-C824DCC0CF53}"/>
+                </a:ext>
+              </a:extLst>
+            </p:cNvPr>
+            <p:cNvCxnSpPr>
+              <a:cxnSpLocks/>
+              <a:endCxn id="43" idx="1"/>
+            </p:cNvCxnSpPr>
+            <p:nvPr/>
+          </p:nvCxnSpPr>
+          <p:spPr>
+            <a:xfrm>
+              <a:off x="4452068" y="3851752"/>
+              <a:ext cx="2477483" cy="715727"/>
+            </a:xfrm>
+            <a:prstGeom prst="straightConnector1">
+              <a:avLst/>
+            </a:prstGeom>
+            <a:ln w="12700">
+              <a:tailEnd type="arrow" w="lg" len="lg"/>
+            </a:ln>
+          </p:spPr>
+          <p:style>
+            <a:lnRef idx="1">
+              <a:schemeClr val="dk1"/>
+            </a:lnRef>
+            <a:fillRef idx="0">
+              <a:schemeClr val="dk1"/>
+            </a:fillRef>
+            <a:effectRef idx="0">
+              <a:schemeClr val="dk1"/>
+            </a:effectRef>
+            <a:fontRef idx="minor">
+              <a:schemeClr val="tx1"/>
+            </a:fontRef>
+          </p:style>
+        </p:cxnSp>
+        <mc:AlternateContent xmlns:mc="http://schemas.openxmlformats.org/markup-compatibility/2006">
+          <mc:Choice xmlns:a14="http://schemas.microsoft.com/office/drawing/2010/main" Requires="a14">
+            <p:sp>
+              <p:nvSpPr>
+                <p:cNvPr id="54" name="TextBox 53">
+                  <a:extLst>
+                    <a:ext uri="{FF2B5EF4-FFF2-40B4-BE49-F238E27FC236}">
+                      <a16:creationId xmlns:a16="http://schemas.microsoft.com/office/drawing/2014/main" id="{A6862296-E060-5DFD-7F51-EFE788451547}"/>
+                    </a:ext>
+                  </a:extLst>
+                </p:cNvPr>
+                <p:cNvSpPr txBox="1"/>
+                <p:nvPr/>
+              </p:nvSpPr>
+              <p:spPr>
+                <a:xfrm rot="960000">
+                  <a:off x="5120356" y="4224738"/>
+                  <a:ext cx="896399" cy="369332"/>
+                </a:xfrm>
+                <a:prstGeom prst="rect">
+                  <a:avLst/>
+                </a:prstGeom>
+                <a:noFill/>
+              </p:spPr>
+              <p:txBody>
+                <a:bodyPr wrap="none" rtlCol="0">
+                  <a:spAutoFit/>
+                </a:bodyPr>
+                <a:lstStyle/>
+                <a:p>
+                  <a:pPr/>
+                  <a14:m>
+                    <m:oMathPara xmlns:m="http://schemas.openxmlformats.org/officeDocument/2006/math">
+                      <m:oMathParaPr>
+                        <m:jc m:val="centerGroup"/>
+                      </m:oMathParaPr>
+                      <m:oMath xmlns:m="http://schemas.openxmlformats.org/officeDocument/2006/math">
+                        <m:r>
+                          <a:rPr lang="en-US" b="1" i="1" dirty="0" smtClean="0">
+                            <a:latin typeface="Cambria Math" panose="02040503050406030204" pitchFamily="18" charset="0"/>
+                          </a:rPr>
+                          <m:t>𝒑</m:t>
+                        </m:r>
+                        <m:r>
+                          <a:rPr lang="en-US" b="1" i="1" dirty="0" smtClean="0">
+                            <a:latin typeface="Cambria Math" panose="02040503050406030204" pitchFamily="18" charset="0"/>
+                          </a:rPr>
+                          <m:t>(</m:t>
+                        </m:r>
+                        <m:r>
+                          <a:rPr lang="en-US" b="1" i="1" dirty="0" smtClean="0">
+                            <a:latin typeface="Cambria Math" panose="02040503050406030204" pitchFamily="18" charset="0"/>
+                          </a:rPr>
+                          <m:t>𝒙</m:t>
+                        </m:r>
+                        <m:r>
+                          <a:rPr lang="en-US" b="1" i="1" dirty="0" smtClean="0">
+                            <a:latin typeface="Cambria Math" panose="02040503050406030204" pitchFamily="18" charset="0"/>
+                          </a:rPr>
+                          <m:t>|</m:t>
+                        </m:r>
+                        <m:r>
+                          <a:rPr lang="en-US" b="1" i="1" dirty="0" smtClean="0">
+                            <a:latin typeface="Cambria Math" panose="02040503050406030204" pitchFamily="18" charset="0"/>
+                          </a:rPr>
+                          <m:t>𝒛</m:t>
+                        </m:r>
+                        <m:r>
+                          <a:rPr lang="en-US" b="1" i="1" dirty="0" smtClean="0">
+                            <a:latin typeface="Cambria Math" panose="02040503050406030204" pitchFamily="18" charset="0"/>
+                          </a:rPr>
+                          <m:t>)</m:t>
+                        </m:r>
+                      </m:oMath>
+                    </m:oMathPara>
+                  </a14:m>
+                  <a:endParaRPr lang="en-US" b="1" i="1" dirty="0">
+                    <a:latin typeface="Cambria Math" panose="02040503050406030204" pitchFamily="18" charset="0"/>
+                  </a:endParaRPr>
+                </a:p>
+              </p:txBody>
+            </p:sp>
+          </mc:Choice>
+          <mc:Fallback>
+            <p:sp>
+              <p:nvSpPr>
+                <p:cNvPr id="54" name="TextBox 53">
+                  <a:extLst>
+                    <a:ext uri="{FF2B5EF4-FFF2-40B4-BE49-F238E27FC236}">
+                      <a16:creationId xmlns:a16="http://schemas.microsoft.com/office/drawing/2014/main" id="{A6862296-E060-5DFD-7F51-EFE788451547}"/>
+                    </a:ext>
+                  </a:extLst>
+                </p:cNvPr>
+                <p:cNvSpPr txBox="1">
+                  <a:spLocks noRot="1" noChangeAspect="1" noMove="1" noResize="1" noEditPoints="1" noAdjustHandles="1" noChangeArrowheads="1" noChangeShapeType="1" noTextEdit="1"/>
+                </p:cNvSpPr>
+                <p:nvPr/>
+              </p:nvSpPr>
+              <p:spPr>
+                <a:xfrm rot="960000">
+                  <a:off x="5120356" y="4224738"/>
+                  <a:ext cx="896399" cy="369332"/>
+                </a:xfrm>
+                <a:prstGeom prst="rect">
+                  <a:avLst/>
+                </a:prstGeom>
+                <a:blipFill>
+                  <a:blip r:embed="rId10"/>
+                  <a:stretch>
+                    <a:fillRect b="-6122"/>
+                  </a:stretch>
+                </a:blipFill>
+              </p:spPr>
+              <p:txBody>
+                <a:bodyPr/>
+                <a:lstStyle/>
+                <a:p>
+                  <a:r>
+                    <a:rPr lang="en-US">
+                      <a:noFill/>
+                    </a:rPr>
+                    <a:t> </a:t>
+                  </a:r>
+                </a:p>
+              </p:txBody>
+            </p:sp>
+          </mc:Fallback>
+        </mc:AlternateContent>
+        <p:pic>
+          <p:nvPicPr>
+            <p:cNvPr id="28" name="Picture 27">
+              <a:extLst>
+                <a:ext uri="{FF2B5EF4-FFF2-40B4-BE49-F238E27FC236}">
+                  <a16:creationId xmlns:a16="http://schemas.microsoft.com/office/drawing/2014/main" id="{3CCF9EBB-7C67-490E-4A35-EACF5AB7C520}"/>
+                </a:ext>
+              </a:extLst>
+            </p:cNvPr>
+            <p:cNvPicPr>
+              <a:picLocks noChangeAspect="1"/>
+            </p:cNvPicPr>
+            <p:nvPr/>
+          </p:nvPicPr>
+          <p:blipFill rotWithShape="1">
+            <a:blip r:embed="rId11"/>
+            <a:srcRect r="91459" b="52200"/>
+            <a:stretch/>
+          </p:blipFill>
+          <p:spPr>
+            <a:xfrm>
+              <a:off x="251599" y="2185373"/>
+              <a:ext cx="955078" cy="903362"/>
+            </a:xfrm>
+            <a:prstGeom prst="rect">
+              <a:avLst/>
+            </a:prstGeom>
+          </p:spPr>
+        </p:pic>
+        <p:pic>
+          <p:nvPicPr>
+            <p:cNvPr id="51" name="Picture 50">
+              <a:extLst>
+                <a:ext uri="{FF2B5EF4-FFF2-40B4-BE49-F238E27FC236}">
+                  <a16:creationId xmlns:a16="http://schemas.microsoft.com/office/drawing/2014/main" id="{E679D932-2160-0B7C-2991-BC760B1664E0}"/>
+                </a:ext>
+              </a:extLst>
+            </p:cNvPr>
+            <p:cNvPicPr>
+              <a:picLocks noChangeAspect="1"/>
+            </p:cNvPicPr>
+            <p:nvPr/>
+          </p:nvPicPr>
+          <p:blipFill rotWithShape="1">
+            <a:blip r:embed="rId11"/>
+            <a:srcRect t="48365" r="91459"/>
+            <a:stretch/>
+          </p:blipFill>
+          <p:spPr>
+            <a:xfrm>
+              <a:off x="7458246" y="2187422"/>
+              <a:ext cx="952545" cy="973256"/>
+            </a:xfrm>
+            <a:prstGeom prst="rect">
+              <a:avLst/>
+            </a:prstGeom>
+          </p:spPr>
+        </p:pic>
+      </p:grpSp>
+    </p:spTree>
+    <p:extLst>
+      <p:ext uri="{BB962C8B-B14F-4D97-AF65-F5344CB8AC3E}">
+        <p14:creationId xmlns:p14="http://schemas.microsoft.com/office/powerpoint/2010/main" val="803369512"/>
+      </p:ext>
+    </p:extLst>
+  </p:cSld>
+  <p:clrMapOvr>
+    <a:masterClrMapping/>
+  </p:clrMapOvr>
+</p:sld>
+</file>
+
+<file path=ppt/slides/slide3.xml><?xml version="1.0" encoding="utf-8"?>
+<p:sld xmlns:a="http://schemas.openxmlformats.org/drawingml/2006/main" xmlns:r="http://schemas.openxmlformats.org/officeDocument/2006/relationships" xmlns:p="http://schemas.openxmlformats.org/presentationml/2006/main">
+  <p:cSld>
+    <p:spTree>
+      <p:nvGrpSpPr>
+        <p:cNvPr id="1" name=""/>
+        <p:cNvGrpSpPr/>
+        <p:nvPr/>
+      </p:nvGrpSpPr>
+      <p:grpSpPr>
+        <a:xfrm>
+          <a:off x="0" y="0"/>
+          <a:ext cx="0" cy="0"/>
+          <a:chOff x="0" y="0"/>
+          <a:chExt cx="0" cy="0"/>
+        </a:xfrm>
+      </p:grpSpPr>
+      <p:sp>
+        <p:nvSpPr>
+          <p:cNvPr id="28" name="Rectangle 27">
+            <a:extLst>
+              <a:ext uri="{FF2B5EF4-FFF2-40B4-BE49-F238E27FC236}">
+                <a16:creationId xmlns:a16="http://schemas.microsoft.com/office/drawing/2014/main" id="{A903271A-FB24-8D09-6D5A-97461F4AC04A}"/>
+              </a:ext>
+            </a:extLst>
+          </p:cNvPr>
+          <p:cNvSpPr/>
+          <p:nvPr/>
+        </p:nvSpPr>
+        <p:spPr>
+          <a:xfrm>
+            <a:off x="4347890" y="1767188"/>
+            <a:ext cx="460893" cy="1376147"/>
+          </a:xfrm>
+          <a:prstGeom prst="rect">
+            <a:avLst/>
+          </a:prstGeom>
+          <a:noFill/>
+          <a:ln>
+            <a:solidFill>
+              <a:schemeClr val="tx1"/>
+            </a:solidFill>
+          </a:ln>
+        </p:spPr>
+        <p:style>
+          <a:lnRef idx="2">
+            <a:schemeClr val="dk1"/>
+          </a:lnRef>
+          <a:fillRef idx="1">
+            <a:schemeClr val="lt1"/>
+          </a:fillRef>
+          <a:effectRef idx="0">
+            <a:schemeClr val="dk1"/>
+          </a:effectRef>
+          <a:fontRef idx="minor">
+            <a:schemeClr val="dk1"/>
+          </a:fontRef>
+        </p:style>
+        <p:txBody>
+          <a:bodyPr rtlCol="0" anchor="ctr"/>
+          <a:lstStyle/>
+          <a:p>
+            <a:pPr algn="ctr"/>
+            <a:endParaRPr lang="en-US"/>
+          </a:p>
+        </p:txBody>
+      </p:sp>
+      <p:sp>
+        <p:nvSpPr>
+          <p:cNvPr id="51" name="Oval 50">
+            <a:extLst>
+              <a:ext uri="{FF2B5EF4-FFF2-40B4-BE49-F238E27FC236}">
+                <a16:creationId xmlns:a16="http://schemas.microsoft.com/office/drawing/2014/main" id="{EDEB0AB9-F663-90CC-3345-CABE0B830D34}"/>
+              </a:ext>
+            </a:extLst>
+          </p:cNvPr>
+          <p:cNvSpPr/>
+          <p:nvPr/>
+        </p:nvSpPr>
+        <p:spPr>
+          <a:xfrm>
+            <a:off x="4394343" y="1851272"/>
+            <a:ext cx="366382" cy="366382"/>
+          </a:xfrm>
+          <a:prstGeom prst="ellipse">
+            <a:avLst/>
+          </a:prstGeom>
+          <a:noFill/>
+          <a:ln>
+            <a:solidFill>
+              <a:schemeClr val="tx1"/>
+            </a:solidFill>
+          </a:ln>
+        </p:spPr>
+        <p:style>
+          <a:lnRef idx="2">
+            <a:schemeClr val="accent1">
+              <a:shade val="15000"/>
+            </a:schemeClr>
+          </a:lnRef>
+          <a:fillRef idx="1">
+            <a:schemeClr val="accent1"/>
+          </a:fillRef>
+          <a:effectRef idx="0">
+            <a:schemeClr val="accent1"/>
+          </a:effectRef>
+          <a:fontRef idx="minor">
+            <a:schemeClr val="lt1"/>
+          </a:fontRef>
+        </p:style>
+        <p:txBody>
+          <a:bodyPr rtlCol="0" anchor="ctr"/>
+          <a:lstStyle/>
+          <a:p>
+            <a:pPr algn="ctr"/>
+            <a:endParaRPr lang="en-US"/>
+          </a:p>
+        </p:txBody>
+      </p:sp>
+      <p:sp>
+        <p:nvSpPr>
+          <p:cNvPr id="53" name="Oval 52">
+            <a:extLst>
+              <a:ext uri="{FF2B5EF4-FFF2-40B4-BE49-F238E27FC236}">
+                <a16:creationId xmlns:a16="http://schemas.microsoft.com/office/drawing/2014/main" id="{EBC8BF9B-6CD3-9EA0-ADD1-0DDBAB2BF451}"/>
+              </a:ext>
+            </a:extLst>
+          </p:cNvPr>
+          <p:cNvSpPr/>
+          <p:nvPr/>
+        </p:nvSpPr>
+        <p:spPr>
+          <a:xfrm>
+            <a:off x="4394342" y="2273803"/>
+            <a:ext cx="366382" cy="366382"/>
+          </a:xfrm>
+          <a:prstGeom prst="ellipse">
+            <a:avLst/>
+          </a:prstGeom>
+          <a:noFill/>
+          <a:ln>
+            <a:solidFill>
+              <a:schemeClr val="tx1"/>
+            </a:solidFill>
+          </a:ln>
+        </p:spPr>
+        <p:style>
+          <a:lnRef idx="2">
+            <a:schemeClr val="accent1">
+              <a:shade val="15000"/>
+            </a:schemeClr>
+          </a:lnRef>
+          <a:fillRef idx="1">
+            <a:schemeClr val="accent1"/>
+          </a:fillRef>
+          <a:effectRef idx="0">
+            <a:schemeClr val="accent1"/>
+          </a:effectRef>
+          <a:fontRef idx="minor">
+            <a:schemeClr val="lt1"/>
+          </a:fontRef>
+        </p:style>
+        <p:txBody>
+          <a:bodyPr rtlCol="0" anchor="ctr"/>
+          <a:lstStyle/>
+          <a:p>
+            <a:pPr algn="ctr"/>
+            <a:endParaRPr lang="en-US"/>
+          </a:p>
+        </p:txBody>
+      </p:sp>
+      <p:sp>
+        <p:nvSpPr>
+          <p:cNvPr id="55" name="Oval 54">
+            <a:extLst>
+              <a:ext uri="{FF2B5EF4-FFF2-40B4-BE49-F238E27FC236}">
+                <a16:creationId xmlns:a16="http://schemas.microsoft.com/office/drawing/2014/main" id="{BF115B09-9782-5B8D-1E9F-EC49EAF45664}"/>
+              </a:ext>
+            </a:extLst>
+          </p:cNvPr>
+          <p:cNvSpPr/>
+          <p:nvPr/>
+        </p:nvSpPr>
+        <p:spPr>
+          <a:xfrm>
+            <a:off x="4394342" y="2696334"/>
+            <a:ext cx="366382" cy="366382"/>
+          </a:xfrm>
+          <a:prstGeom prst="ellipse">
+            <a:avLst/>
+          </a:prstGeom>
+          <a:noFill/>
+          <a:ln>
+            <a:solidFill>
+              <a:schemeClr val="tx1"/>
+            </a:solidFill>
+          </a:ln>
+        </p:spPr>
+        <p:style>
+          <a:lnRef idx="2">
+            <a:schemeClr val="accent1">
+              <a:shade val="15000"/>
+            </a:schemeClr>
+          </a:lnRef>
+          <a:fillRef idx="1">
+            <a:schemeClr val="accent1"/>
+          </a:fillRef>
+          <a:effectRef idx="0">
+            <a:schemeClr val="accent1"/>
+          </a:effectRef>
+          <a:fontRef idx="minor">
+            <a:schemeClr val="lt1"/>
+          </a:fontRef>
+        </p:style>
+        <p:txBody>
+          <a:bodyPr rtlCol="0" anchor="ctr"/>
+          <a:lstStyle/>
+          <a:p>
+            <a:pPr algn="ctr"/>
+            <a:endParaRPr lang="en-US"/>
+          </a:p>
+        </p:txBody>
+      </p:sp>
       <p:sp>
         <p:nvSpPr>
           <p:cNvPr id="4" name="Rectangle 3">
@@ -4915,8 +8278,8 @@
           </a:p>
         </p:txBody>
       </p:sp>
-      <mc:AlternateContent xmlns:mc="http://schemas.openxmlformats.org/markup-compatibility/2006">
-        <mc:Choice xmlns:a14="http://schemas.microsoft.com/office/drawing/2010/main" Requires="a14">
+      <mc:AlternateContent xmlns:mc="http://schemas.openxmlformats.org/markup-compatibility/2006" xmlns:a14="http://schemas.microsoft.com/office/drawing/2010/main">
+        <mc:Choice Requires="a14">
           <p:sp>
             <p:nvSpPr>
               <p:cNvPr id="5" name="TextBox 4">
@@ -4968,7 +8331,7 @@
             </p:txBody>
           </p:sp>
         </mc:Choice>
-        <mc:Fallback>
+        <mc:Fallback xmlns="">
           <p:sp>
             <p:nvSpPr>
               <p:cNvPr id="5" name="TextBox 4">
@@ -5742,7 +9105,9 @@
           <a:prstGeom prst="rect">
             <a:avLst/>
           </a:prstGeom>
-          <a:noFill/>
+          <a:solidFill>
+            <a:schemeClr val="bg1"/>
+          </a:solidFill>
           <a:ln>
             <a:solidFill>
               <a:schemeClr val="tx1"/>
@@ -5792,7 +9157,9 @@
           <a:prstGeom prst="ellipse">
             <a:avLst/>
           </a:prstGeom>
-          <a:noFill/>
+          <a:solidFill>
+            <a:schemeClr val="bg1"/>
+          </a:solidFill>
           <a:ln>
             <a:solidFill>
               <a:schemeClr val="tx1"/>
@@ -5844,7 +9211,9 @@
           <a:prstGeom prst="ellipse">
             <a:avLst/>
           </a:prstGeom>
-          <a:noFill/>
+          <a:solidFill>
+            <a:schemeClr val="bg1"/>
+          </a:solidFill>
           <a:ln>
             <a:solidFill>
               <a:schemeClr val="tx1"/>
@@ -5896,7 +9265,9 @@
           <a:prstGeom prst="ellipse">
             <a:avLst/>
           </a:prstGeom>
-          <a:noFill/>
+          <a:solidFill>
+            <a:schemeClr val="bg1"/>
+          </a:solidFill>
           <a:ln>
             <a:solidFill>
               <a:schemeClr val="tx1"/>
@@ -5928,8 +9299,8 @@
           </a:p>
         </p:txBody>
       </p:sp>
-      <mc:AlternateContent xmlns:mc="http://schemas.openxmlformats.org/markup-compatibility/2006">
-        <mc:Choice xmlns:a14="http://schemas.microsoft.com/office/drawing/2010/main" Requires="a14">
+      <mc:AlternateContent xmlns:mc="http://schemas.openxmlformats.org/markup-compatibility/2006" xmlns:a14="http://schemas.microsoft.com/office/drawing/2010/main">
+        <mc:Choice Requires="a14">
           <p:sp>
             <p:nvSpPr>
               <p:cNvPr id="30" name="TextBox 29">
@@ -5944,8 +9315,8 @@
             </p:nvSpPr>
             <p:spPr>
               <a:xfrm>
-                <a:off x="4147042" y="3530287"/>
-                <a:ext cx="366382" cy="369332"/>
+                <a:off x="4531885" y="3096927"/>
+                <a:ext cx="383438" cy="369332"/>
               </a:xfrm>
               <a:prstGeom prst="rect">
                 <a:avLst/>
@@ -5969,7 +9340,7 @@
                         <a:rPr lang="en-US" b="1" i="1" dirty="0" smtClean="0">
                           <a:latin typeface="Cambria Math" panose="02040503050406030204" pitchFamily="18" charset="0"/>
                         </a:rPr>
-                        <m:t>𝒛</m:t>
+                        <m:t>𝝁</m:t>
                       </m:r>
                     </m:oMath>
                   </m:oMathPara>
@@ -5981,7 +9352,7 @@
             </p:txBody>
           </p:sp>
         </mc:Choice>
-        <mc:Fallback>
+        <mc:Fallback xmlns="">
           <p:sp>
             <p:nvSpPr>
               <p:cNvPr id="30" name="TextBox 29">
@@ -5998,8 +9369,8 @@
             </p:nvSpPr>
             <p:spPr>
               <a:xfrm>
-                <a:off x="4147042" y="3530287"/>
-                <a:ext cx="366382" cy="369332"/>
+                <a:off x="4531885" y="3096927"/>
+                <a:ext cx="383438" cy="369332"/>
               </a:xfrm>
               <a:prstGeom prst="rect">
                 <a:avLst/>
@@ -6007,7 +9378,7 @@
               <a:blipFill>
                 <a:blip r:embed="rId3"/>
                 <a:stretch>
-                  <a:fillRect/>
+                  <a:fillRect b="-6452"/>
                 </a:stretch>
               </a:blipFill>
             </p:spPr>
@@ -6125,7 +9496,7 @@
         </p:nvSpPr>
         <p:spPr>
           <a:xfrm>
-            <a:off x="3987831" y="1369385"/>
+            <a:off x="5842914" y="1423319"/>
             <a:ext cx="777457" cy="369332"/>
           </a:xfrm>
           <a:prstGeom prst="rect">
@@ -6146,8 +9517,8 @@
           </a:p>
         </p:txBody>
       </p:sp>
-      <mc:AlternateContent xmlns:mc="http://schemas.openxmlformats.org/markup-compatibility/2006">
-        <mc:Choice xmlns:a14="http://schemas.microsoft.com/office/drawing/2010/main" Requires="a14">
+      <mc:AlternateContent xmlns:mc="http://schemas.openxmlformats.org/markup-compatibility/2006" xmlns:a14="http://schemas.microsoft.com/office/drawing/2010/main">
+        <mc:Choice Requires="a14">
           <p:sp>
             <p:nvSpPr>
               <p:cNvPr id="41" name="TextBox 40">
@@ -6218,7 +9589,7 @@
             </p:txBody>
           </p:sp>
         </mc:Choice>
-        <mc:Fallback>
+        <mc:Fallback xmlns="">
           <p:sp>
             <p:nvSpPr>
               <p:cNvPr id="41" name="TextBox 40">
@@ -6263,8 +9634,8 @@
           </p:sp>
         </mc:Fallback>
       </mc:AlternateContent>
-      <mc:AlternateContent xmlns:mc="http://schemas.openxmlformats.org/markup-compatibility/2006">
-        <mc:Choice xmlns:a14="http://schemas.microsoft.com/office/drawing/2010/main" Requires="a14">
+      <mc:AlternateContent xmlns:mc="http://schemas.openxmlformats.org/markup-compatibility/2006" xmlns:a14="http://schemas.microsoft.com/office/drawing/2010/main">
+        <mc:Choice Requires="a14">
           <p:sp>
             <p:nvSpPr>
               <p:cNvPr id="42" name="TextBox 41">
@@ -6335,7 +9706,7 @@
             </p:txBody>
           </p:sp>
         </mc:Choice>
-        <mc:Fallback>
+        <mc:Fallback xmlns="">
           <p:sp>
             <p:nvSpPr>
               <p:cNvPr id="42" name="TextBox 41">
@@ -6380,3291 +9751,8 @@
           </p:sp>
         </mc:Fallback>
       </mc:AlternateContent>
-      <p:sp>
-        <p:nvSpPr>
-          <p:cNvPr id="2" name="Rectangle 1">
-            <a:extLst>
-              <a:ext uri="{FF2B5EF4-FFF2-40B4-BE49-F238E27FC236}">
-                <a16:creationId xmlns:a16="http://schemas.microsoft.com/office/drawing/2014/main" id="{7850545D-6877-C15D-CD87-C1F0BFBDDA25}"/>
-              </a:ext>
-            </a:extLst>
-          </p:cNvPr>
-          <p:cNvSpPr/>
-          <p:nvPr/>
-        </p:nvSpPr>
-        <p:spPr>
-          <a:xfrm>
-            <a:off x="5491062" y="1509602"/>
-            <a:ext cx="460893" cy="2254906"/>
-          </a:xfrm>
-          <a:prstGeom prst="rect">
-            <a:avLst/>
-          </a:prstGeom>
-          <a:noFill/>
-          <a:ln>
-            <a:solidFill>
-              <a:schemeClr val="tx1"/>
-            </a:solidFill>
-          </a:ln>
-        </p:spPr>
-        <p:style>
-          <a:lnRef idx="2">
-            <a:schemeClr val="dk1"/>
-          </a:lnRef>
-          <a:fillRef idx="1">
-            <a:schemeClr val="lt1"/>
-          </a:fillRef>
-          <a:effectRef idx="0">
-            <a:schemeClr val="dk1"/>
-          </a:effectRef>
-          <a:fontRef idx="minor">
-            <a:schemeClr val="dk1"/>
-          </a:fontRef>
-        </p:style>
-        <p:txBody>
-          <a:bodyPr rtlCol="0" anchor="ctr"/>
-          <a:lstStyle/>
-          <a:p>
-            <a:pPr algn="ctr"/>
-            <a:endParaRPr lang="en-US"/>
-          </a:p>
-        </p:txBody>
-      </p:sp>
-      <p:sp>
-        <p:nvSpPr>
-          <p:cNvPr id="3" name="Oval 2">
-            <a:extLst>
-              <a:ext uri="{FF2B5EF4-FFF2-40B4-BE49-F238E27FC236}">
-                <a16:creationId xmlns:a16="http://schemas.microsoft.com/office/drawing/2014/main" id="{33FBEDD3-C0AB-5FD7-7928-F1E4D8A5813C}"/>
-              </a:ext>
-            </a:extLst>
-          </p:cNvPr>
-          <p:cNvSpPr/>
-          <p:nvPr/>
-        </p:nvSpPr>
-        <p:spPr>
-          <a:xfrm>
-            <a:off x="5537515" y="1593685"/>
-            <a:ext cx="366382" cy="366382"/>
-          </a:xfrm>
-          <a:prstGeom prst="ellipse">
-            <a:avLst/>
-          </a:prstGeom>
-          <a:noFill/>
-          <a:ln>
-            <a:solidFill>
-              <a:schemeClr val="tx1"/>
-            </a:solidFill>
-          </a:ln>
-        </p:spPr>
-        <p:style>
-          <a:lnRef idx="2">
-            <a:schemeClr val="accent1">
-              <a:shade val="15000"/>
-            </a:schemeClr>
-          </a:lnRef>
-          <a:fillRef idx="1">
-            <a:schemeClr val="accent1"/>
-          </a:fillRef>
-          <a:effectRef idx="0">
-            <a:schemeClr val="accent1"/>
-          </a:effectRef>
-          <a:fontRef idx="minor">
-            <a:schemeClr val="lt1"/>
-          </a:fontRef>
-        </p:style>
-        <p:txBody>
-          <a:bodyPr rtlCol="0" anchor="ctr"/>
-          <a:lstStyle/>
-          <a:p>
-            <a:pPr algn="ctr"/>
-            <a:endParaRPr lang="en-US"/>
-          </a:p>
-        </p:txBody>
-      </p:sp>
-      <p:sp>
-        <p:nvSpPr>
-          <p:cNvPr id="20" name="Oval 19">
-            <a:extLst>
-              <a:ext uri="{FF2B5EF4-FFF2-40B4-BE49-F238E27FC236}">
-                <a16:creationId xmlns:a16="http://schemas.microsoft.com/office/drawing/2014/main" id="{065A501F-96BC-D156-FD8D-8ED706017314}"/>
-              </a:ext>
-            </a:extLst>
-          </p:cNvPr>
-          <p:cNvSpPr/>
-          <p:nvPr/>
-        </p:nvSpPr>
-        <p:spPr>
-          <a:xfrm>
-            <a:off x="5537514" y="2016216"/>
-            <a:ext cx="366382" cy="366382"/>
-          </a:xfrm>
-          <a:prstGeom prst="ellipse">
-            <a:avLst/>
-          </a:prstGeom>
-          <a:noFill/>
-          <a:ln>
-            <a:solidFill>
-              <a:schemeClr val="tx1"/>
-            </a:solidFill>
-          </a:ln>
-        </p:spPr>
-        <p:style>
-          <a:lnRef idx="2">
-            <a:schemeClr val="accent1">
-              <a:shade val="15000"/>
-            </a:schemeClr>
-          </a:lnRef>
-          <a:fillRef idx="1">
-            <a:schemeClr val="accent1"/>
-          </a:fillRef>
-          <a:effectRef idx="0">
-            <a:schemeClr val="accent1"/>
-          </a:effectRef>
-          <a:fontRef idx="minor">
-            <a:schemeClr val="lt1"/>
-          </a:fontRef>
-        </p:style>
-        <p:txBody>
-          <a:bodyPr rtlCol="0" anchor="ctr"/>
-          <a:lstStyle/>
-          <a:p>
-            <a:pPr algn="ctr"/>
-            <a:endParaRPr lang="en-US"/>
-          </a:p>
-        </p:txBody>
-      </p:sp>
-      <p:sp>
-        <p:nvSpPr>
-          <p:cNvPr id="21" name="Oval 20">
-            <a:extLst>
-              <a:ext uri="{FF2B5EF4-FFF2-40B4-BE49-F238E27FC236}">
-                <a16:creationId xmlns:a16="http://schemas.microsoft.com/office/drawing/2014/main" id="{BE044C20-9F67-B964-1E14-77C0DE55FD59}"/>
-              </a:ext>
-            </a:extLst>
-          </p:cNvPr>
-          <p:cNvSpPr/>
-          <p:nvPr/>
-        </p:nvSpPr>
-        <p:spPr>
-          <a:xfrm>
-            <a:off x="5537514" y="2438747"/>
-            <a:ext cx="366382" cy="366382"/>
-          </a:xfrm>
-          <a:prstGeom prst="ellipse">
-            <a:avLst/>
-          </a:prstGeom>
-          <a:noFill/>
-          <a:ln>
-            <a:solidFill>
-              <a:schemeClr val="tx1"/>
-            </a:solidFill>
-          </a:ln>
-        </p:spPr>
-        <p:style>
-          <a:lnRef idx="2">
-            <a:schemeClr val="accent1">
-              <a:shade val="15000"/>
-            </a:schemeClr>
-          </a:lnRef>
-          <a:fillRef idx="1">
-            <a:schemeClr val="accent1"/>
-          </a:fillRef>
-          <a:effectRef idx="0">
-            <a:schemeClr val="accent1"/>
-          </a:effectRef>
-          <a:fontRef idx="minor">
-            <a:schemeClr val="lt1"/>
-          </a:fontRef>
-        </p:style>
-        <p:txBody>
-          <a:bodyPr rtlCol="0" anchor="ctr"/>
-          <a:lstStyle/>
-          <a:p>
-            <a:pPr algn="ctr"/>
-            <a:endParaRPr lang="en-US"/>
-          </a:p>
-        </p:txBody>
-      </p:sp>
-      <p:sp>
-        <p:nvSpPr>
-          <p:cNvPr id="26" name="Oval 25">
-            <a:extLst>
-              <a:ext uri="{FF2B5EF4-FFF2-40B4-BE49-F238E27FC236}">
-                <a16:creationId xmlns:a16="http://schemas.microsoft.com/office/drawing/2014/main" id="{DC2CE1F2-114F-764D-A18B-4C3AEFE52114}"/>
-              </a:ext>
-            </a:extLst>
-          </p:cNvPr>
-          <p:cNvSpPr/>
-          <p:nvPr/>
-        </p:nvSpPr>
-        <p:spPr>
-          <a:xfrm>
-            <a:off x="5537514" y="2861278"/>
-            <a:ext cx="366382" cy="366382"/>
-          </a:xfrm>
-          <a:prstGeom prst="ellipse">
-            <a:avLst/>
-          </a:prstGeom>
-          <a:noFill/>
-          <a:ln>
-            <a:solidFill>
-              <a:schemeClr val="tx1"/>
-            </a:solidFill>
-          </a:ln>
-        </p:spPr>
-        <p:style>
-          <a:lnRef idx="2">
-            <a:schemeClr val="accent1">
-              <a:shade val="15000"/>
-            </a:schemeClr>
-          </a:lnRef>
-          <a:fillRef idx="1">
-            <a:schemeClr val="accent1"/>
-          </a:fillRef>
-          <a:effectRef idx="0">
-            <a:schemeClr val="accent1"/>
-          </a:effectRef>
-          <a:fontRef idx="minor">
-            <a:schemeClr val="lt1"/>
-          </a:fontRef>
-        </p:style>
-        <p:txBody>
-          <a:bodyPr rtlCol="0" anchor="ctr"/>
-          <a:lstStyle/>
-          <a:p>
-            <a:pPr algn="ctr"/>
-            <a:endParaRPr lang="en-US"/>
-          </a:p>
-        </p:txBody>
-      </p:sp>
-      <p:sp>
-        <p:nvSpPr>
-          <p:cNvPr id="27" name="Oval 26">
-            <a:extLst>
-              <a:ext uri="{FF2B5EF4-FFF2-40B4-BE49-F238E27FC236}">
-                <a16:creationId xmlns:a16="http://schemas.microsoft.com/office/drawing/2014/main" id="{CE901994-AB10-BA3A-3404-FC00861CEF1E}"/>
-              </a:ext>
-            </a:extLst>
-          </p:cNvPr>
-          <p:cNvSpPr/>
-          <p:nvPr/>
-        </p:nvSpPr>
-        <p:spPr>
-          <a:xfrm>
-            <a:off x="5537514" y="3283809"/>
-            <a:ext cx="366382" cy="366382"/>
-          </a:xfrm>
-          <a:prstGeom prst="ellipse">
-            <a:avLst/>
-          </a:prstGeom>
-          <a:noFill/>
-          <a:ln>
-            <a:solidFill>
-              <a:schemeClr val="tx1"/>
-            </a:solidFill>
-          </a:ln>
-        </p:spPr>
-        <p:style>
-          <a:lnRef idx="2">
-            <a:schemeClr val="accent1">
-              <a:shade val="15000"/>
-            </a:schemeClr>
-          </a:lnRef>
-          <a:fillRef idx="1">
-            <a:schemeClr val="accent1"/>
-          </a:fillRef>
-          <a:effectRef idx="0">
-            <a:schemeClr val="accent1"/>
-          </a:effectRef>
-          <a:fontRef idx="minor">
-            <a:schemeClr val="lt1"/>
-          </a:fontRef>
-        </p:style>
-        <p:txBody>
-          <a:bodyPr rtlCol="0" anchor="ctr"/>
-          <a:lstStyle/>
-          <a:p>
-            <a:pPr algn="ctr"/>
-            <a:endParaRPr lang="en-US"/>
-          </a:p>
-        </p:txBody>
-      </p:sp>
-      <p:sp>
-        <p:nvSpPr>
-          <p:cNvPr id="29" name="Rectangle 28">
-            <a:extLst>
-              <a:ext uri="{FF2B5EF4-FFF2-40B4-BE49-F238E27FC236}">
-                <a16:creationId xmlns:a16="http://schemas.microsoft.com/office/drawing/2014/main" id="{32248D71-3787-342F-BCBE-E7B14BA21F8E}"/>
-              </a:ext>
-            </a:extLst>
-          </p:cNvPr>
-          <p:cNvSpPr/>
-          <p:nvPr/>
-        </p:nvSpPr>
-        <p:spPr>
-          <a:xfrm>
-            <a:off x="6883099" y="1103586"/>
-            <a:ext cx="460893" cy="3072998"/>
-          </a:xfrm>
-          <a:prstGeom prst="rect">
-            <a:avLst/>
-          </a:prstGeom>
-          <a:noFill/>
-          <a:ln>
-            <a:solidFill>
-              <a:schemeClr val="tx1"/>
-            </a:solidFill>
-          </a:ln>
-        </p:spPr>
-        <p:style>
-          <a:lnRef idx="2">
-            <a:schemeClr val="dk1"/>
-          </a:lnRef>
-          <a:fillRef idx="1">
-            <a:schemeClr val="lt1"/>
-          </a:fillRef>
-          <a:effectRef idx="0">
-            <a:schemeClr val="dk1"/>
-          </a:effectRef>
-          <a:fontRef idx="minor">
-            <a:schemeClr val="dk1"/>
-          </a:fontRef>
-        </p:style>
-        <p:txBody>
-          <a:bodyPr rtlCol="0" anchor="ctr"/>
-          <a:lstStyle/>
-          <a:p>
-            <a:pPr algn="ctr"/>
-            <a:endParaRPr lang="en-US"/>
-          </a:p>
-        </p:txBody>
-      </p:sp>
-      <p:sp>
-        <p:nvSpPr>
-          <p:cNvPr id="31" name="Oval 30">
-            <a:extLst>
-              <a:ext uri="{FF2B5EF4-FFF2-40B4-BE49-F238E27FC236}">
-                <a16:creationId xmlns:a16="http://schemas.microsoft.com/office/drawing/2014/main" id="{C75D3F0D-1C28-3701-4238-BB2F3C247BED}"/>
-              </a:ext>
-            </a:extLst>
-          </p:cNvPr>
-          <p:cNvSpPr/>
-          <p:nvPr/>
-        </p:nvSpPr>
-        <p:spPr>
-          <a:xfrm>
-            <a:off x="6929552" y="1187669"/>
-            <a:ext cx="366382" cy="366382"/>
-          </a:xfrm>
-          <a:prstGeom prst="ellipse">
-            <a:avLst/>
-          </a:prstGeom>
-          <a:noFill/>
-          <a:ln>
-            <a:solidFill>
-              <a:schemeClr val="tx1"/>
-            </a:solidFill>
-          </a:ln>
-        </p:spPr>
-        <p:style>
-          <a:lnRef idx="2">
-            <a:schemeClr val="accent1">
-              <a:shade val="15000"/>
-            </a:schemeClr>
-          </a:lnRef>
-          <a:fillRef idx="1">
-            <a:schemeClr val="accent1"/>
-          </a:fillRef>
-          <a:effectRef idx="0">
-            <a:schemeClr val="accent1"/>
-          </a:effectRef>
-          <a:fontRef idx="minor">
-            <a:schemeClr val="lt1"/>
-          </a:fontRef>
-        </p:style>
-        <p:txBody>
-          <a:bodyPr rtlCol="0" anchor="ctr"/>
-          <a:lstStyle/>
-          <a:p>
-            <a:pPr algn="ctr"/>
-            <a:endParaRPr lang="en-US"/>
-          </a:p>
-        </p:txBody>
-      </p:sp>
-      <p:sp>
-        <p:nvSpPr>
-          <p:cNvPr id="34" name="Oval 33">
-            <a:extLst>
-              <a:ext uri="{FF2B5EF4-FFF2-40B4-BE49-F238E27FC236}">
-                <a16:creationId xmlns:a16="http://schemas.microsoft.com/office/drawing/2014/main" id="{67752C28-B5FC-EECE-F705-8B5FA7CC8A42}"/>
-              </a:ext>
-            </a:extLst>
-          </p:cNvPr>
-          <p:cNvSpPr/>
-          <p:nvPr/>
-        </p:nvSpPr>
-        <p:spPr>
-          <a:xfrm>
-            <a:off x="6929551" y="1610200"/>
-            <a:ext cx="366382" cy="366382"/>
-          </a:xfrm>
-          <a:prstGeom prst="ellipse">
-            <a:avLst/>
-          </a:prstGeom>
-          <a:noFill/>
-          <a:ln>
-            <a:solidFill>
-              <a:schemeClr val="tx1"/>
-            </a:solidFill>
-          </a:ln>
-        </p:spPr>
-        <p:style>
-          <a:lnRef idx="2">
-            <a:schemeClr val="accent1">
-              <a:shade val="15000"/>
-            </a:schemeClr>
-          </a:lnRef>
-          <a:fillRef idx="1">
-            <a:schemeClr val="accent1"/>
-          </a:fillRef>
-          <a:effectRef idx="0">
-            <a:schemeClr val="accent1"/>
-          </a:effectRef>
-          <a:fontRef idx="minor">
-            <a:schemeClr val="lt1"/>
-          </a:fontRef>
-        </p:style>
-        <p:txBody>
-          <a:bodyPr rtlCol="0" anchor="ctr"/>
-          <a:lstStyle/>
-          <a:p>
-            <a:pPr algn="ctr"/>
-            <a:endParaRPr lang="en-US"/>
-          </a:p>
-        </p:txBody>
-      </p:sp>
-      <p:sp>
-        <p:nvSpPr>
-          <p:cNvPr id="35" name="Oval 34">
-            <a:extLst>
-              <a:ext uri="{FF2B5EF4-FFF2-40B4-BE49-F238E27FC236}">
-                <a16:creationId xmlns:a16="http://schemas.microsoft.com/office/drawing/2014/main" id="{A84DF8B6-22B7-98EA-948B-234119BF2BC9}"/>
-              </a:ext>
-            </a:extLst>
-          </p:cNvPr>
-          <p:cNvSpPr/>
-          <p:nvPr/>
-        </p:nvSpPr>
-        <p:spPr>
-          <a:xfrm>
-            <a:off x="6929551" y="2032731"/>
-            <a:ext cx="366382" cy="366382"/>
-          </a:xfrm>
-          <a:prstGeom prst="ellipse">
-            <a:avLst/>
-          </a:prstGeom>
-          <a:noFill/>
-          <a:ln>
-            <a:solidFill>
-              <a:schemeClr val="tx1"/>
-            </a:solidFill>
-          </a:ln>
-        </p:spPr>
-        <p:style>
-          <a:lnRef idx="2">
-            <a:schemeClr val="accent1">
-              <a:shade val="15000"/>
-            </a:schemeClr>
-          </a:lnRef>
-          <a:fillRef idx="1">
-            <a:schemeClr val="accent1"/>
-          </a:fillRef>
-          <a:effectRef idx="0">
-            <a:schemeClr val="accent1"/>
-          </a:effectRef>
-          <a:fontRef idx="minor">
-            <a:schemeClr val="lt1"/>
-          </a:fontRef>
-        </p:style>
-        <p:txBody>
-          <a:bodyPr rtlCol="0" anchor="ctr"/>
-          <a:lstStyle/>
-          <a:p>
-            <a:pPr algn="ctr"/>
-            <a:endParaRPr lang="en-US"/>
-          </a:p>
-        </p:txBody>
-      </p:sp>
-      <p:sp>
-        <p:nvSpPr>
-          <p:cNvPr id="36" name="Oval 35">
-            <a:extLst>
-              <a:ext uri="{FF2B5EF4-FFF2-40B4-BE49-F238E27FC236}">
-                <a16:creationId xmlns:a16="http://schemas.microsoft.com/office/drawing/2014/main" id="{EBEFE44F-45C1-B35C-EE28-45DE8E984A41}"/>
-              </a:ext>
-            </a:extLst>
-          </p:cNvPr>
-          <p:cNvSpPr/>
-          <p:nvPr/>
-        </p:nvSpPr>
-        <p:spPr>
-          <a:xfrm>
-            <a:off x="6929551" y="2455262"/>
-            <a:ext cx="366382" cy="366382"/>
-          </a:xfrm>
-          <a:prstGeom prst="ellipse">
-            <a:avLst/>
-          </a:prstGeom>
-          <a:noFill/>
-          <a:ln>
-            <a:solidFill>
-              <a:schemeClr val="tx1"/>
-            </a:solidFill>
-          </a:ln>
-        </p:spPr>
-        <p:style>
-          <a:lnRef idx="2">
-            <a:schemeClr val="accent1">
-              <a:shade val="15000"/>
-            </a:schemeClr>
-          </a:lnRef>
-          <a:fillRef idx="1">
-            <a:schemeClr val="accent1"/>
-          </a:fillRef>
-          <a:effectRef idx="0">
-            <a:schemeClr val="accent1"/>
-          </a:effectRef>
-          <a:fontRef idx="minor">
-            <a:schemeClr val="lt1"/>
-          </a:fontRef>
-        </p:style>
-        <p:txBody>
-          <a:bodyPr rtlCol="0" anchor="ctr"/>
-          <a:lstStyle/>
-          <a:p>
-            <a:pPr algn="ctr"/>
-            <a:endParaRPr lang="en-US"/>
-          </a:p>
-        </p:txBody>
-      </p:sp>
-      <p:sp>
-        <p:nvSpPr>
-          <p:cNvPr id="37" name="Oval 36">
-            <a:extLst>
-              <a:ext uri="{FF2B5EF4-FFF2-40B4-BE49-F238E27FC236}">
-                <a16:creationId xmlns:a16="http://schemas.microsoft.com/office/drawing/2014/main" id="{3406ADF1-7852-BBF8-4614-D59039873519}"/>
-              </a:ext>
-            </a:extLst>
-          </p:cNvPr>
-          <p:cNvSpPr/>
-          <p:nvPr/>
-        </p:nvSpPr>
-        <p:spPr>
-          <a:xfrm>
-            <a:off x="6929551" y="2877793"/>
-            <a:ext cx="366382" cy="366382"/>
-          </a:xfrm>
-          <a:prstGeom prst="ellipse">
-            <a:avLst/>
-          </a:prstGeom>
-          <a:noFill/>
-          <a:ln>
-            <a:solidFill>
-              <a:schemeClr val="tx1"/>
-            </a:solidFill>
-          </a:ln>
-        </p:spPr>
-        <p:style>
-          <a:lnRef idx="2">
-            <a:schemeClr val="accent1">
-              <a:shade val="15000"/>
-            </a:schemeClr>
-          </a:lnRef>
-          <a:fillRef idx="1">
-            <a:schemeClr val="accent1"/>
-          </a:fillRef>
-          <a:effectRef idx="0">
-            <a:schemeClr val="accent1"/>
-          </a:effectRef>
-          <a:fontRef idx="minor">
-            <a:schemeClr val="lt1"/>
-          </a:fontRef>
-        </p:style>
-        <p:txBody>
-          <a:bodyPr rtlCol="0" anchor="ctr"/>
-          <a:lstStyle/>
-          <a:p>
-            <a:pPr algn="ctr"/>
-            <a:endParaRPr lang="en-US"/>
-          </a:p>
-        </p:txBody>
-      </p:sp>
-      <p:sp>
-        <p:nvSpPr>
-          <p:cNvPr id="38" name="Oval 37">
-            <a:extLst>
-              <a:ext uri="{FF2B5EF4-FFF2-40B4-BE49-F238E27FC236}">
-                <a16:creationId xmlns:a16="http://schemas.microsoft.com/office/drawing/2014/main" id="{3F55D9FA-F76D-7C0D-D79D-8F46211C5ED2}"/>
-              </a:ext>
-            </a:extLst>
-          </p:cNvPr>
-          <p:cNvSpPr/>
-          <p:nvPr/>
-        </p:nvSpPr>
-        <p:spPr>
-          <a:xfrm>
-            <a:off x="6929551" y="3296373"/>
-            <a:ext cx="366382" cy="366382"/>
-          </a:xfrm>
-          <a:prstGeom prst="ellipse">
-            <a:avLst/>
-          </a:prstGeom>
-          <a:noFill/>
-          <a:ln>
-            <a:solidFill>
-              <a:schemeClr val="tx1"/>
-            </a:solidFill>
-          </a:ln>
-        </p:spPr>
-        <p:style>
-          <a:lnRef idx="2">
-            <a:schemeClr val="accent1">
-              <a:shade val="15000"/>
-            </a:schemeClr>
-          </a:lnRef>
-          <a:fillRef idx="1">
-            <a:schemeClr val="accent1"/>
-          </a:fillRef>
-          <a:effectRef idx="0">
-            <a:schemeClr val="accent1"/>
-          </a:effectRef>
-          <a:fontRef idx="minor">
-            <a:schemeClr val="lt1"/>
-          </a:fontRef>
-        </p:style>
-        <p:txBody>
-          <a:bodyPr rtlCol="0" anchor="ctr"/>
-          <a:lstStyle/>
-          <a:p>
-            <a:pPr algn="ctr"/>
-            <a:endParaRPr lang="en-US"/>
-          </a:p>
-        </p:txBody>
-      </p:sp>
-      <p:sp>
-        <p:nvSpPr>
-          <p:cNvPr id="39" name="Oval 38">
-            <a:extLst>
-              <a:ext uri="{FF2B5EF4-FFF2-40B4-BE49-F238E27FC236}">
-                <a16:creationId xmlns:a16="http://schemas.microsoft.com/office/drawing/2014/main" id="{7B67F338-FB29-2B18-66AA-69D90B50E1B7}"/>
-              </a:ext>
-            </a:extLst>
-          </p:cNvPr>
-          <p:cNvSpPr/>
-          <p:nvPr/>
-        </p:nvSpPr>
-        <p:spPr>
-          <a:xfrm>
-            <a:off x="6929551" y="3714953"/>
-            <a:ext cx="366382" cy="366382"/>
-          </a:xfrm>
-          <a:prstGeom prst="ellipse">
-            <a:avLst/>
-          </a:prstGeom>
-          <a:noFill/>
-          <a:ln>
-            <a:solidFill>
-              <a:schemeClr val="tx1"/>
-            </a:solidFill>
-          </a:ln>
-        </p:spPr>
-        <p:style>
-          <a:lnRef idx="2">
-            <a:schemeClr val="accent1">
-              <a:shade val="15000"/>
-            </a:schemeClr>
-          </a:lnRef>
-          <a:fillRef idx="1">
-            <a:schemeClr val="accent1"/>
-          </a:fillRef>
-          <a:effectRef idx="0">
-            <a:schemeClr val="accent1"/>
-          </a:effectRef>
-          <a:fontRef idx="minor">
-            <a:schemeClr val="lt1"/>
-          </a:fontRef>
-        </p:style>
-        <p:txBody>
-          <a:bodyPr rtlCol="0" anchor="ctr"/>
-          <a:lstStyle/>
-          <a:p>
-            <a:pPr algn="ctr"/>
-            <a:endParaRPr lang="en-US"/>
-          </a:p>
-        </p:txBody>
-      </p:sp>
-      <mc:AlternateContent xmlns:mc="http://schemas.openxmlformats.org/markup-compatibility/2006">
-        <mc:Choice xmlns:a14="http://schemas.microsoft.com/office/drawing/2010/main" Requires="a14">
-          <p:sp>
-            <p:nvSpPr>
-              <p:cNvPr id="43" name="TextBox 42">
-                <a:extLst>
-                  <a:ext uri="{FF2B5EF4-FFF2-40B4-BE49-F238E27FC236}">
-                    <a16:creationId xmlns:a16="http://schemas.microsoft.com/office/drawing/2014/main" id="{D425388D-702F-E6F7-E71B-E29F79687729}"/>
-                  </a:ext>
-                </a:extLst>
-              </p:cNvPr>
-              <p:cNvSpPr txBox="1"/>
-              <p:nvPr/>
-            </p:nvSpPr>
-            <p:spPr>
-              <a:xfrm>
-                <a:off x="6929551" y="4382813"/>
-                <a:ext cx="369011" cy="369332"/>
-              </a:xfrm>
-              <a:prstGeom prst="rect">
-                <a:avLst/>
-              </a:prstGeom>
-              <a:noFill/>
-            </p:spPr>
-            <p:txBody>
-              <a:bodyPr wrap="none" rtlCol="0">
-                <a:spAutoFit/>
-              </a:bodyPr>
-              <a:lstStyle/>
-              <a:p>
-                <a:pPr/>
-                <a14:m>
-                  <m:oMathPara xmlns:m="http://schemas.openxmlformats.org/officeDocument/2006/math">
-                    <m:oMathParaPr>
-                      <m:jc m:val="centerGroup"/>
-                    </m:oMathParaPr>
-                    <m:oMath xmlns:m="http://schemas.openxmlformats.org/officeDocument/2006/math">
-                      <m:acc>
-                        <m:accPr>
-                          <m:chr m:val="̂"/>
-                          <m:ctrlPr>
-                            <a:rPr lang="en-US" b="1" i="1" dirty="0" smtClean="0">
-                              <a:latin typeface="Cambria Math" panose="02040503050406030204" pitchFamily="18" charset="0"/>
-                            </a:rPr>
-                          </m:ctrlPr>
-                        </m:accPr>
-                        <m:e>
-                          <m:r>
-                            <a:rPr lang="en-US" b="1" i="1" dirty="0" smtClean="0">
-                              <a:latin typeface="Cambria Math" panose="02040503050406030204" pitchFamily="18" charset="0"/>
-                            </a:rPr>
-                            <m:t>𝒙</m:t>
-                          </m:r>
-                        </m:e>
-                      </m:acc>
-                    </m:oMath>
-                  </m:oMathPara>
-                </a14:m>
-                <a:endParaRPr lang="en-US" b="1" i="1" dirty="0">
-                  <a:latin typeface="Cambria Math" panose="02040503050406030204" pitchFamily="18" charset="0"/>
-                </a:endParaRPr>
-              </a:p>
-            </p:txBody>
-          </p:sp>
-        </mc:Choice>
-        <mc:Fallback>
-          <p:sp>
-            <p:nvSpPr>
-              <p:cNvPr id="43" name="TextBox 42">
-                <a:extLst>
-                  <a:ext uri="{FF2B5EF4-FFF2-40B4-BE49-F238E27FC236}">
-                    <a16:creationId xmlns:a16="http://schemas.microsoft.com/office/drawing/2014/main" id="{D425388D-702F-E6F7-E71B-E29F79687729}"/>
-                  </a:ext>
-                </a:extLst>
-              </p:cNvPr>
-              <p:cNvSpPr txBox="1">
-                <a:spLocks noRot="1" noChangeAspect="1" noMove="1" noResize="1" noEditPoints="1" noAdjustHandles="1" noChangeArrowheads="1" noChangeShapeType="1" noTextEdit="1"/>
-              </p:cNvSpPr>
-              <p:nvPr/>
-            </p:nvSpPr>
-            <p:spPr>
-              <a:xfrm>
-                <a:off x="6929551" y="4382813"/>
-                <a:ext cx="369011" cy="369332"/>
-              </a:xfrm>
-              <a:prstGeom prst="rect">
-                <a:avLst/>
-              </a:prstGeom>
-              <a:blipFill>
-                <a:blip r:embed="rId6"/>
-                <a:stretch>
-                  <a:fillRect/>
-                </a:stretch>
-              </a:blipFill>
-            </p:spPr>
-            <p:txBody>
-              <a:bodyPr/>
-              <a:lstStyle/>
-              <a:p>
-                <a:r>
-                  <a:rPr lang="en-US">
-                    <a:noFill/>
-                  </a:rPr>
-                  <a:t> </a:t>
-                </a:r>
-              </a:p>
-            </p:txBody>
-          </p:sp>
-        </mc:Fallback>
-      </mc:AlternateContent>
-      <p:sp>
-        <p:nvSpPr>
-          <p:cNvPr id="44" name="TextBox 43">
-            <a:extLst>
-              <a:ext uri="{FF2B5EF4-FFF2-40B4-BE49-F238E27FC236}">
-                <a16:creationId xmlns:a16="http://schemas.microsoft.com/office/drawing/2014/main" id="{3D4C1A7E-5A95-0578-FEE1-32D73F076A5F}"/>
-              </a:ext>
-            </a:extLst>
-          </p:cNvPr>
-          <p:cNvSpPr txBox="1"/>
-          <p:nvPr/>
-        </p:nvSpPr>
-        <p:spPr>
-          <a:xfrm>
-            <a:off x="6313741" y="528025"/>
-            <a:ext cx="1598002" cy="369332"/>
-          </a:xfrm>
-          <a:prstGeom prst="rect">
-            <a:avLst/>
-          </a:prstGeom>
-          <a:noFill/>
-        </p:spPr>
-        <p:txBody>
-          <a:bodyPr wrap="none" rtlCol="0">
-            <a:spAutoFit/>
-          </a:bodyPr>
-          <a:lstStyle/>
-          <a:p>
-            <a:r>
-              <a:rPr lang="en-US" dirty="0"/>
-              <a:t>Reconstruction</a:t>
-            </a:r>
-          </a:p>
-        </p:txBody>
-      </p:sp>
-      <p:cxnSp>
-        <p:nvCxnSpPr>
-          <p:cNvPr id="45" name="Straight Arrow Connector 44">
-            <a:extLst>
-              <a:ext uri="{FF2B5EF4-FFF2-40B4-BE49-F238E27FC236}">
-                <a16:creationId xmlns:a16="http://schemas.microsoft.com/office/drawing/2014/main" id="{39AEB907-A65F-26F3-EA78-BBDEC3133A5C}"/>
-              </a:ext>
-            </a:extLst>
-          </p:cNvPr>
-          <p:cNvCxnSpPr>
-            <a:cxnSpLocks/>
-          </p:cNvCxnSpPr>
-          <p:nvPr/>
-        </p:nvCxnSpPr>
-        <p:spPr>
-          <a:xfrm>
-            <a:off x="4579944" y="2637054"/>
-            <a:ext cx="923544" cy="0"/>
-          </a:xfrm>
-          <a:prstGeom prst="straightConnector1">
-            <a:avLst/>
-          </a:prstGeom>
-          <a:ln w="12700">
-            <a:tailEnd type="arrow" w="lg" len="lg"/>
-          </a:ln>
-        </p:spPr>
-        <p:style>
-          <a:lnRef idx="1">
-            <a:schemeClr val="dk1"/>
-          </a:lnRef>
-          <a:fillRef idx="0">
-            <a:schemeClr val="dk1"/>
-          </a:fillRef>
-          <a:effectRef idx="0">
-            <a:schemeClr val="dk1"/>
-          </a:effectRef>
-          <a:fontRef idx="minor">
-            <a:schemeClr val="tx1"/>
-          </a:fontRef>
-        </p:style>
-      </p:cxnSp>
-      <p:cxnSp>
-        <p:nvCxnSpPr>
-          <p:cNvPr id="46" name="Straight Arrow Connector 45">
-            <a:extLst>
-              <a:ext uri="{FF2B5EF4-FFF2-40B4-BE49-F238E27FC236}">
-                <a16:creationId xmlns:a16="http://schemas.microsoft.com/office/drawing/2014/main" id="{E1FAECC7-8056-8070-8DE3-D1F448131DA2}"/>
-              </a:ext>
-            </a:extLst>
-          </p:cNvPr>
-          <p:cNvCxnSpPr>
-            <a:cxnSpLocks/>
-          </p:cNvCxnSpPr>
-          <p:nvPr/>
-        </p:nvCxnSpPr>
-        <p:spPr>
-          <a:xfrm>
-            <a:off x="5957554" y="2629447"/>
-            <a:ext cx="923544" cy="0"/>
-          </a:xfrm>
-          <a:prstGeom prst="straightConnector1">
-            <a:avLst/>
-          </a:prstGeom>
-          <a:ln w="12700">
-            <a:tailEnd type="arrow" w="lg" len="lg"/>
-          </a:ln>
-        </p:spPr>
-        <p:style>
-          <a:lnRef idx="1">
-            <a:schemeClr val="dk1"/>
-          </a:lnRef>
-          <a:fillRef idx="0">
-            <a:schemeClr val="dk1"/>
-          </a:fillRef>
-          <a:effectRef idx="0">
-            <a:schemeClr val="dk1"/>
-          </a:effectRef>
-          <a:fontRef idx="minor">
-            <a:schemeClr val="tx1"/>
-          </a:fontRef>
-        </p:style>
-      </p:cxnSp>
-      <mc:AlternateContent xmlns:mc="http://schemas.openxmlformats.org/markup-compatibility/2006">
-        <mc:Choice xmlns:a14="http://schemas.microsoft.com/office/drawing/2010/main" Requires="a14">
-          <p:sp>
-            <p:nvSpPr>
-              <p:cNvPr id="47" name="TextBox 46">
-                <a:extLst>
-                  <a:ext uri="{FF2B5EF4-FFF2-40B4-BE49-F238E27FC236}">
-                    <a16:creationId xmlns:a16="http://schemas.microsoft.com/office/drawing/2014/main" id="{64E68194-17DC-9657-9F66-CDC48B23AF1D}"/>
-                  </a:ext>
-                </a:extLst>
-              </p:cNvPr>
-              <p:cNvSpPr txBox="1"/>
-              <p:nvPr/>
-            </p:nvSpPr>
-            <p:spPr>
-              <a:xfrm>
-                <a:off x="4758450" y="2197932"/>
-                <a:ext cx="574132" cy="369332"/>
-              </a:xfrm>
-              <a:prstGeom prst="rect">
-                <a:avLst/>
-              </a:prstGeom>
-              <a:noFill/>
-            </p:spPr>
-            <p:txBody>
-              <a:bodyPr wrap="none" rtlCol="0">
-                <a:spAutoFit/>
-              </a:bodyPr>
-              <a:lstStyle/>
-              <a:p>
-                <a:pPr/>
-                <a14:m>
-                  <m:oMathPara xmlns:m="http://schemas.openxmlformats.org/officeDocument/2006/math">
-                    <m:oMathParaPr>
-                      <m:jc m:val="centerGroup"/>
-                    </m:oMathParaPr>
-                    <m:oMath xmlns:m="http://schemas.openxmlformats.org/officeDocument/2006/math">
-                      <m:sSub>
-                        <m:sSubPr>
-                          <m:ctrlPr>
-                            <a:rPr lang="en-US" b="1" i="1" dirty="0" smtClean="0">
-                              <a:latin typeface="Cambria Math" panose="02040503050406030204" pitchFamily="18" charset="0"/>
-                            </a:rPr>
-                          </m:ctrlPr>
-                        </m:sSubPr>
-                        <m:e>
-                          <m:r>
-                            <a:rPr lang="en-US" b="1" i="1" dirty="0" smtClean="0">
-                              <a:latin typeface="Cambria Math" panose="02040503050406030204" pitchFamily="18" charset="0"/>
-                            </a:rPr>
-                            <m:t>𝑾</m:t>
-                          </m:r>
-                        </m:e>
-                        <m:sub>
-                          <m:r>
-                            <a:rPr lang="en-US" b="1" i="1" dirty="0" smtClean="0">
-                              <a:latin typeface="Cambria Math" panose="02040503050406030204" pitchFamily="18" charset="0"/>
-                            </a:rPr>
-                            <m:t>𝟑</m:t>
-                          </m:r>
-                        </m:sub>
-                      </m:sSub>
-                    </m:oMath>
-                  </m:oMathPara>
-                </a14:m>
-                <a:endParaRPr lang="en-US" b="1" i="1" dirty="0">
-                  <a:latin typeface="Cambria Math" panose="02040503050406030204" pitchFamily="18" charset="0"/>
-                </a:endParaRPr>
-              </a:p>
-            </p:txBody>
-          </p:sp>
-        </mc:Choice>
-        <mc:Fallback>
-          <p:sp>
-            <p:nvSpPr>
-              <p:cNvPr id="47" name="TextBox 46">
-                <a:extLst>
-                  <a:ext uri="{FF2B5EF4-FFF2-40B4-BE49-F238E27FC236}">
-                    <a16:creationId xmlns:a16="http://schemas.microsoft.com/office/drawing/2014/main" id="{64E68194-17DC-9657-9F66-CDC48B23AF1D}"/>
-                  </a:ext>
-                </a:extLst>
-              </p:cNvPr>
-              <p:cNvSpPr txBox="1">
-                <a:spLocks noRot="1" noChangeAspect="1" noMove="1" noResize="1" noEditPoints="1" noAdjustHandles="1" noChangeArrowheads="1" noChangeShapeType="1" noTextEdit="1"/>
-              </p:cNvSpPr>
-              <p:nvPr/>
-            </p:nvSpPr>
-            <p:spPr>
-              <a:xfrm>
-                <a:off x="4758450" y="2197932"/>
-                <a:ext cx="574132" cy="369332"/>
-              </a:xfrm>
-              <a:prstGeom prst="rect">
-                <a:avLst/>
-              </a:prstGeom>
-              <a:blipFill>
-                <a:blip r:embed="rId7"/>
-                <a:stretch>
-                  <a:fillRect/>
-                </a:stretch>
-              </a:blipFill>
-            </p:spPr>
-            <p:txBody>
-              <a:bodyPr/>
-              <a:lstStyle/>
-              <a:p>
-                <a:r>
-                  <a:rPr lang="en-US">
-                    <a:noFill/>
-                  </a:rPr>
-                  <a:t> </a:t>
-                </a:r>
-              </a:p>
-            </p:txBody>
-          </p:sp>
-        </mc:Fallback>
-      </mc:AlternateContent>
-      <mc:AlternateContent xmlns:mc="http://schemas.openxmlformats.org/markup-compatibility/2006">
-        <mc:Choice xmlns:a14="http://schemas.microsoft.com/office/drawing/2010/main" Requires="a14">
-          <p:sp>
-            <p:nvSpPr>
-              <p:cNvPr id="48" name="TextBox 47">
-                <a:extLst>
-                  <a:ext uri="{FF2B5EF4-FFF2-40B4-BE49-F238E27FC236}">
-                    <a16:creationId xmlns:a16="http://schemas.microsoft.com/office/drawing/2014/main" id="{0853CA48-8B89-BE00-0623-4FAAE45013DA}"/>
-                  </a:ext>
-                </a:extLst>
-              </p:cNvPr>
-              <p:cNvSpPr txBox="1"/>
-              <p:nvPr/>
-            </p:nvSpPr>
-            <p:spPr>
-              <a:xfrm>
-                <a:off x="6157095" y="2197932"/>
-                <a:ext cx="574132" cy="369332"/>
-              </a:xfrm>
-              <a:prstGeom prst="rect">
-                <a:avLst/>
-              </a:prstGeom>
-              <a:noFill/>
-            </p:spPr>
-            <p:txBody>
-              <a:bodyPr wrap="none" rtlCol="0">
-                <a:spAutoFit/>
-              </a:bodyPr>
-              <a:lstStyle/>
-              <a:p>
-                <a:pPr/>
-                <a14:m>
-                  <m:oMathPara xmlns:m="http://schemas.openxmlformats.org/officeDocument/2006/math">
-                    <m:oMathParaPr>
-                      <m:jc m:val="centerGroup"/>
-                    </m:oMathParaPr>
-                    <m:oMath xmlns:m="http://schemas.openxmlformats.org/officeDocument/2006/math">
-                      <m:sSub>
-                        <m:sSubPr>
-                          <m:ctrlPr>
-                            <a:rPr lang="en-US" b="1" i="1" dirty="0" smtClean="0">
-                              <a:latin typeface="Cambria Math" panose="02040503050406030204" pitchFamily="18" charset="0"/>
-                            </a:rPr>
-                          </m:ctrlPr>
-                        </m:sSubPr>
-                        <m:e>
-                          <m:r>
-                            <a:rPr lang="en-US" b="1" i="1" dirty="0" smtClean="0">
-                              <a:latin typeface="Cambria Math" panose="02040503050406030204" pitchFamily="18" charset="0"/>
-                            </a:rPr>
-                            <m:t>𝑾</m:t>
-                          </m:r>
-                        </m:e>
-                        <m:sub>
-                          <m:r>
-                            <a:rPr lang="en-US" b="1" i="1" dirty="0" smtClean="0">
-                              <a:latin typeface="Cambria Math" panose="02040503050406030204" pitchFamily="18" charset="0"/>
-                            </a:rPr>
-                            <m:t>𝟒</m:t>
-                          </m:r>
-                        </m:sub>
-                      </m:sSub>
-                    </m:oMath>
-                  </m:oMathPara>
-                </a14:m>
-                <a:endParaRPr lang="en-US" b="1" i="1" dirty="0">
-                  <a:latin typeface="Cambria Math" panose="02040503050406030204" pitchFamily="18" charset="0"/>
-                </a:endParaRPr>
-              </a:p>
-            </p:txBody>
-          </p:sp>
-        </mc:Choice>
-        <mc:Fallback>
-          <p:sp>
-            <p:nvSpPr>
-              <p:cNvPr id="48" name="TextBox 47">
-                <a:extLst>
-                  <a:ext uri="{FF2B5EF4-FFF2-40B4-BE49-F238E27FC236}">
-                    <a16:creationId xmlns:a16="http://schemas.microsoft.com/office/drawing/2014/main" id="{0853CA48-8B89-BE00-0623-4FAAE45013DA}"/>
-                  </a:ext>
-                </a:extLst>
-              </p:cNvPr>
-              <p:cNvSpPr txBox="1">
-                <a:spLocks noRot="1" noChangeAspect="1" noMove="1" noResize="1" noEditPoints="1" noAdjustHandles="1" noChangeArrowheads="1" noChangeShapeType="1" noTextEdit="1"/>
-              </p:cNvSpPr>
-              <p:nvPr/>
-            </p:nvSpPr>
-            <p:spPr>
-              <a:xfrm>
-                <a:off x="6157095" y="2197932"/>
-                <a:ext cx="574132" cy="369332"/>
-              </a:xfrm>
-              <a:prstGeom prst="rect">
-                <a:avLst/>
-              </a:prstGeom>
-              <a:blipFill>
-                <a:blip r:embed="rId8"/>
-                <a:stretch>
-                  <a:fillRect/>
-                </a:stretch>
-              </a:blipFill>
-            </p:spPr>
-            <p:txBody>
-              <a:bodyPr/>
-              <a:lstStyle/>
-              <a:p>
-                <a:r>
-                  <a:rPr lang="en-US">
-                    <a:noFill/>
-                  </a:rPr>
-                  <a:t> </a:t>
-                </a:r>
-              </a:p>
-            </p:txBody>
-          </p:sp>
-        </mc:Fallback>
-      </mc:AlternateContent>
-      <mc:AlternateContent xmlns:mc="http://schemas.openxmlformats.org/markup-compatibility/2006">
-        <mc:Choice xmlns:a14="http://schemas.microsoft.com/office/drawing/2010/main" Requires="a14">
-          <p:sp>
-            <p:nvSpPr>
-              <p:cNvPr id="49" name="TextBox 48">
-                <a:extLst>
-                  <a:ext uri="{FF2B5EF4-FFF2-40B4-BE49-F238E27FC236}">
-                    <a16:creationId xmlns:a16="http://schemas.microsoft.com/office/drawing/2014/main" id="{54CBC590-01F4-D952-980A-0F762A77636B}"/>
-                  </a:ext>
-                </a:extLst>
-              </p:cNvPr>
-              <p:cNvSpPr txBox="1"/>
-              <p:nvPr/>
-            </p:nvSpPr>
-            <p:spPr>
-              <a:xfrm rot="20580000">
-                <a:off x="2579934" y="4241713"/>
-                <a:ext cx="893193" cy="369332"/>
-              </a:xfrm>
-              <a:prstGeom prst="rect">
-                <a:avLst/>
-              </a:prstGeom>
-              <a:noFill/>
-            </p:spPr>
-            <p:txBody>
-              <a:bodyPr wrap="none" rtlCol="0">
-                <a:spAutoFit/>
-              </a:bodyPr>
-              <a:lstStyle/>
-              <a:p>
-                <a:pPr/>
-                <a14:m>
-                  <m:oMathPara xmlns:m="http://schemas.openxmlformats.org/officeDocument/2006/math">
-                    <m:oMathParaPr>
-                      <m:jc m:val="centerGroup"/>
-                    </m:oMathParaPr>
-                    <m:oMath xmlns:m="http://schemas.openxmlformats.org/officeDocument/2006/math">
-                      <m:r>
-                        <a:rPr lang="en-US" b="1" i="1" dirty="0" smtClean="0">
-                          <a:latin typeface="Cambria Math" panose="02040503050406030204" pitchFamily="18" charset="0"/>
-                        </a:rPr>
-                        <m:t>𝒒</m:t>
-                      </m:r>
-                      <m:r>
-                        <a:rPr lang="en-US" b="1" i="1" dirty="0" smtClean="0">
-                          <a:latin typeface="Cambria Math" panose="02040503050406030204" pitchFamily="18" charset="0"/>
-                        </a:rPr>
-                        <m:t>(</m:t>
-                      </m:r>
-                      <m:r>
-                        <a:rPr lang="en-US" b="1" i="1" dirty="0" smtClean="0">
-                          <a:latin typeface="Cambria Math" panose="02040503050406030204" pitchFamily="18" charset="0"/>
-                        </a:rPr>
-                        <m:t>𝒛</m:t>
-                      </m:r>
-                      <m:r>
-                        <a:rPr lang="en-US" b="1" i="1" dirty="0" smtClean="0">
-                          <a:latin typeface="Cambria Math" panose="02040503050406030204" pitchFamily="18" charset="0"/>
-                        </a:rPr>
-                        <m:t>|</m:t>
-                      </m:r>
-                      <m:r>
-                        <a:rPr lang="en-US" b="1" i="1" dirty="0" smtClean="0">
-                          <a:latin typeface="Cambria Math" panose="02040503050406030204" pitchFamily="18" charset="0"/>
-                        </a:rPr>
-                        <m:t>𝒙</m:t>
-                      </m:r>
-                      <m:r>
-                        <a:rPr lang="en-US" b="1" i="1" dirty="0" smtClean="0">
-                          <a:latin typeface="Cambria Math" panose="02040503050406030204" pitchFamily="18" charset="0"/>
-                        </a:rPr>
-                        <m:t>)</m:t>
-                      </m:r>
-                    </m:oMath>
-                  </m:oMathPara>
-                </a14:m>
-                <a:endParaRPr lang="en-US" b="1" i="1" dirty="0">
-                  <a:latin typeface="Cambria Math" panose="02040503050406030204" pitchFamily="18" charset="0"/>
-                </a:endParaRPr>
-              </a:p>
-            </p:txBody>
-          </p:sp>
-        </mc:Choice>
-        <mc:Fallback>
-          <p:sp>
-            <p:nvSpPr>
-              <p:cNvPr id="49" name="TextBox 48">
-                <a:extLst>
-                  <a:ext uri="{FF2B5EF4-FFF2-40B4-BE49-F238E27FC236}">
-                    <a16:creationId xmlns:a16="http://schemas.microsoft.com/office/drawing/2014/main" id="{54CBC590-01F4-D952-980A-0F762A77636B}"/>
-                  </a:ext>
-                </a:extLst>
-              </p:cNvPr>
-              <p:cNvSpPr txBox="1">
-                <a:spLocks noRot="1" noChangeAspect="1" noMove="1" noResize="1" noEditPoints="1" noAdjustHandles="1" noChangeArrowheads="1" noChangeShapeType="1" noTextEdit="1"/>
-              </p:cNvSpPr>
-              <p:nvPr/>
-            </p:nvSpPr>
-            <p:spPr>
-              <a:xfrm rot="20580000">
-                <a:off x="2579934" y="4241713"/>
-                <a:ext cx="893193" cy="369332"/>
-              </a:xfrm>
-              <a:prstGeom prst="rect">
-                <a:avLst/>
-              </a:prstGeom>
-              <a:blipFill>
-                <a:blip r:embed="rId9"/>
-                <a:stretch>
-                  <a:fillRect b="-2041"/>
-                </a:stretch>
-              </a:blipFill>
-            </p:spPr>
-            <p:txBody>
-              <a:bodyPr/>
-              <a:lstStyle/>
-              <a:p>
-                <a:r>
-                  <a:rPr lang="en-US">
-                    <a:noFill/>
-                  </a:rPr>
-                  <a:t> </a:t>
-                </a:r>
-              </a:p>
-            </p:txBody>
-          </p:sp>
-        </mc:Fallback>
-      </mc:AlternateContent>
-      <p:cxnSp>
-        <p:nvCxnSpPr>
-          <p:cNvPr id="50" name="Straight Arrow Connector 49">
-            <a:extLst>
-              <a:ext uri="{FF2B5EF4-FFF2-40B4-BE49-F238E27FC236}">
-                <a16:creationId xmlns:a16="http://schemas.microsoft.com/office/drawing/2014/main" id="{A1AC0C65-5827-765D-1430-910532A4AD40}"/>
-              </a:ext>
-            </a:extLst>
-          </p:cNvPr>
-          <p:cNvCxnSpPr>
-            <a:cxnSpLocks/>
-          </p:cNvCxnSpPr>
-          <p:nvPr/>
-        </p:nvCxnSpPr>
-        <p:spPr>
-          <a:xfrm flipV="1">
-            <a:off x="1759720" y="3835831"/>
-            <a:ext cx="2387322" cy="731648"/>
-          </a:xfrm>
-          <a:prstGeom prst="straightConnector1">
-            <a:avLst/>
-          </a:prstGeom>
-          <a:ln w="12700">
-            <a:tailEnd type="arrow" w="lg" len="lg"/>
-          </a:ln>
-        </p:spPr>
-        <p:style>
-          <a:lnRef idx="1">
-            <a:schemeClr val="dk1"/>
-          </a:lnRef>
-          <a:fillRef idx="0">
-            <a:schemeClr val="dk1"/>
-          </a:fillRef>
-          <a:effectRef idx="0">
-            <a:schemeClr val="dk1"/>
-          </a:effectRef>
-          <a:fontRef idx="minor">
-            <a:schemeClr val="tx1"/>
-          </a:fontRef>
-        </p:style>
-      </p:cxnSp>
-      <p:cxnSp>
-        <p:nvCxnSpPr>
-          <p:cNvPr id="52" name="Straight Arrow Connector 51">
-            <a:extLst>
-              <a:ext uri="{FF2B5EF4-FFF2-40B4-BE49-F238E27FC236}">
-                <a16:creationId xmlns:a16="http://schemas.microsoft.com/office/drawing/2014/main" id="{C217E2CB-CB1D-7192-35C4-C824DCC0CF53}"/>
-              </a:ext>
-            </a:extLst>
-          </p:cNvPr>
-          <p:cNvCxnSpPr>
-            <a:cxnSpLocks/>
-            <a:endCxn id="43" idx="1"/>
-          </p:cNvCxnSpPr>
-          <p:nvPr/>
-        </p:nvCxnSpPr>
-        <p:spPr>
-          <a:xfrm>
-            <a:off x="4452068" y="3851752"/>
-            <a:ext cx="2477483" cy="715727"/>
-          </a:xfrm>
-          <a:prstGeom prst="straightConnector1">
-            <a:avLst/>
-          </a:prstGeom>
-          <a:ln w="12700">
-            <a:tailEnd type="arrow" w="lg" len="lg"/>
-          </a:ln>
-        </p:spPr>
-        <p:style>
-          <a:lnRef idx="1">
-            <a:schemeClr val="dk1"/>
-          </a:lnRef>
-          <a:fillRef idx="0">
-            <a:schemeClr val="dk1"/>
-          </a:fillRef>
-          <a:effectRef idx="0">
-            <a:schemeClr val="dk1"/>
-          </a:effectRef>
-          <a:fontRef idx="minor">
-            <a:schemeClr val="tx1"/>
-          </a:fontRef>
-        </p:style>
-      </p:cxnSp>
-      <mc:AlternateContent xmlns:mc="http://schemas.openxmlformats.org/markup-compatibility/2006">
-        <mc:Choice xmlns:a14="http://schemas.microsoft.com/office/drawing/2010/main" Requires="a14">
-          <p:sp>
-            <p:nvSpPr>
-              <p:cNvPr id="54" name="TextBox 53">
-                <a:extLst>
-                  <a:ext uri="{FF2B5EF4-FFF2-40B4-BE49-F238E27FC236}">
-                    <a16:creationId xmlns:a16="http://schemas.microsoft.com/office/drawing/2014/main" id="{A6862296-E060-5DFD-7F51-EFE788451547}"/>
-                  </a:ext>
-                </a:extLst>
-              </p:cNvPr>
-              <p:cNvSpPr txBox="1"/>
-              <p:nvPr/>
-            </p:nvSpPr>
-            <p:spPr>
-              <a:xfrm rot="960000">
-                <a:off x="5120356" y="4224738"/>
-                <a:ext cx="896399" cy="369332"/>
-              </a:xfrm>
-              <a:prstGeom prst="rect">
-                <a:avLst/>
-              </a:prstGeom>
-              <a:noFill/>
-            </p:spPr>
-            <p:txBody>
-              <a:bodyPr wrap="none" rtlCol="0">
-                <a:spAutoFit/>
-              </a:bodyPr>
-              <a:lstStyle/>
-              <a:p>
-                <a:pPr/>
-                <a14:m>
-                  <m:oMathPara xmlns:m="http://schemas.openxmlformats.org/officeDocument/2006/math">
-                    <m:oMathParaPr>
-                      <m:jc m:val="centerGroup"/>
-                    </m:oMathParaPr>
-                    <m:oMath xmlns:m="http://schemas.openxmlformats.org/officeDocument/2006/math">
-                      <m:r>
-                        <a:rPr lang="en-US" b="1" i="1" dirty="0" smtClean="0">
-                          <a:latin typeface="Cambria Math" panose="02040503050406030204" pitchFamily="18" charset="0"/>
-                        </a:rPr>
-                        <m:t>𝒑</m:t>
-                      </m:r>
-                      <m:r>
-                        <a:rPr lang="en-US" b="1" i="1" dirty="0" smtClean="0">
-                          <a:latin typeface="Cambria Math" panose="02040503050406030204" pitchFamily="18" charset="0"/>
-                        </a:rPr>
-                        <m:t>(</m:t>
-                      </m:r>
-                      <m:r>
-                        <a:rPr lang="en-US" b="1" i="1" dirty="0" smtClean="0">
-                          <a:latin typeface="Cambria Math" panose="02040503050406030204" pitchFamily="18" charset="0"/>
-                        </a:rPr>
-                        <m:t>𝒙</m:t>
-                      </m:r>
-                      <m:r>
-                        <a:rPr lang="en-US" b="1" i="1" dirty="0" smtClean="0">
-                          <a:latin typeface="Cambria Math" panose="02040503050406030204" pitchFamily="18" charset="0"/>
-                        </a:rPr>
-                        <m:t>|</m:t>
-                      </m:r>
-                      <m:r>
-                        <a:rPr lang="en-US" b="1" i="1" dirty="0" smtClean="0">
-                          <a:latin typeface="Cambria Math" panose="02040503050406030204" pitchFamily="18" charset="0"/>
-                        </a:rPr>
-                        <m:t>𝒛</m:t>
-                      </m:r>
-                      <m:r>
-                        <a:rPr lang="en-US" b="1" i="1" dirty="0" smtClean="0">
-                          <a:latin typeface="Cambria Math" panose="02040503050406030204" pitchFamily="18" charset="0"/>
-                        </a:rPr>
-                        <m:t>)</m:t>
-                      </m:r>
-                    </m:oMath>
-                  </m:oMathPara>
-                </a14:m>
-                <a:endParaRPr lang="en-US" b="1" i="1" dirty="0">
-                  <a:latin typeface="Cambria Math" panose="02040503050406030204" pitchFamily="18" charset="0"/>
-                </a:endParaRPr>
-              </a:p>
-            </p:txBody>
-          </p:sp>
-        </mc:Choice>
-        <mc:Fallback>
-          <p:sp>
-            <p:nvSpPr>
-              <p:cNvPr id="54" name="TextBox 53">
-                <a:extLst>
-                  <a:ext uri="{FF2B5EF4-FFF2-40B4-BE49-F238E27FC236}">
-                    <a16:creationId xmlns:a16="http://schemas.microsoft.com/office/drawing/2014/main" id="{A6862296-E060-5DFD-7F51-EFE788451547}"/>
-                  </a:ext>
-                </a:extLst>
-              </p:cNvPr>
-              <p:cNvSpPr txBox="1">
-                <a:spLocks noRot="1" noChangeAspect="1" noMove="1" noResize="1" noEditPoints="1" noAdjustHandles="1" noChangeArrowheads="1" noChangeShapeType="1" noTextEdit="1"/>
-              </p:cNvSpPr>
-              <p:nvPr/>
-            </p:nvSpPr>
-            <p:spPr>
-              <a:xfrm rot="960000">
-                <a:off x="5120356" y="4224738"/>
-                <a:ext cx="896399" cy="369332"/>
-              </a:xfrm>
-              <a:prstGeom prst="rect">
-                <a:avLst/>
-              </a:prstGeom>
-              <a:blipFill>
-                <a:blip r:embed="rId10"/>
-                <a:stretch>
-                  <a:fillRect b="-6122"/>
-                </a:stretch>
-              </a:blipFill>
-            </p:spPr>
-            <p:txBody>
-              <a:bodyPr/>
-              <a:lstStyle/>
-              <a:p>
-                <a:r>
-                  <a:rPr lang="en-US">
-                    <a:noFill/>
-                  </a:rPr>
-                  <a:t> </a:t>
-                </a:r>
-              </a:p>
-            </p:txBody>
-          </p:sp>
-        </mc:Fallback>
-      </mc:AlternateContent>
-    </p:spTree>
-    <p:extLst>
-      <p:ext uri="{BB962C8B-B14F-4D97-AF65-F5344CB8AC3E}">
-        <p14:creationId xmlns:p14="http://schemas.microsoft.com/office/powerpoint/2010/main" val="803369512"/>
-      </p:ext>
-    </p:extLst>
-  </p:cSld>
-  <p:clrMapOvr>
-    <a:masterClrMapping/>
-  </p:clrMapOvr>
-</p:sld>
-</file>
-
-<file path=ppt/slides/slide3.xml><?xml version="1.0" encoding="utf-8"?>
-<p:sld xmlns:a="http://schemas.openxmlformats.org/drawingml/2006/main" xmlns:r="http://schemas.openxmlformats.org/officeDocument/2006/relationships" xmlns:p="http://schemas.openxmlformats.org/presentationml/2006/main">
-  <p:cSld>
-    <p:spTree>
-      <p:nvGrpSpPr>
-        <p:cNvPr id="1" name=""/>
-        <p:cNvGrpSpPr/>
-        <p:nvPr/>
-      </p:nvGrpSpPr>
-      <p:grpSpPr>
-        <a:xfrm>
-          <a:off x="0" y="0"/>
-          <a:ext cx="0" cy="0"/>
-          <a:chOff x="0" y="0"/>
-          <a:chExt cx="0" cy="0"/>
-        </a:xfrm>
-      </p:grpSpPr>
-      <p:sp>
-        <p:nvSpPr>
-          <p:cNvPr id="28" name="Rectangle 27">
-            <a:extLst>
-              <a:ext uri="{FF2B5EF4-FFF2-40B4-BE49-F238E27FC236}">
-                <a16:creationId xmlns:a16="http://schemas.microsoft.com/office/drawing/2014/main" id="{A903271A-FB24-8D09-6D5A-97461F4AC04A}"/>
-              </a:ext>
-            </a:extLst>
-          </p:cNvPr>
-          <p:cNvSpPr/>
-          <p:nvPr/>
-        </p:nvSpPr>
-        <p:spPr>
-          <a:xfrm>
-            <a:off x="4347890" y="1767188"/>
-            <a:ext cx="460893" cy="1376147"/>
-          </a:xfrm>
-          <a:prstGeom prst="rect">
-            <a:avLst/>
-          </a:prstGeom>
-          <a:noFill/>
-          <a:ln>
-            <a:solidFill>
-              <a:schemeClr val="tx1"/>
-            </a:solidFill>
-          </a:ln>
-        </p:spPr>
-        <p:style>
-          <a:lnRef idx="2">
-            <a:schemeClr val="dk1"/>
-          </a:lnRef>
-          <a:fillRef idx="1">
-            <a:schemeClr val="lt1"/>
-          </a:fillRef>
-          <a:effectRef idx="0">
-            <a:schemeClr val="dk1"/>
-          </a:effectRef>
-          <a:fontRef idx="minor">
-            <a:schemeClr val="dk1"/>
-          </a:fontRef>
-        </p:style>
-        <p:txBody>
-          <a:bodyPr rtlCol="0" anchor="ctr"/>
-          <a:lstStyle/>
-          <a:p>
-            <a:pPr algn="ctr"/>
-            <a:endParaRPr lang="en-US"/>
-          </a:p>
-        </p:txBody>
-      </p:sp>
-      <p:sp>
-        <p:nvSpPr>
-          <p:cNvPr id="51" name="Oval 50">
-            <a:extLst>
-              <a:ext uri="{FF2B5EF4-FFF2-40B4-BE49-F238E27FC236}">
-                <a16:creationId xmlns:a16="http://schemas.microsoft.com/office/drawing/2014/main" id="{EDEB0AB9-F663-90CC-3345-CABE0B830D34}"/>
-              </a:ext>
-            </a:extLst>
-          </p:cNvPr>
-          <p:cNvSpPr/>
-          <p:nvPr/>
-        </p:nvSpPr>
-        <p:spPr>
-          <a:xfrm>
-            <a:off x="4394343" y="1851272"/>
-            <a:ext cx="366382" cy="366382"/>
-          </a:xfrm>
-          <a:prstGeom prst="ellipse">
-            <a:avLst/>
-          </a:prstGeom>
-          <a:noFill/>
-          <a:ln>
-            <a:solidFill>
-              <a:schemeClr val="tx1"/>
-            </a:solidFill>
-          </a:ln>
-        </p:spPr>
-        <p:style>
-          <a:lnRef idx="2">
-            <a:schemeClr val="accent1">
-              <a:shade val="15000"/>
-            </a:schemeClr>
-          </a:lnRef>
-          <a:fillRef idx="1">
-            <a:schemeClr val="accent1"/>
-          </a:fillRef>
-          <a:effectRef idx="0">
-            <a:schemeClr val="accent1"/>
-          </a:effectRef>
-          <a:fontRef idx="minor">
-            <a:schemeClr val="lt1"/>
-          </a:fontRef>
-        </p:style>
-        <p:txBody>
-          <a:bodyPr rtlCol="0" anchor="ctr"/>
-          <a:lstStyle/>
-          <a:p>
-            <a:pPr algn="ctr"/>
-            <a:endParaRPr lang="en-US"/>
-          </a:p>
-        </p:txBody>
-      </p:sp>
-      <p:sp>
-        <p:nvSpPr>
-          <p:cNvPr id="53" name="Oval 52">
-            <a:extLst>
-              <a:ext uri="{FF2B5EF4-FFF2-40B4-BE49-F238E27FC236}">
-                <a16:creationId xmlns:a16="http://schemas.microsoft.com/office/drawing/2014/main" id="{EBC8BF9B-6CD3-9EA0-ADD1-0DDBAB2BF451}"/>
-              </a:ext>
-            </a:extLst>
-          </p:cNvPr>
-          <p:cNvSpPr/>
-          <p:nvPr/>
-        </p:nvSpPr>
-        <p:spPr>
-          <a:xfrm>
-            <a:off x="4394342" y="2273803"/>
-            <a:ext cx="366382" cy="366382"/>
-          </a:xfrm>
-          <a:prstGeom prst="ellipse">
-            <a:avLst/>
-          </a:prstGeom>
-          <a:noFill/>
-          <a:ln>
-            <a:solidFill>
-              <a:schemeClr val="tx1"/>
-            </a:solidFill>
-          </a:ln>
-        </p:spPr>
-        <p:style>
-          <a:lnRef idx="2">
-            <a:schemeClr val="accent1">
-              <a:shade val="15000"/>
-            </a:schemeClr>
-          </a:lnRef>
-          <a:fillRef idx="1">
-            <a:schemeClr val="accent1"/>
-          </a:fillRef>
-          <a:effectRef idx="0">
-            <a:schemeClr val="accent1"/>
-          </a:effectRef>
-          <a:fontRef idx="minor">
-            <a:schemeClr val="lt1"/>
-          </a:fontRef>
-        </p:style>
-        <p:txBody>
-          <a:bodyPr rtlCol="0" anchor="ctr"/>
-          <a:lstStyle/>
-          <a:p>
-            <a:pPr algn="ctr"/>
-            <a:endParaRPr lang="en-US"/>
-          </a:p>
-        </p:txBody>
-      </p:sp>
-      <p:sp>
-        <p:nvSpPr>
-          <p:cNvPr id="55" name="Oval 54">
-            <a:extLst>
-              <a:ext uri="{FF2B5EF4-FFF2-40B4-BE49-F238E27FC236}">
-                <a16:creationId xmlns:a16="http://schemas.microsoft.com/office/drawing/2014/main" id="{BF115B09-9782-5B8D-1E9F-EC49EAF45664}"/>
-              </a:ext>
-            </a:extLst>
-          </p:cNvPr>
-          <p:cNvSpPr/>
-          <p:nvPr/>
-        </p:nvSpPr>
-        <p:spPr>
-          <a:xfrm>
-            <a:off x="4394342" y="2696334"/>
-            <a:ext cx="366382" cy="366382"/>
-          </a:xfrm>
-          <a:prstGeom prst="ellipse">
-            <a:avLst/>
-          </a:prstGeom>
-          <a:noFill/>
-          <a:ln>
-            <a:solidFill>
-              <a:schemeClr val="tx1"/>
-            </a:solidFill>
-          </a:ln>
-        </p:spPr>
-        <p:style>
-          <a:lnRef idx="2">
-            <a:schemeClr val="accent1">
-              <a:shade val="15000"/>
-            </a:schemeClr>
-          </a:lnRef>
-          <a:fillRef idx="1">
-            <a:schemeClr val="accent1"/>
-          </a:fillRef>
-          <a:effectRef idx="0">
-            <a:schemeClr val="accent1"/>
-          </a:effectRef>
-          <a:fontRef idx="minor">
-            <a:schemeClr val="lt1"/>
-          </a:fontRef>
-        </p:style>
-        <p:txBody>
-          <a:bodyPr rtlCol="0" anchor="ctr"/>
-          <a:lstStyle/>
-          <a:p>
-            <a:pPr algn="ctr"/>
-            <a:endParaRPr lang="en-US"/>
-          </a:p>
-        </p:txBody>
-      </p:sp>
-      <p:sp>
-        <p:nvSpPr>
-          <p:cNvPr id="4" name="Rectangle 3">
-            <a:extLst>
-              <a:ext uri="{FF2B5EF4-FFF2-40B4-BE49-F238E27FC236}">
-                <a16:creationId xmlns:a16="http://schemas.microsoft.com/office/drawing/2014/main" id="{A0350F3A-90F8-F1C7-03BE-9E3259078567}"/>
-              </a:ext>
-            </a:extLst>
-          </p:cNvPr>
-          <p:cNvSpPr/>
-          <p:nvPr/>
-        </p:nvSpPr>
-        <p:spPr>
-          <a:xfrm>
-            <a:off x="1346886" y="1103586"/>
-            <a:ext cx="460893" cy="3072998"/>
-          </a:xfrm>
-          <a:prstGeom prst="rect">
-            <a:avLst/>
-          </a:prstGeom>
-          <a:noFill/>
-          <a:ln>
-            <a:solidFill>
-              <a:schemeClr val="tx1"/>
-            </a:solidFill>
-          </a:ln>
-        </p:spPr>
-        <p:style>
-          <a:lnRef idx="2">
-            <a:schemeClr val="dk1"/>
-          </a:lnRef>
-          <a:fillRef idx="1">
-            <a:schemeClr val="lt1"/>
-          </a:fillRef>
-          <a:effectRef idx="0">
-            <a:schemeClr val="dk1"/>
-          </a:effectRef>
-          <a:fontRef idx="minor">
-            <a:schemeClr val="dk1"/>
-          </a:fontRef>
-        </p:style>
-        <p:txBody>
-          <a:bodyPr rtlCol="0" anchor="ctr"/>
-          <a:lstStyle/>
-          <a:p>
-            <a:pPr algn="ctr"/>
-            <a:endParaRPr lang="en-US"/>
-          </a:p>
-        </p:txBody>
-      </p:sp>
-      <mc:AlternateContent xmlns:mc="http://schemas.openxmlformats.org/markup-compatibility/2006">
-        <mc:Choice xmlns:a14="http://schemas.microsoft.com/office/drawing/2010/main" Requires="a14">
-          <p:sp>
-            <p:nvSpPr>
-              <p:cNvPr id="5" name="TextBox 4">
-                <a:extLst>
-                  <a:ext uri="{FF2B5EF4-FFF2-40B4-BE49-F238E27FC236}">
-                    <a16:creationId xmlns:a16="http://schemas.microsoft.com/office/drawing/2014/main" id="{65E6E687-1341-76FB-C53B-8757B9EA08DC}"/>
-                  </a:ext>
-                </a:extLst>
-              </p:cNvPr>
-              <p:cNvSpPr txBox="1"/>
-              <p:nvPr/>
-            </p:nvSpPr>
-            <p:spPr>
-              <a:xfrm>
-                <a:off x="1393339" y="4382813"/>
-                <a:ext cx="366382" cy="369332"/>
-              </a:xfrm>
-              <a:prstGeom prst="rect">
-                <a:avLst/>
-              </a:prstGeom>
-              <a:noFill/>
-            </p:spPr>
-            <p:txBody>
-              <a:bodyPr wrap="none" rtlCol="0">
-                <a:spAutoFit/>
-              </a:bodyPr>
-              <a:lstStyle/>
-              <a:p>
-                <a:pPr/>
-                <a14:m>
-                  <m:oMathPara xmlns:m="http://schemas.openxmlformats.org/officeDocument/2006/math">
-                    <m:oMathParaPr>
-                      <m:jc m:val="centerGroup"/>
-                    </m:oMathParaPr>
-                    <m:oMath xmlns:m="http://schemas.openxmlformats.org/officeDocument/2006/math">
-                      <m:r>
-                        <a:rPr lang="en-US" b="1" i="1" dirty="0" smtClean="0">
-                          <a:latin typeface="Cambria Math" panose="02040503050406030204" pitchFamily="18" charset="0"/>
-                        </a:rPr>
-                        <m:t>𝒙</m:t>
-                      </m:r>
-                    </m:oMath>
-                  </m:oMathPara>
-                </a14:m>
-                <a:endParaRPr lang="en-US" b="1" i="1" dirty="0">
-                  <a:latin typeface="Cambria Math" panose="02040503050406030204" pitchFamily="18" charset="0"/>
-                </a:endParaRPr>
-              </a:p>
-            </p:txBody>
-          </p:sp>
-        </mc:Choice>
-        <mc:Fallback>
-          <p:sp>
-            <p:nvSpPr>
-              <p:cNvPr id="5" name="TextBox 4">
-                <a:extLst>
-                  <a:ext uri="{FF2B5EF4-FFF2-40B4-BE49-F238E27FC236}">
-                    <a16:creationId xmlns:a16="http://schemas.microsoft.com/office/drawing/2014/main" id="{65E6E687-1341-76FB-C53B-8757B9EA08DC}"/>
-                  </a:ext>
-                </a:extLst>
-              </p:cNvPr>
-              <p:cNvSpPr txBox="1">
-                <a:spLocks noRot="1" noChangeAspect="1" noMove="1" noResize="1" noEditPoints="1" noAdjustHandles="1" noChangeArrowheads="1" noChangeShapeType="1" noTextEdit="1"/>
-              </p:cNvSpPr>
-              <p:nvPr/>
-            </p:nvSpPr>
-            <p:spPr>
-              <a:xfrm>
-                <a:off x="1393339" y="4382813"/>
-                <a:ext cx="366382" cy="369332"/>
-              </a:xfrm>
-              <a:prstGeom prst="rect">
-                <a:avLst/>
-              </a:prstGeom>
-              <a:blipFill>
-                <a:blip r:embed="rId2"/>
-                <a:stretch>
-                  <a:fillRect/>
-                </a:stretch>
-              </a:blipFill>
-            </p:spPr>
-            <p:txBody>
-              <a:bodyPr/>
-              <a:lstStyle/>
-              <a:p>
-                <a:r>
-                  <a:rPr lang="en-US">
-                    <a:noFill/>
-                  </a:rPr>
-                  <a:t> </a:t>
-                </a:r>
-              </a:p>
-            </p:txBody>
-          </p:sp>
-        </mc:Fallback>
-      </mc:AlternateContent>
-      <p:sp>
-        <p:nvSpPr>
-          <p:cNvPr id="6" name="Oval 5">
-            <a:extLst>
-              <a:ext uri="{FF2B5EF4-FFF2-40B4-BE49-F238E27FC236}">
-                <a16:creationId xmlns:a16="http://schemas.microsoft.com/office/drawing/2014/main" id="{D1946D81-98DE-7C21-8F5B-6C352B1D11F3}"/>
-              </a:ext>
-            </a:extLst>
-          </p:cNvPr>
-          <p:cNvSpPr/>
-          <p:nvPr/>
-        </p:nvSpPr>
-        <p:spPr>
-          <a:xfrm>
-            <a:off x="1393339" y="1187669"/>
-            <a:ext cx="366382" cy="366382"/>
-          </a:xfrm>
-          <a:prstGeom prst="ellipse">
-            <a:avLst/>
-          </a:prstGeom>
-          <a:noFill/>
-          <a:ln>
-            <a:solidFill>
-              <a:schemeClr val="tx1"/>
-            </a:solidFill>
-          </a:ln>
-        </p:spPr>
-        <p:style>
-          <a:lnRef idx="2">
-            <a:schemeClr val="accent1">
-              <a:shade val="15000"/>
-            </a:schemeClr>
-          </a:lnRef>
-          <a:fillRef idx="1">
-            <a:schemeClr val="accent1"/>
-          </a:fillRef>
-          <a:effectRef idx="0">
-            <a:schemeClr val="accent1"/>
-          </a:effectRef>
-          <a:fontRef idx="minor">
-            <a:schemeClr val="lt1"/>
-          </a:fontRef>
-        </p:style>
-        <p:txBody>
-          <a:bodyPr rtlCol="0" anchor="ctr"/>
-          <a:lstStyle/>
-          <a:p>
-            <a:pPr algn="ctr"/>
-            <a:endParaRPr lang="en-US"/>
-          </a:p>
-        </p:txBody>
-      </p:sp>
-      <p:sp>
-        <p:nvSpPr>
-          <p:cNvPr id="7" name="TextBox 6">
-            <a:extLst>
-              <a:ext uri="{FF2B5EF4-FFF2-40B4-BE49-F238E27FC236}">
-                <a16:creationId xmlns:a16="http://schemas.microsoft.com/office/drawing/2014/main" id="{85B69CE1-263C-877A-C3E0-E7CF766B8208}"/>
-              </a:ext>
-            </a:extLst>
-          </p:cNvPr>
-          <p:cNvSpPr txBox="1"/>
-          <p:nvPr/>
-        </p:nvSpPr>
-        <p:spPr>
-          <a:xfrm>
-            <a:off x="1234128" y="528025"/>
-            <a:ext cx="684803" cy="369332"/>
-          </a:xfrm>
-          <a:prstGeom prst="rect">
-            <a:avLst/>
-          </a:prstGeom>
-          <a:noFill/>
-        </p:spPr>
-        <p:txBody>
-          <a:bodyPr wrap="none" rtlCol="0">
-            <a:spAutoFit/>
-          </a:bodyPr>
-          <a:lstStyle/>
-          <a:p>
-            <a:r>
-              <a:rPr lang="en-US" dirty="0"/>
-              <a:t>Input</a:t>
-            </a:r>
-          </a:p>
-        </p:txBody>
-      </p:sp>
-      <p:sp>
-        <p:nvSpPr>
-          <p:cNvPr id="8" name="Oval 7">
-            <a:extLst>
-              <a:ext uri="{FF2B5EF4-FFF2-40B4-BE49-F238E27FC236}">
-                <a16:creationId xmlns:a16="http://schemas.microsoft.com/office/drawing/2014/main" id="{FEDB6466-B34B-3CC7-37A9-6F565F0A1758}"/>
-              </a:ext>
-            </a:extLst>
-          </p:cNvPr>
-          <p:cNvSpPr/>
-          <p:nvPr/>
-        </p:nvSpPr>
-        <p:spPr>
-          <a:xfrm>
-            <a:off x="1393338" y="1610200"/>
-            <a:ext cx="366382" cy="366382"/>
-          </a:xfrm>
-          <a:prstGeom prst="ellipse">
-            <a:avLst/>
-          </a:prstGeom>
-          <a:noFill/>
-          <a:ln>
-            <a:solidFill>
-              <a:schemeClr val="tx1"/>
-            </a:solidFill>
-          </a:ln>
-        </p:spPr>
-        <p:style>
-          <a:lnRef idx="2">
-            <a:schemeClr val="accent1">
-              <a:shade val="15000"/>
-            </a:schemeClr>
-          </a:lnRef>
-          <a:fillRef idx="1">
-            <a:schemeClr val="accent1"/>
-          </a:fillRef>
-          <a:effectRef idx="0">
-            <a:schemeClr val="accent1"/>
-          </a:effectRef>
-          <a:fontRef idx="minor">
-            <a:schemeClr val="lt1"/>
-          </a:fontRef>
-        </p:style>
-        <p:txBody>
-          <a:bodyPr rtlCol="0" anchor="ctr"/>
-          <a:lstStyle/>
-          <a:p>
-            <a:pPr algn="ctr"/>
-            <a:endParaRPr lang="en-US"/>
-          </a:p>
-        </p:txBody>
-      </p:sp>
-      <p:sp>
-        <p:nvSpPr>
-          <p:cNvPr id="9" name="Oval 8">
-            <a:extLst>
-              <a:ext uri="{FF2B5EF4-FFF2-40B4-BE49-F238E27FC236}">
-                <a16:creationId xmlns:a16="http://schemas.microsoft.com/office/drawing/2014/main" id="{ED6190EF-5457-BDF7-4D80-29F055F07AFE}"/>
-              </a:ext>
-            </a:extLst>
-          </p:cNvPr>
-          <p:cNvSpPr/>
-          <p:nvPr/>
-        </p:nvSpPr>
-        <p:spPr>
-          <a:xfrm>
-            <a:off x="1393338" y="2032731"/>
-            <a:ext cx="366382" cy="366382"/>
-          </a:xfrm>
-          <a:prstGeom prst="ellipse">
-            <a:avLst/>
-          </a:prstGeom>
-          <a:noFill/>
-          <a:ln>
-            <a:solidFill>
-              <a:schemeClr val="tx1"/>
-            </a:solidFill>
-          </a:ln>
-        </p:spPr>
-        <p:style>
-          <a:lnRef idx="2">
-            <a:schemeClr val="accent1">
-              <a:shade val="15000"/>
-            </a:schemeClr>
-          </a:lnRef>
-          <a:fillRef idx="1">
-            <a:schemeClr val="accent1"/>
-          </a:fillRef>
-          <a:effectRef idx="0">
-            <a:schemeClr val="accent1"/>
-          </a:effectRef>
-          <a:fontRef idx="minor">
-            <a:schemeClr val="lt1"/>
-          </a:fontRef>
-        </p:style>
-        <p:txBody>
-          <a:bodyPr rtlCol="0" anchor="ctr"/>
-          <a:lstStyle/>
-          <a:p>
-            <a:pPr algn="ctr"/>
-            <a:endParaRPr lang="en-US"/>
-          </a:p>
-        </p:txBody>
-      </p:sp>
-      <p:sp>
-        <p:nvSpPr>
-          <p:cNvPr id="10" name="Oval 9">
-            <a:extLst>
-              <a:ext uri="{FF2B5EF4-FFF2-40B4-BE49-F238E27FC236}">
-                <a16:creationId xmlns:a16="http://schemas.microsoft.com/office/drawing/2014/main" id="{E076A4CB-722E-10C8-FE7C-0262AF207DC6}"/>
-              </a:ext>
-            </a:extLst>
-          </p:cNvPr>
-          <p:cNvSpPr/>
-          <p:nvPr/>
-        </p:nvSpPr>
-        <p:spPr>
-          <a:xfrm>
-            <a:off x="1393338" y="2455262"/>
-            <a:ext cx="366382" cy="366382"/>
-          </a:xfrm>
-          <a:prstGeom prst="ellipse">
-            <a:avLst/>
-          </a:prstGeom>
-          <a:noFill/>
-          <a:ln>
-            <a:solidFill>
-              <a:schemeClr val="tx1"/>
-            </a:solidFill>
-          </a:ln>
-        </p:spPr>
-        <p:style>
-          <a:lnRef idx="2">
-            <a:schemeClr val="accent1">
-              <a:shade val="15000"/>
-            </a:schemeClr>
-          </a:lnRef>
-          <a:fillRef idx="1">
-            <a:schemeClr val="accent1"/>
-          </a:fillRef>
-          <a:effectRef idx="0">
-            <a:schemeClr val="accent1"/>
-          </a:effectRef>
-          <a:fontRef idx="minor">
-            <a:schemeClr val="lt1"/>
-          </a:fontRef>
-        </p:style>
-        <p:txBody>
-          <a:bodyPr rtlCol="0" anchor="ctr"/>
-          <a:lstStyle/>
-          <a:p>
-            <a:pPr algn="ctr"/>
-            <a:endParaRPr lang="en-US"/>
-          </a:p>
-        </p:txBody>
-      </p:sp>
-      <p:sp>
-        <p:nvSpPr>
-          <p:cNvPr id="11" name="Oval 10">
-            <a:extLst>
-              <a:ext uri="{FF2B5EF4-FFF2-40B4-BE49-F238E27FC236}">
-                <a16:creationId xmlns:a16="http://schemas.microsoft.com/office/drawing/2014/main" id="{09CD8CF7-4F7F-5E5C-52C2-0A5D406808C1}"/>
-              </a:ext>
-            </a:extLst>
-          </p:cNvPr>
-          <p:cNvSpPr/>
-          <p:nvPr/>
-        </p:nvSpPr>
-        <p:spPr>
-          <a:xfrm>
-            <a:off x="1393338" y="2877793"/>
-            <a:ext cx="366382" cy="366382"/>
-          </a:xfrm>
-          <a:prstGeom prst="ellipse">
-            <a:avLst/>
-          </a:prstGeom>
-          <a:noFill/>
-          <a:ln>
-            <a:solidFill>
-              <a:schemeClr val="tx1"/>
-            </a:solidFill>
-          </a:ln>
-        </p:spPr>
-        <p:style>
-          <a:lnRef idx="2">
-            <a:schemeClr val="accent1">
-              <a:shade val="15000"/>
-            </a:schemeClr>
-          </a:lnRef>
-          <a:fillRef idx="1">
-            <a:schemeClr val="accent1"/>
-          </a:fillRef>
-          <a:effectRef idx="0">
-            <a:schemeClr val="accent1"/>
-          </a:effectRef>
-          <a:fontRef idx="minor">
-            <a:schemeClr val="lt1"/>
-          </a:fontRef>
-        </p:style>
-        <p:txBody>
-          <a:bodyPr rtlCol="0" anchor="ctr"/>
-          <a:lstStyle/>
-          <a:p>
-            <a:pPr algn="ctr"/>
-            <a:endParaRPr lang="en-US"/>
-          </a:p>
-        </p:txBody>
-      </p:sp>
-      <p:sp>
-        <p:nvSpPr>
-          <p:cNvPr id="12" name="Oval 11">
-            <a:extLst>
-              <a:ext uri="{FF2B5EF4-FFF2-40B4-BE49-F238E27FC236}">
-                <a16:creationId xmlns:a16="http://schemas.microsoft.com/office/drawing/2014/main" id="{1DA4F4D5-D238-CA9E-D2D2-F9CB7C2028CE}"/>
-              </a:ext>
-            </a:extLst>
-          </p:cNvPr>
-          <p:cNvSpPr/>
-          <p:nvPr/>
-        </p:nvSpPr>
-        <p:spPr>
-          <a:xfrm>
-            <a:off x="1393338" y="3296373"/>
-            <a:ext cx="366382" cy="366382"/>
-          </a:xfrm>
-          <a:prstGeom prst="ellipse">
-            <a:avLst/>
-          </a:prstGeom>
-          <a:noFill/>
-          <a:ln>
-            <a:solidFill>
-              <a:schemeClr val="tx1"/>
-            </a:solidFill>
-          </a:ln>
-        </p:spPr>
-        <p:style>
-          <a:lnRef idx="2">
-            <a:schemeClr val="accent1">
-              <a:shade val="15000"/>
-            </a:schemeClr>
-          </a:lnRef>
-          <a:fillRef idx="1">
-            <a:schemeClr val="accent1"/>
-          </a:fillRef>
-          <a:effectRef idx="0">
-            <a:schemeClr val="accent1"/>
-          </a:effectRef>
-          <a:fontRef idx="minor">
-            <a:schemeClr val="lt1"/>
-          </a:fontRef>
-        </p:style>
-        <p:txBody>
-          <a:bodyPr rtlCol="0" anchor="ctr"/>
-          <a:lstStyle/>
-          <a:p>
-            <a:pPr algn="ctr"/>
-            <a:endParaRPr lang="en-US"/>
-          </a:p>
-        </p:txBody>
-      </p:sp>
-      <p:sp>
-        <p:nvSpPr>
-          <p:cNvPr id="13" name="Oval 12">
-            <a:extLst>
-              <a:ext uri="{FF2B5EF4-FFF2-40B4-BE49-F238E27FC236}">
-                <a16:creationId xmlns:a16="http://schemas.microsoft.com/office/drawing/2014/main" id="{998E3856-DD80-FC78-5039-744358554C28}"/>
-              </a:ext>
-            </a:extLst>
-          </p:cNvPr>
-          <p:cNvSpPr/>
-          <p:nvPr/>
-        </p:nvSpPr>
-        <p:spPr>
-          <a:xfrm>
-            <a:off x="1393338" y="3714953"/>
-            <a:ext cx="366382" cy="366382"/>
-          </a:xfrm>
-          <a:prstGeom prst="ellipse">
-            <a:avLst/>
-          </a:prstGeom>
-          <a:noFill/>
-          <a:ln>
-            <a:solidFill>
-              <a:schemeClr val="tx1"/>
-            </a:solidFill>
-          </a:ln>
-        </p:spPr>
-        <p:style>
-          <a:lnRef idx="2">
-            <a:schemeClr val="accent1">
-              <a:shade val="15000"/>
-            </a:schemeClr>
-          </a:lnRef>
-          <a:fillRef idx="1">
-            <a:schemeClr val="accent1"/>
-          </a:fillRef>
-          <a:effectRef idx="0">
-            <a:schemeClr val="accent1"/>
-          </a:effectRef>
-          <a:fontRef idx="minor">
-            <a:schemeClr val="lt1"/>
-          </a:fontRef>
-        </p:style>
-        <p:txBody>
-          <a:bodyPr rtlCol="0" anchor="ctr"/>
-          <a:lstStyle/>
-          <a:p>
-            <a:pPr algn="ctr"/>
-            <a:endParaRPr lang="en-US"/>
-          </a:p>
-        </p:txBody>
-      </p:sp>
-      <p:sp>
-        <p:nvSpPr>
-          <p:cNvPr id="14" name="Rectangle 13">
-            <a:extLst>
-              <a:ext uri="{FF2B5EF4-FFF2-40B4-BE49-F238E27FC236}">
-                <a16:creationId xmlns:a16="http://schemas.microsoft.com/office/drawing/2014/main" id="{2C725B42-15F0-401E-A5B1-37AE85275674}"/>
-              </a:ext>
-            </a:extLst>
-          </p:cNvPr>
-          <p:cNvSpPr/>
-          <p:nvPr/>
-        </p:nvSpPr>
-        <p:spPr>
-          <a:xfrm>
-            <a:off x="2734614" y="1509602"/>
-            <a:ext cx="460893" cy="2254906"/>
-          </a:xfrm>
-          <a:prstGeom prst="rect">
-            <a:avLst/>
-          </a:prstGeom>
-          <a:noFill/>
-          <a:ln>
-            <a:solidFill>
-              <a:schemeClr val="tx1"/>
-            </a:solidFill>
-          </a:ln>
-        </p:spPr>
-        <p:style>
-          <a:lnRef idx="2">
-            <a:schemeClr val="dk1"/>
-          </a:lnRef>
-          <a:fillRef idx="1">
-            <a:schemeClr val="lt1"/>
-          </a:fillRef>
-          <a:effectRef idx="0">
-            <a:schemeClr val="dk1"/>
-          </a:effectRef>
-          <a:fontRef idx="minor">
-            <a:schemeClr val="dk1"/>
-          </a:fontRef>
-        </p:style>
-        <p:txBody>
-          <a:bodyPr rtlCol="0" anchor="ctr"/>
-          <a:lstStyle/>
-          <a:p>
-            <a:pPr algn="ctr"/>
-            <a:endParaRPr lang="en-US"/>
-          </a:p>
-        </p:txBody>
-      </p:sp>
-      <p:sp>
-        <p:nvSpPr>
-          <p:cNvPr id="15" name="Oval 14">
-            <a:extLst>
-              <a:ext uri="{FF2B5EF4-FFF2-40B4-BE49-F238E27FC236}">
-                <a16:creationId xmlns:a16="http://schemas.microsoft.com/office/drawing/2014/main" id="{71913042-2BA6-7915-CC55-3267929CD7A7}"/>
-              </a:ext>
-            </a:extLst>
-          </p:cNvPr>
-          <p:cNvSpPr/>
-          <p:nvPr/>
-        </p:nvSpPr>
-        <p:spPr>
-          <a:xfrm>
-            <a:off x="2781067" y="1593685"/>
-            <a:ext cx="366382" cy="366382"/>
-          </a:xfrm>
-          <a:prstGeom prst="ellipse">
-            <a:avLst/>
-          </a:prstGeom>
-          <a:noFill/>
-          <a:ln>
-            <a:solidFill>
-              <a:schemeClr val="tx1"/>
-            </a:solidFill>
-          </a:ln>
-        </p:spPr>
-        <p:style>
-          <a:lnRef idx="2">
-            <a:schemeClr val="accent1">
-              <a:shade val="15000"/>
-            </a:schemeClr>
-          </a:lnRef>
-          <a:fillRef idx="1">
-            <a:schemeClr val="accent1"/>
-          </a:fillRef>
-          <a:effectRef idx="0">
-            <a:schemeClr val="accent1"/>
-          </a:effectRef>
-          <a:fontRef idx="minor">
-            <a:schemeClr val="lt1"/>
-          </a:fontRef>
-        </p:style>
-        <p:txBody>
-          <a:bodyPr rtlCol="0" anchor="ctr"/>
-          <a:lstStyle/>
-          <a:p>
-            <a:pPr algn="ctr"/>
-            <a:endParaRPr lang="en-US"/>
-          </a:p>
-        </p:txBody>
-      </p:sp>
-      <p:sp>
-        <p:nvSpPr>
-          <p:cNvPr id="16" name="Oval 15">
-            <a:extLst>
-              <a:ext uri="{FF2B5EF4-FFF2-40B4-BE49-F238E27FC236}">
-                <a16:creationId xmlns:a16="http://schemas.microsoft.com/office/drawing/2014/main" id="{DEE02F2C-2EE8-278C-32C5-67B72D764186}"/>
-              </a:ext>
-            </a:extLst>
-          </p:cNvPr>
-          <p:cNvSpPr/>
-          <p:nvPr/>
-        </p:nvSpPr>
-        <p:spPr>
-          <a:xfrm>
-            <a:off x="2781066" y="2016216"/>
-            <a:ext cx="366382" cy="366382"/>
-          </a:xfrm>
-          <a:prstGeom prst="ellipse">
-            <a:avLst/>
-          </a:prstGeom>
-          <a:noFill/>
-          <a:ln>
-            <a:solidFill>
-              <a:schemeClr val="tx1"/>
-            </a:solidFill>
-          </a:ln>
-        </p:spPr>
-        <p:style>
-          <a:lnRef idx="2">
-            <a:schemeClr val="accent1">
-              <a:shade val="15000"/>
-            </a:schemeClr>
-          </a:lnRef>
-          <a:fillRef idx="1">
-            <a:schemeClr val="accent1"/>
-          </a:fillRef>
-          <a:effectRef idx="0">
-            <a:schemeClr val="accent1"/>
-          </a:effectRef>
-          <a:fontRef idx="minor">
-            <a:schemeClr val="lt1"/>
-          </a:fontRef>
-        </p:style>
-        <p:txBody>
-          <a:bodyPr rtlCol="0" anchor="ctr"/>
-          <a:lstStyle/>
-          <a:p>
-            <a:pPr algn="ctr"/>
-            <a:endParaRPr lang="en-US"/>
-          </a:p>
-        </p:txBody>
-      </p:sp>
-      <p:sp>
-        <p:nvSpPr>
-          <p:cNvPr id="17" name="Oval 16">
-            <a:extLst>
-              <a:ext uri="{FF2B5EF4-FFF2-40B4-BE49-F238E27FC236}">
-                <a16:creationId xmlns:a16="http://schemas.microsoft.com/office/drawing/2014/main" id="{E863BBCC-0251-7927-A5F1-68119CAC3A14}"/>
-              </a:ext>
-            </a:extLst>
-          </p:cNvPr>
-          <p:cNvSpPr/>
-          <p:nvPr/>
-        </p:nvSpPr>
-        <p:spPr>
-          <a:xfrm>
-            <a:off x="2781066" y="2438747"/>
-            <a:ext cx="366382" cy="366382"/>
-          </a:xfrm>
-          <a:prstGeom prst="ellipse">
-            <a:avLst/>
-          </a:prstGeom>
-          <a:noFill/>
-          <a:ln>
-            <a:solidFill>
-              <a:schemeClr val="tx1"/>
-            </a:solidFill>
-          </a:ln>
-        </p:spPr>
-        <p:style>
-          <a:lnRef idx="2">
-            <a:schemeClr val="accent1">
-              <a:shade val="15000"/>
-            </a:schemeClr>
-          </a:lnRef>
-          <a:fillRef idx="1">
-            <a:schemeClr val="accent1"/>
-          </a:fillRef>
-          <a:effectRef idx="0">
-            <a:schemeClr val="accent1"/>
-          </a:effectRef>
-          <a:fontRef idx="minor">
-            <a:schemeClr val="lt1"/>
-          </a:fontRef>
-        </p:style>
-        <p:txBody>
-          <a:bodyPr rtlCol="0" anchor="ctr"/>
-          <a:lstStyle/>
-          <a:p>
-            <a:pPr algn="ctr"/>
-            <a:endParaRPr lang="en-US"/>
-          </a:p>
-        </p:txBody>
-      </p:sp>
-      <p:sp>
-        <p:nvSpPr>
-          <p:cNvPr id="18" name="Oval 17">
-            <a:extLst>
-              <a:ext uri="{FF2B5EF4-FFF2-40B4-BE49-F238E27FC236}">
-                <a16:creationId xmlns:a16="http://schemas.microsoft.com/office/drawing/2014/main" id="{93303AF3-CB12-03F0-E1CF-8B303B9DE92D}"/>
-              </a:ext>
-            </a:extLst>
-          </p:cNvPr>
-          <p:cNvSpPr/>
-          <p:nvPr/>
-        </p:nvSpPr>
-        <p:spPr>
-          <a:xfrm>
-            <a:off x="2781066" y="2861278"/>
-            <a:ext cx="366382" cy="366382"/>
-          </a:xfrm>
-          <a:prstGeom prst="ellipse">
-            <a:avLst/>
-          </a:prstGeom>
-          <a:noFill/>
-          <a:ln>
-            <a:solidFill>
-              <a:schemeClr val="tx1"/>
-            </a:solidFill>
-          </a:ln>
-        </p:spPr>
-        <p:style>
-          <a:lnRef idx="2">
-            <a:schemeClr val="accent1">
-              <a:shade val="15000"/>
-            </a:schemeClr>
-          </a:lnRef>
-          <a:fillRef idx="1">
-            <a:schemeClr val="accent1"/>
-          </a:fillRef>
-          <a:effectRef idx="0">
-            <a:schemeClr val="accent1"/>
-          </a:effectRef>
-          <a:fontRef idx="minor">
-            <a:schemeClr val="lt1"/>
-          </a:fontRef>
-        </p:style>
-        <p:txBody>
-          <a:bodyPr rtlCol="0" anchor="ctr"/>
-          <a:lstStyle/>
-          <a:p>
-            <a:pPr algn="ctr"/>
-            <a:endParaRPr lang="en-US"/>
-          </a:p>
-        </p:txBody>
-      </p:sp>
-      <p:sp>
-        <p:nvSpPr>
-          <p:cNvPr id="19" name="Oval 18">
-            <a:extLst>
-              <a:ext uri="{FF2B5EF4-FFF2-40B4-BE49-F238E27FC236}">
-                <a16:creationId xmlns:a16="http://schemas.microsoft.com/office/drawing/2014/main" id="{C61C518D-72D9-72BC-A69F-A8F58B4483C1}"/>
-              </a:ext>
-            </a:extLst>
-          </p:cNvPr>
-          <p:cNvSpPr/>
-          <p:nvPr/>
-        </p:nvSpPr>
-        <p:spPr>
-          <a:xfrm>
-            <a:off x="2781066" y="3283809"/>
-            <a:ext cx="366382" cy="366382"/>
-          </a:xfrm>
-          <a:prstGeom prst="ellipse">
-            <a:avLst/>
-          </a:prstGeom>
-          <a:noFill/>
-          <a:ln>
-            <a:solidFill>
-              <a:schemeClr val="tx1"/>
-            </a:solidFill>
-          </a:ln>
-        </p:spPr>
-        <p:style>
-          <a:lnRef idx="2">
-            <a:schemeClr val="accent1">
-              <a:shade val="15000"/>
-            </a:schemeClr>
-          </a:lnRef>
-          <a:fillRef idx="1">
-            <a:schemeClr val="accent1"/>
-          </a:fillRef>
-          <a:effectRef idx="0">
-            <a:schemeClr val="accent1"/>
-          </a:effectRef>
-          <a:fontRef idx="minor">
-            <a:schemeClr val="lt1"/>
-          </a:fontRef>
-        </p:style>
-        <p:txBody>
-          <a:bodyPr rtlCol="0" anchor="ctr"/>
-          <a:lstStyle/>
-          <a:p>
-            <a:pPr algn="ctr"/>
-            <a:endParaRPr lang="en-US"/>
-          </a:p>
-        </p:txBody>
-      </p:sp>
-      <p:sp>
-        <p:nvSpPr>
-          <p:cNvPr id="22" name="Rectangle 21">
-            <a:extLst>
-              <a:ext uri="{FF2B5EF4-FFF2-40B4-BE49-F238E27FC236}">
-                <a16:creationId xmlns:a16="http://schemas.microsoft.com/office/drawing/2014/main" id="{E49954DA-CE65-458F-F239-4A60BF158BB7}"/>
-              </a:ext>
-            </a:extLst>
-          </p:cNvPr>
-          <p:cNvSpPr/>
-          <p:nvPr/>
-        </p:nvSpPr>
-        <p:spPr>
-          <a:xfrm>
-            <a:off x="4119051" y="1948981"/>
-            <a:ext cx="460893" cy="1376147"/>
-          </a:xfrm>
-          <a:prstGeom prst="rect">
-            <a:avLst/>
-          </a:prstGeom>
-          <a:solidFill>
-            <a:schemeClr val="bg1"/>
-          </a:solidFill>
-          <a:ln>
-            <a:solidFill>
-              <a:schemeClr val="tx1"/>
-            </a:solidFill>
-          </a:ln>
-        </p:spPr>
-        <p:style>
-          <a:lnRef idx="2">
-            <a:schemeClr val="dk1"/>
-          </a:lnRef>
-          <a:fillRef idx="1">
-            <a:schemeClr val="lt1"/>
-          </a:fillRef>
-          <a:effectRef idx="0">
-            <a:schemeClr val="dk1"/>
-          </a:effectRef>
-          <a:fontRef idx="minor">
-            <a:schemeClr val="dk1"/>
-          </a:fontRef>
-        </p:style>
-        <p:txBody>
-          <a:bodyPr rtlCol="0" anchor="ctr"/>
-          <a:lstStyle/>
-          <a:p>
-            <a:pPr algn="ctr"/>
-            <a:endParaRPr lang="en-US"/>
-          </a:p>
-        </p:txBody>
-      </p:sp>
-      <p:sp>
-        <p:nvSpPr>
-          <p:cNvPr id="23" name="Oval 22">
-            <a:extLst>
-              <a:ext uri="{FF2B5EF4-FFF2-40B4-BE49-F238E27FC236}">
-                <a16:creationId xmlns:a16="http://schemas.microsoft.com/office/drawing/2014/main" id="{EB4A4A7A-96BF-6A40-046A-9FA4E7D425A7}"/>
-              </a:ext>
-            </a:extLst>
-          </p:cNvPr>
-          <p:cNvSpPr/>
-          <p:nvPr/>
-        </p:nvSpPr>
-        <p:spPr>
-          <a:xfrm>
-            <a:off x="4165504" y="2033065"/>
-            <a:ext cx="366382" cy="366382"/>
-          </a:xfrm>
-          <a:prstGeom prst="ellipse">
-            <a:avLst/>
-          </a:prstGeom>
-          <a:solidFill>
-            <a:schemeClr val="bg1"/>
-          </a:solidFill>
-          <a:ln>
-            <a:solidFill>
-              <a:schemeClr val="tx1"/>
-            </a:solidFill>
-          </a:ln>
-        </p:spPr>
-        <p:style>
-          <a:lnRef idx="2">
-            <a:schemeClr val="accent1">
-              <a:shade val="15000"/>
-            </a:schemeClr>
-          </a:lnRef>
-          <a:fillRef idx="1">
-            <a:schemeClr val="accent1"/>
-          </a:fillRef>
-          <a:effectRef idx="0">
-            <a:schemeClr val="accent1"/>
-          </a:effectRef>
-          <a:fontRef idx="minor">
-            <a:schemeClr val="lt1"/>
-          </a:fontRef>
-        </p:style>
-        <p:txBody>
-          <a:bodyPr rtlCol="0" anchor="ctr"/>
-          <a:lstStyle/>
-          <a:p>
-            <a:pPr algn="ctr"/>
-            <a:endParaRPr lang="en-US"/>
-          </a:p>
-        </p:txBody>
-      </p:sp>
-      <p:sp>
-        <p:nvSpPr>
-          <p:cNvPr id="24" name="Oval 23">
-            <a:extLst>
-              <a:ext uri="{FF2B5EF4-FFF2-40B4-BE49-F238E27FC236}">
-                <a16:creationId xmlns:a16="http://schemas.microsoft.com/office/drawing/2014/main" id="{E845005D-3B8D-E7AE-634F-991332D9FF25}"/>
-              </a:ext>
-            </a:extLst>
-          </p:cNvPr>
-          <p:cNvSpPr/>
-          <p:nvPr/>
-        </p:nvSpPr>
-        <p:spPr>
-          <a:xfrm>
-            <a:off x="4165503" y="2455596"/>
-            <a:ext cx="366382" cy="366382"/>
-          </a:xfrm>
-          <a:prstGeom prst="ellipse">
-            <a:avLst/>
-          </a:prstGeom>
-          <a:solidFill>
-            <a:schemeClr val="bg1"/>
-          </a:solidFill>
-          <a:ln>
-            <a:solidFill>
-              <a:schemeClr val="tx1"/>
-            </a:solidFill>
-          </a:ln>
-        </p:spPr>
-        <p:style>
-          <a:lnRef idx="2">
-            <a:schemeClr val="accent1">
-              <a:shade val="15000"/>
-            </a:schemeClr>
-          </a:lnRef>
-          <a:fillRef idx="1">
-            <a:schemeClr val="accent1"/>
-          </a:fillRef>
-          <a:effectRef idx="0">
-            <a:schemeClr val="accent1"/>
-          </a:effectRef>
-          <a:fontRef idx="minor">
-            <a:schemeClr val="lt1"/>
-          </a:fontRef>
-        </p:style>
-        <p:txBody>
-          <a:bodyPr rtlCol="0" anchor="ctr"/>
-          <a:lstStyle/>
-          <a:p>
-            <a:pPr algn="ctr"/>
-            <a:endParaRPr lang="en-US"/>
-          </a:p>
-        </p:txBody>
-      </p:sp>
-      <p:sp>
-        <p:nvSpPr>
-          <p:cNvPr id="25" name="Oval 24">
-            <a:extLst>
-              <a:ext uri="{FF2B5EF4-FFF2-40B4-BE49-F238E27FC236}">
-                <a16:creationId xmlns:a16="http://schemas.microsoft.com/office/drawing/2014/main" id="{DD38C49D-434D-3E69-C9A5-0FF616CE8FF0}"/>
-              </a:ext>
-            </a:extLst>
-          </p:cNvPr>
-          <p:cNvSpPr/>
-          <p:nvPr/>
-        </p:nvSpPr>
-        <p:spPr>
-          <a:xfrm>
-            <a:off x="4165503" y="2878127"/>
-            <a:ext cx="366382" cy="366382"/>
-          </a:xfrm>
-          <a:prstGeom prst="ellipse">
-            <a:avLst/>
-          </a:prstGeom>
-          <a:solidFill>
-            <a:schemeClr val="bg1"/>
-          </a:solidFill>
-          <a:ln>
-            <a:solidFill>
-              <a:schemeClr val="tx1"/>
-            </a:solidFill>
-          </a:ln>
-        </p:spPr>
-        <p:style>
-          <a:lnRef idx="2">
-            <a:schemeClr val="accent1">
-              <a:shade val="15000"/>
-            </a:schemeClr>
-          </a:lnRef>
-          <a:fillRef idx="1">
-            <a:schemeClr val="accent1"/>
-          </a:fillRef>
-          <a:effectRef idx="0">
-            <a:schemeClr val="accent1"/>
-          </a:effectRef>
-          <a:fontRef idx="minor">
-            <a:schemeClr val="lt1"/>
-          </a:fontRef>
-        </p:style>
-        <p:txBody>
-          <a:bodyPr rtlCol="0" anchor="ctr"/>
-          <a:lstStyle/>
-          <a:p>
-            <a:pPr algn="ctr"/>
-            <a:endParaRPr lang="en-US"/>
-          </a:p>
-        </p:txBody>
-      </p:sp>
-      <mc:AlternateContent xmlns:mc="http://schemas.openxmlformats.org/markup-compatibility/2006">
-        <mc:Choice xmlns:a14="http://schemas.microsoft.com/office/drawing/2010/main" Requires="a14">
-          <p:sp>
-            <p:nvSpPr>
-              <p:cNvPr id="30" name="TextBox 29">
-                <a:extLst>
-                  <a:ext uri="{FF2B5EF4-FFF2-40B4-BE49-F238E27FC236}">
-                    <a16:creationId xmlns:a16="http://schemas.microsoft.com/office/drawing/2014/main" id="{3209DFC4-D453-ADBB-23B4-36F5CE47C08A}"/>
-                  </a:ext>
-                </a:extLst>
-              </p:cNvPr>
-              <p:cNvSpPr txBox="1"/>
-              <p:nvPr/>
-            </p:nvSpPr>
-            <p:spPr>
-              <a:xfrm>
-                <a:off x="4531885" y="3096927"/>
-                <a:ext cx="383438" cy="369332"/>
-              </a:xfrm>
-              <a:prstGeom prst="rect">
-                <a:avLst/>
-              </a:prstGeom>
-              <a:noFill/>
-            </p:spPr>
-            <p:txBody>
-              <a:bodyPr wrap="none" rtlCol="0">
-                <a:spAutoFit/>
-              </a:bodyPr>
-              <a:lstStyle/>
-              <a:p>
-                <a:pPr/>
-                <a14:m>
-                  <m:oMathPara xmlns:m="http://schemas.openxmlformats.org/officeDocument/2006/math">
-                    <m:oMathParaPr>
-                      <m:jc m:val="centerGroup"/>
-                    </m:oMathParaPr>
-                    <m:oMath xmlns:m="http://schemas.openxmlformats.org/officeDocument/2006/math">
-                      <m:r>
-                        <a:rPr lang="en-US" b="1" i="1" dirty="0" smtClean="0">
-                          <a:latin typeface="Cambria Math" panose="02040503050406030204" pitchFamily="18" charset="0"/>
-                        </a:rPr>
-                        <m:t>𝝁</m:t>
-                      </m:r>
-                    </m:oMath>
-                  </m:oMathPara>
-                </a14:m>
-                <a:endParaRPr lang="en-US" b="1" i="1" dirty="0">
-                  <a:latin typeface="Cambria Math" panose="02040503050406030204" pitchFamily="18" charset="0"/>
-                </a:endParaRPr>
-              </a:p>
-            </p:txBody>
-          </p:sp>
-        </mc:Choice>
-        <mc:Fallback>
-          <p:sp>
-            <p:nvSpPr>
-              <p:cNvPr id="30" name="TextBox 29">
-                <a:extLst>
-                  <a:ext uri="{FF2B5EF4-FFF2-40B4-BE49-F238E27FC236}">
-                    <a16:creationId xmlns:a16="http://schemas.microsoft.com/office/drawing/2014/main" id="{3209DFC4-D453-ADBB-23B4-36F5CE47C08A}"/>
-                  </a:ext>
-                </a:extLst>
-              </p:cNvPr>
-              <p:cNvSpPr txBox="1">
-                <a:spLocks noRot="1" noChangeAspect="1" noMove="1" noResize="1" noEditPoints="1" noAdjustHandles="1" noChangeArrowheads="1" noChangeShapeType="1" noTextEdit="1"/>
-              </p:cNvSpPr>
-              <p:nvPr/>
-            </p:nvSpPr>
-            <p:spPr>
-              <a:xfrm>
-                <a:off x="4531885" y="3096927"/>
-                <a:ext cx="383438" cy="369332"/>
-              </a:xfrm>
-              <a:prstGeom prst="rect">
-                <a:avLst/>
-              </a:prstGeom>
-              <a:blipFill>
-                <a:blip r:embed="rId3"/>
-                <a:stretch>
-                  <a:fillRect b="-6452"/>
-                </a:stretch>
-              </a:blipFill>
-            </p:spPr>
-            <p:txBody>
-              <a:bodyPr/>
-              <a:lstStyle/>
-              <a:p>
-                <a:r>
-                  <a:rPr lang="en-US">
-                    <a:noFill/>
-                  </a:rPr>
-                  <a:t> </a:t>
-                </a:r>
-              </a:p>
-            </p:txBody>
-          </p:sp>
-        </mc:Fallback>
-      </mc:AlternateContent>
-      <p:cxnSp>
-        <p:nvCxnSpPr>
-          <p:cNvPr id="32" name="Straight Arrow Connector 31">
-            <a:extLst>
-              <a:ext uri="{FF2B5EF4-FFF2-40B4-BE49-F238E27FC236}">
-                <a16:creationId xmlns:a16="http://schemas.microsoft.com/office/drawing/2014/main" id="{7C1AE0D2-599F-7216-0FFF-BBDC889279FD}"/>
-              </a:ext>
-            </a:extLst>
-          </p:cNvPr>
-          <p:cNvCxnSpPr>
-            <a:stCxn id="4" idx="3"/>
-            <a:endCxn id="14" idx="1"/>
-          </p:cNvCxnSpPr>
-          <p:nvPr/>
-        </p:nvCxnSpPr>
-        <p:spPr>
-          <a:xfrm flipV="1">
-            <a:off x="1807779" y="2637055"/>
-            <a:ext cx="926835" cy="3030"/>
-          </a:xfrm>
-          <a:prstGeom prst="straightConnector1">
-            <a:avLst/>
-          </a:prstGeom>
-          <a:ln w="12700">
-            <a:tailEnd type="arrow" w="lg" len="lg"/>
-          </a:ln>
-        </p:spPr>
-        <p:style>
-          <a:lnRef idx="1">
-            <a:schemeClr val="dk1"/>
-          </a:lnRef>
-          <a:fillRef idx="0">
-            <a:schemeClr val="dk1"/>
-          </a:fillRef>
-          <a:effectRef idx="0">
-            <a:schemeClr val="dk1"/>
-          </a:effectRef>
-          <a:fontRef idx="minor">
-            <a:schemeClr val="tx1"/>
-          </a:fontRef>
-        </p:style>
-      </p:cxnSp>
-      <p:cxnSp>
-        <p:nvCxnSpPr>
-          <p:cNvPr id="33" name="Straight Arrow Connector 32">
-            <a:extLst>
-              <a:ext uri="{FF2B5EF4-FFF2-40B4-BE49-F238E27FC236}">
-                <a16:creationId xmlns:a16="http://schemas.microsoft.com/office/drawing/2014/main" id="{2D40F701-253E-78CF-D6D2-746589FEF3F4}"/>
-              </a:ext>
-            </a:extLst>
-          </p:cNvPr>
-          <p:cNvCxnSpPr>
-            <a:cxnSpLocks/>
-            <a:stCxn id="14" idx="3"/>
-            <a:endCxn id="22" idx="1"/>
-          </p:cNvCxnSpPr>
-          <p:nvPr/>
-        </p:nvCxnSpPr>
-        <p:spPr>
-          <a:xfrm>
-            <a:off x="3195507" y="2637055"/>
-            <a:ext cx="923544" cy="0"/>
-          </a:xfrm>
-          <a:prstGeom prst="straightConnector1">
-            <a:avLst/>
-          </a:prstGeom>
-          <a:ln w="12700">
-            <a:tailEnd type="arrow" w="lg" len="lg"/>
-          </a:ln>
-        </p:spPr>
-        <p:style>
-          <a:lnRef idx="1">
-            <a:schemeClr val="dk1"/>
-          </a:lnRef>
-          <a:fillRef idx="0">
-            <a:schemeClr val="dk1"/>
-          </a:fillRef>
-          <a:effectRef idx="0">
-            <a:schemeClr val="dk1"/>
-          </a:effectRef>
-          <a:fontRef idx="minor">
-            <a:schemeClr val="tx1"/>
-          </a:fontRef>
-        </p:style>
-      </p:cxnSp>
-      <p:sp>
-        <p:nvSpPr>
-          <p:cNvPr id="40" name="TextBox 39">
-            <a:extLst>
-              <a:ext uri="{FF2B5EF4-FFF2-40B4-BE49-F238E27FC236}">
-                <a16:creationId xmlns:a16="http://schemas.microsoft.com/office/drawing/2014/main" id="{B857F91D-F9B4-F938-8461-CBCE571A7837}"/>
-              </a:ext>
-            </a:extLst>
-          </p:cNvPr>
-          <p:cNvSpPr txBox="1"/>
-          <p:nvPr/>
-        </p:nvSpPr>
-        <p:spPr>
-          <a:xfrm>
-            <a:off x="5842914" y="1423319"/>
-            <a:ext cx="777457" cy="369332"/>
-          </a:xfrm>
-          <a:prstGeom prst="rect">
-            <a:avLst/>
-          </a:prstGeom>
-          <a:noFill/>
-        </p:spPr>
-        <p:txBody>
-          <a:bodyPr wrap="none" rtlCol="0">
-            <a:spAutoFit/>
-          </a:bodyPr>
-          <a:lstStyle/>
-          <a:p>
-            <a:r>
-              <a:rPr lang="en-US" dirty="0"/>
-              <a:t>Latent</a:t>
-            </a:r>
-          </a:p>
-        </p:txBody>
-      </p:sp>
-      <mc:AlternateContent xmlns:mc="http://schemas.openxmlformats.org/markup-compatibility/2006">
-        <mc:Choice xmlns:a14="http://schemas.microsoft.com/office/drawing/2010/main" Requires="a14">
-          <p:sp>
-            <p:nvSpPr>
-              <p:cNvPr id="41" name="TextBox 40">
-                <a:extLst>
-                  <a:ext uri="{FF2B5EF4-FFF2-40B4-BE49-F238E27FC236}">
-                    <a16:creationId xmlns:a16="http://schemas.microsoft.com/office/drawing/2014/main" id="{FCA76A0B-D290-0CC1-5121-B8CB5D0CBC2C}"/>
-                  </a:ext>
-                </a:extLst>
-              </p:cNvPr>
-              <p:cNvSpPr txBox="1"/>
-              <p:nvPr/>
-            </p:nvSpPr>
-            <p:spPr>
-              <a:xfrm>
-                <a:off x="2005802" y="2215922"/>
-                <a:ext cx="574132" cy="369332"/>
-              </a:xfrm>
-              <a:prstGeom prst="rect">
-                <a:avLst/>
-              </a:prstGeom>
-              <a:noFill/>
-            </p:spPr>
-            <p:txBody>
-              <a:bodyPr wrap="none" rtlCol="0">
-                <a:spAutoFit/>
-              </a:bodyPr>
-              <a:lstStyle/>
-              <a:p>
-                <a:pPr/>
-                <a14:m>
-                  <m:oMathPara xmlns:m="http://schemas.openxmlformats.org/officeDocument/2006/math">
-                    <m:oMathParaPr>
-                      <m:jc m:val="centerGroup"/>
-                    </m:oMathParaPr>
-                    <m:oMath xmlns:m="http://schemas.openxmlformats.org/officeDocument/2006/math">
-                      <m:sSub>
-                        <m:sSubPr>
-                          <m:ctrlPr>
-                            <a:rPr lang="en-US" b="1" i="1" dirty="0" smtClean="0">
-                              <a:latin typeface="Cambria Math" panose="02040503050406030204" pitchFamily="18" charset="0"/>
-                            </a:rPr>
-                          </m:ctrlPr>
-                        </m:sSubPr>
-                        <m:e>
-                          <m:r>
-                            <a:rPr lang="en-US" b="1" i="1" dirty="0" smtClean="0">
-                              <a:latin typeface="Cambria Math" panose="02040503050406030204" pitchFamily="18" charset="0"/>
-                            </a:rPr>
-                            <m:t>𝑾</m:t>
-                          </m:r>
-                        </m:e>
-                        <m:sub>
-                          <m:r>
-                            <a:rPr lang="en-US" b="1" i="1" dirty="0" smtClean="0">
-                              <a:latin typeface="Cambria Math" panose="02040503050406030204" pitchFamily="18" charset="0"/>
-                            </a:rPr>
-                            <m:t>𝟏</m:t>
-                          </m:r>
-                        </m:sub>
-                      </m:sSub>
-                    </m:oMath>
-                  </m:oMathPara>
-                </a14:m>
-                <a:endParaRPr lang="en-US" b="1" i="1" dirty="0">
-                  <a:latin typeface="Cambria Math" panose="02040503050406030204" pitchFamily="18" charset="0"/>
-                </a:endParaRPr>
-              </a:p>
-            </p:txBody>
-          </p:sp>
-        </mc:Choice>
-        <mc:Fallback>
-          <p:sp>
-            <p:nvSpPr>
-              <p:cNvPr id="41" name="TextBox 40">
-                <a:extLst>
-                  <a:ext uri="{FF2B5EF4-FFF2-40B4-BE49-F238E27FC236}">
-                    <a16:creationId xmlns:a16="http://schemas.microsoft.com/office/drawing/2014/main" id="{FCA76A0B-D290-0CC1-5121-B8CB5D0CBC2C}"/>
-                  </a:ext>
-                </a:extLst>
-              </p:cNvPr>
-              <p:cNvSpPr txBox="1">
-                <a:spLocks noRot="1" noChangeAspect="1" noMove="1" noResize="1" noEditPoints="1" noAdjustHandles="1" noChangeArrowheads="1" noChangeShapeType="1" noTextEdit="1"/>
-              </p:cNvSpPr>
-              <p:nvPr/>
-            </p:nvSpPr>
-            <p:spPr>
-              <a:xfrm>
-                <a:off x="2005802" y="2215922"/>
-                <a:ext cx="574132" cy="369332"/>
-              </a:xfrm>
-              <a:prstGeom prst="rect">
-                <a:avLst/>
-              </a:prstGeom>
-              <a:blipFill>
-                <a:blip r:embed="rId4"/>
-                <a:stretch>
-                  <a:fillRect/>
-                </a:stretch>
-              </a:blipFill>
-            </p:spPr>
-            <p:txBody>
-              <a:bodyPr/>
-              <a:lstStyle/>
-              <a:p>
-                <a:r>
-                  <a:rPr lang="en-US">
-                    <a:noFill/>
-                  </a:rPr>
-                  <a:t> </a:t>
-                </a:r>
-              </a:p>
-            </p:txBody>
-          </p:sp>
-        </mc:Fallback>
-      </mc:AlternateContent>
-      <mc:AlternateContent xmlns:mc="http://schemas.openxmlformats.org/markup-compatibility/2006">
-        <mc:Choice xmlns:a14="http://schemas.microsoft.com/office/drawing/2010/main" Requires="a14">
-          <p:sp>
-            <p:nvSpPr>
-              <p:cNvPr id="42" name="TextBox 41">
-                <a:extLst>
-                  <a:ext uri="{FF2B5EF4-FFF2-40B4-BE49-F238E27FC236}">
-                    <a16:creationId xmlns:a16="http://schemas.microsoft.com/office/drawing/2014/main" id="{327FDC35-765D-F476-7508-229A91329928}"/>
-                  </a:ext>
-                </a:extLst>
-              </p:cNvPr>
-              <p:cNvSpPr txBox="1"/>
-              <p:nvPr/>
-            </p:nvSpPr>
-            <p:spPr>
-              <a:xfrm>
-                <a:off x="3382168" y="2215922"/>
-                <a:ext cx="574132" cy="369332"/>
-              </a:xfrm>
-              <a:prstGeom prst="rect">
-                <a:avLst/>
-              </a:prstGeom>
-              <a:noFill/>
-            </p:spPr>
-            <p:txBody>
-              <a:bodyPr wrap="none" rtlCol="0">
-                <a:spAutoFit/>
-              </a:bodyPr>
-              <a:lstStyle/>
-              <a:p>
-                <a:pPr/>
-                <a14:m>
-                  <m:oMathPara xmlns:m="http://schemas.openxmlformats.org/officeDocument/2006/math">
-                    <m:oMathParaPr>
-                      <m:jc m:val="centerGroup"/>
-                    </m:oMathParaPr>
-                    <m:oMath xmlns:m="http://schemas.openxmlformats.org/officeDocument/2006/math">
-                      <m:sSub>
-                        <m:sSubPr>
-                          <m:ctrlPr>
-                            <a:rPr lang="en-US" b="1" i="1" dirty="0" smtClean="0">
-                              <a:latin typeface="Cambria Math" panose="02040503050406030204" pitchFamily="18" charset="0"/>
-                            </a:rPr>
-                          </m:ctrlPr>
-                        </m:sSubPr>
-                        <m:e>
-                          <m:r>
-                            <a:rPr lang="en-US" b="1" i="1" dirty="0" smtClean="0">
-                              <a:latin typeface="Cambria Math" panose="02040503050406030204" pitchFamily="18" charset="0"/>
-                            </a:rPr>
-                            <m:t>𝑾</m:t>
-                          </m:r>
-                        </m:e>
-                        <m:sub>
-                          <m:r>
-                            <a:rPr lang="en-US" b="1" i="1" dirty="0" smtClean="0">
-                              <a:latin typeface="Cambria Math" panose="02040503050406030204" pitchFamily="18" charset="0"/>
-                            </a:rPr>
-                            <m:t>𝟐</m:t>
-                          </m:r>
-                        </m:sub>
-                      </m:sSub>
-                    </m:oMath>
-                  </m:oMathPara>
-                </a14:m>
-                <a:endParaRPr lang="en-US" b="1" i="1" dirty="0">
-                  <a:latin typeface="Cambria Math" panose="02040503050406030204" pitchFamily="18" charset="0"/>
-                </a:endParaRPr>
-              </a:p>
-            </p:txBody>
-          </p:sp>
-        </mc:Choice>
-        <mc:Fallback>
-          <p:sp>
-            <p:nvSpPr>
-              <p:cNvPr id="42" name="TextBox 41">
-                <a:extLst>
-                  <a:ext uri="{FF2B5EF4-FFF2-40B4-BE49-F238E27FC236}">
-                    <a16:creationId xmlns:a16="http://schemas.microsoft.com/office/drawing/2014/main" id="{327FDC35-765D-F476-7508-229A91329928}"/>
-                  </a:ext>
-                </a:extLst>
-              </p:cNvPr>
-              <p:cNvSpPr txBox="1">
-                <a:spLocks noRot="1" noChangeAspect="1" noMove="1" noResize="1" noEditPoints="1" noAdjustHandles="1" noChangeArrowheads="1" noChangeShapeType="1" noTextEdit="1"/>
-              </p:cNvSpPr>
-              <p:nvPr/>
-            </p:nvSpPr>
-            <p:spPr>
-              <a:xfrm>
-                <a:off x="3382168" y="2215922"/>
-                <a:ext cx="574132" cy="369332"/>
-              </a:xfrm>
-              <a:prstGeom prst="rect">
-                <a:avLst/>
-              </a:prstGeom>
-              <a:blipFill>
-                <a:blip r:embed="rId5"/>
-                <a:stretch>
-                  <a:fillRect/>
-                </a:stretch>
-              </a:blipFill>
-            </p:spPr>
-            <p:txBody>
-              <a:bodyPr/>
-              <a:lstStyle/>
-              <a:p>
-                <a:r>
-                  <a:rPr lang="en-US">
-                    <a:noFill/>
-                  </a:rPr>
-                  <a:t> </a:t>
-                </a:r>
-              </a:p>
-            </p:txBody>
-          </p:sp>
-        </mc:Fallback>
-      </mc:AlternateContent>
-      <mc:AlternateContent xmlns:mc="http://schemas.openxmlformats.org/markup-compatibility/2006">
-        <mc:Choice xmlns:a14="http://schemas.microsoft.com/office/drawing/2010/main" Requires="a14">
+      <mc:AlternateContent xmlns:mc="http://schemas.openxmlformats.org/markup-compatibility/2006" xmlns:a14="http://schemas.microsoft.com/office/drawing/2010/main">
+        <mc:Choice Requires="a14">
           <p:sp>
             <p:nvSpPr>
               <p:cNvPr id="49" name="TextBox 48">
@@ -9746,7 +9834,7 @@
             </p:txBody>
           </p:sp>
         </mc:Choice>
-        <mc:Fallback>
+        <mc:Fallback xmlns="">
           <p:sp>
             <p:nvSpPr>
               <p:cNvPr id="49" name="TextBox 48">
@@ -9832,8 +9920,8 @@
           </a:fontRef>
         </p:style>
       </p:cxnSp>
-      <mc:AlternateContent xmlns:mc="http://schemas.openxmlformats.org/markup-compatibility/2006">
-        <mc:Choice xmlns:a14="http://schemas.microsoft.com/office/drawing/2010/main" Requires="a14">
+      <mc:AlternateContent xmlns:mc="http://schemas.openxmlformats.org/markup-compatibility/2006" xmlns:a14="http://schemas.microsoft.com/office/drawing/2010/main">
+        <mc:Choice Requires="a14">
           <p:sp>
             <p:nvSpPr>
               <p:cNvPr id="56" name="TextBox 55">
@@ -9900,7 +9988,7 @@
             </p:txBody>
           </p:sp>
         </mc:Choice>
-        <mc:Fallback>
+        <mc:Fallback xmlns="">
           <p:sp>
             <p:nvSpPr>
               <p:cNvPr id="56" name="TextBox 55">
@@ -9945,8 +10033,8 @@
           </p:sp>
         </mc:Fallback>
       </mc:AlternateContent>
-      <mc:AlternateContent xmlns:mc="http://schemas.openxmlformats.org/markup-compatibility/2006">
-        <mc:Choice xmlns:a14="http://schemas.microsoft.com/office/drawing/2010/main" Requires="a14">
+      <mc:AlternateContent xmlns:mc="http://schemas.openxmlformats.org/markup-compatibility/2006" xmlns:a14="http://schemas.microsoft.com/office/drawing/2010/main">
+        <mc:Choice Requires="a14">
           <p:sp>
             <p:nvSpPr>
               <p:cNvPr id="57" name="TextBox 56">
@@ -9998,7 +10086,7 @@
             </p:txBody>
           </p:sp>
         </mc:Choice>
-        <mc:Fallback>
+        <mc:Fallback xmlns="">
           <p:sp>
             <p:nvSpPr>
               <p:cNvPr id="57" name="TextBox 56">
@@ -10043,8 +10131,8 @@
           </p:sp>
         </mc:Fallback>
       </mc:AlternateContent>
-      <mc:AlternateContent xmlns:mc="http://schemas.openxmlformats.org/markup-compatibility/2006">
-        <mc:Choice xmlns:a14="http://schemas.microsoft.com/office/drawing/2010/main" Requires="a14">
+      <mc:AlternateContent xmlns:mc="http://schemas.openxmlformats.org/markup-compatibility/2006" xmlns:a14="http://schemas.microsoft.com/office/drawing/2010/main">
+        <mc:Choice Requires="a14">
           <p:sp>
             <p:nvSpPr>
               <p:cNvPr id="58" name="TextBox 57">
@@ -10102,7 +10190,7 @@
             </p:txBody>
           </p:sp>
         </mc:Choice>
-        <mc:Fallback>
+        <mc:Fallback xmlns="">
           <p:sp>
             <p:nvSpPr>
               <p:cNvPr id="58" name="TextBox 57">
@@ -11159,8 +11247,8 @@
           </a:fontRef>
         </p:style>
       </p:cxnSp>
-      <mc:AlternateContent xmlns:mc="http://schemas.openxmlformats.org/markup-compatibility/2006">
-        <mc:Choice xmlns:a14="http://schemas.microsoft.com/office/drawing/2010/main" Requires="a14">
+      <mc:AlternateContent xmlns:mc="http://schemas.openxmlformats.org/markup-compatibility/2006" xmlns:a14="http://schemas.microsoft.com/office/drawing/2010/main">
+        <mc:Choice Requires="a14">
           <p:sp>
             <p:nvSpPr>
               <p:cNvPr id="79" name="TextBox 78">
@@ -11231,7 +11319,7 @@
             </p:txBody>
           </p:sp>
         </mc:Choice>
-        <mc:Fallback>
+        <mc:Fallback xmlns="">
           <p:sp>
             <p:nvSpPr>
               <p:cNvPr id="79" name="TextBox 78">
@@ -11276,8 +11364,8 @@
           </p:sp>
         </mc:Fallback>
       </mc:AlternateContent>
-      <mc:AlternateContent xmlns:mc="http://schemas.openxmlformats.org/markup-compatibility/2006">
-        <mc:Choice xmlns:a14="http://schemas.microsoft.com/office/drawing/2010/main" Requires="a14">
+      <mc:AlternateContent xmlns:mc="http://schemas.openxmlformats.org/markup-compatibility/2006" xmlns:a14="http://schemas.microsoft.com/office/drawing/2010/main">
+        <mc:Choice Requires="a14">
           <p:sp>
             <p:nvSpPr>
               <p:cNvPr id="80" name="TextBox 79">
@@ -11348,7 +11436,7 @@
             </p:txBody>
           </p:sp>
         </mc:Choice>
-        <mc:Fallback>
+        <mc:Fallback xmlns="">
           <p:sp>
             <p:nvSpPr>
               <p:cNvPr id="80" name="TextBox 79">
@@ -11434,8 +11522,8 @@
           </a:fontRef>
         </p:style>
       </p:cxnSp>
-      <mc:AlternateContent xmlns:mc="http://schemas.openxmlformats.org/markup-compatibility/2006">
-        <mc:Choice xmlns:a14="http://schemas.microsoft.com/office/drawing/2010/main" Requires="a14">
+      <mc:AlternateContent xmlns:mc="http://schemas.openxmlformats.org/markup-compatibility/2006" xmlns:a14="http://schemas.microsoft.com/office/drawing/2010/main">
+        <mc:Choice Requires="a14">
           <p:sp>
             <p:nvSpPr>
               <p:cNvPr id="82" name="TextBox 81">
@@ -11517,7 +11605,7 @@
             </p:txBody>
           </p:sp>
         </mc:Choice>
-        <mc:Fallback>
+        <mc:Fallback xmlns="">
           <p:sp>
             <p:nvSpPr>
               <p:cNvPr id="82" name="TextBox 81">
